--- a/Deliverables/Task 3.pptx
+++ b/Deliverables/Task 3.pptx
@@ -1,11 +1,19 @@
 
 <file path=ppt/presentation.xml><?xml version="1.0" encoding="utf-8"?>
-<p:presentation xmlns:a="http://schemas.openxmlformats.org/drawingml/2006/main" xmlns:r="http://schemas.openxmlformats.org/officeDocument/2006/relationships" xmlns:p="http://schemas.openxmlformats.org/presentationml/2006/main" saveSubsetFonts="1">
+<p:presentation xmlns:a="http://schemas.openxmlformats.org/drawingml/2006/main" xmlns:r="http://schemas.openxmlformats.org/officeDocument/2006/relationships" xmlns:p="http://schemas.openxmlformats.org/presentationml/2006/main" saveSubsetFonts="1" bookmarkIdSeed="2">
   <p:sldMasterIdLst>
     <p:sldMasterId id="2147483648" r:id="rId1"/>
   </p:sldMasterIdLst>
   <p:sldIdLst>
     <p:sldId id="256" r:id="rId2"/>
+    <p:sldId id="257" r:id="rId3"/>
+    <p:sldId id="258" r:id="rId4"/>
+    <p:sldId id="259" r:id="rId5"/>
+    <p:sldId id="260" r:id="rId6"/>
+    <p:sldId id="261" r:id="rId7"/>
+    <p:sldId id="263" r:id="rId8"/>
+    <p:sldId id="264" r:id="rId9"/>
+    <p:sldId id="265" r:id="rId10"/>
   </p:sldIdLst>
   <p:sldSz cx="12192000" cy="6858000"/>
   <p:notesSz cx="6858000" cy="9144000"/>
@@ -105,6 +113,2678 @@
     </a:lvl9pPr>
   </p:defaultTextStyle>
 </p:presentation>
+</file>
+
+<file path=ppt/charts/chart1.xml><?xml version="1.0" encoding="utf-8"?>
+<c:chartSpace xmlns:c="http://schemas.openxmlformats.org/drawingml/2006/chart" xmlns:a="http://schemas.openxmlformats.org/drawingml/2006/main" xmlns:r="http://schemas.openxmlformats.org/officeDocument/2006/relationships" xmlns:c16r2="http://schemas.microsoft.com/office/drawing/2015/06/chart">
+  <c:date1904 val="0"/>
+  <c:lang val="en-US"/>
+  <c:roundedCorners val="0"/>
+  <mc:AlternateContent xmlns:mc="http://schemas.openxmlformats.org/markup-compatibility/2006">
+    <mc:Choice xmlns:c14="http://schemas.microsoft.com/office/drawing/2007/8/2/chart" Requires="c14">
+      <c14:style val="102"/>
+    </mc:Choice>
+    <mc:Fallback>
+      <c:style val="2"/>
+    </mc:Fallback>
+  </mc:AlternateContent>
+  <c:chart>
+    <c:title>
+      <c:tx>
+        <c:rich>
+          <a:bodyPr rot="0" spcFirstLastPara="1" vertOverflow="ellipsis" vert="horz" wrap="square" anchor="ctr" anchorCtr="1"/>
+          <a:lstStyle/>
+          <a:p>
+            <a:pPr>
+              <a:defRPr sz="1400" b="0" i="0" u="none" strike="noStrike" kern="1200" spc="0" baseline="0">
+                <a:solidFill>
+                  <a:schemeClr val="tx1">
+                    <a:lumMod val="65000"/>
+                    <a:lumOff val="35000"/>
+                  </a:schemeClr>
+                </a:solidFill>
+                <a:latin typeface="+mn-lt"/>
+                <a:ea typeface="+mn-ea"/>
+                <a:cs typeface="+mn-cs"/>
+              </a:defRPr>
+            </a:pPr>
+            <a:r>
+              <a:rPr lang="en-US" b="1"/>
+              <a:t>Confidence</a:t>
+            </a:r>
+            <a:r>
+              <a:rPr lang="en-US" b="1" baseline="0"/>
+              <a:t> Gain by Training Format</a:t>
+            </a:r>
+            <a:endParaRPr lang="en-US" b="1"/>
+          </a:p>
+        </c:rich>
+      </c:tx>
+      <c:overlay val="0"/>
+      <c:spPr>
+        <a:noFill/>
+        <a:ln>
+          <a:noFill/>
+        </a:ln>
+        <a:effectLst/>
+      </c:spPr>
+      <c:txPr>
+        <a:bodyPr rot="0" spcFirstLastPara="1" vertOverflow="ellipsis" vert="horz" wrap="square" anchor="ctr" anchorCtr="1"/>
+        <a:lstStyle/>
+        <a:p>
+          <a:pPr>
+            <a:defRPr sz="1400" b="0" i="0" u="none" strike="noStrike" kern="1200" spc="0" baseline="0">
+              <a:solidFill>
+                <a:schemeClr val="tx1">
+                  <a:lumMod val="65000"/>
+                  <a:lumOff val="35000"/>
+                </a:schemeClr>
+              </a:solidFill>
+              <a:latin typeface="+mn-lt"/>
+              <a:ea typeface="+mn-ea"/>
+              <a:cs typeface="+mn-cs"/>
+            </a:defRPr>
+          </a:pPr>
+          <a:endParaRPr lang="en-US"/>
+        </a:p>
+      </c:txPr>
+    </c:title>
+    <c:autoTitleDeleted val="0"/>
+    <c:plotArea>
+      <c:layout/>
+      <c:barChart>
+        <c:barDir val="bar"/>
+        <c:grouping val="clustered"/>
+        <c:varyColors val="0"/>
+        <c:ser>
+          <c:idx val="0"/>
+          <c:order val="0"/>
+          <c:tx>
+            <c:strRef>
+              <c:f>'Confidence Gains by Training'!$B$1</c:f>
+              <c:strCache>
+                <c:ptCount val="1"/>
+                <c:pt idx="0">
+                  <c:v>Confidence Gain (%)</c:v>
+                </c:pt>
+              </c:strCache>
+            </c:strRef>
+          </c:tx>
+          <c:spPr>
+            <a:solidFill>
+              <a:schemeClr val="accent1"/>
+            </a:solidFill>
+            <a:ln>
+              <a:noFill/>
+            </a:ln>
+            <a:effectLst/>
+          </c:spPr>
+          <c:invertIfNegative val="0"/>
+          <c:dLbls>
+            <c:spPr>
+              <a:solidFill>
+                <a:prstClr val="white"/>
+              </a:solidFill>
+              <a:ln>
+                <a:solidFill>
+                  <a:prstClr val="black">
+                    <a:lumMod val="25000"/>
+                    <a:lumOff val="75000"/>
+                  </a:prstClr>
+                </a:solidFill>
+              </a:ln>
+              <a:effectLst/>
+            </c:spPr>
+            <c:txPr>
+              <a:bodyPr rot="0" spcFirstLastPara="1" vertOverflow="clip" horzOverflow="clip" vert="horz" wrap="square" lIns="38100" tIns="19050" rIns="38100" bIns="19050" anchor="ctr" anchorCtr="1">
+                <a:spAutoFit/>
+              </a:bodyPr>
+              <a:lstStyle/>
+              <a:p>
+                <a:pPr>
+                  <a:defRPr sz="1600" b="0" i="0" u="none" strike="noStrike" kern="1200" baseline="0">
+                    <a:solidFill>
+                      <a:schemeClr val="dk1">
+                        <a:lumMod val="65000"/>
+                        <a:lumOff val="35000"/>
+                      </a:schemeClr>
+                    </a:solidFill>
+                    <a:latin typeface="+mn-lt"/>
+                    <a:ea typeface="+mn-ea"/>
+                    <a:cs typeface="+mn-cs"/>
+                  </a:defRPr>
+                </a:pPr>
+                <a:endParaRPr lang="en-US"/>
+              </a:p>
+            </c:txPr>
+            <c:showLegendKey val="0"/>
+            <c:showVal val="1"/>
+            <c:showCatName val="0"/>
+            <c:showSerName val="0"/>
+            <c:showPercent val="0"/>
+            <c:showBubbleSize val="0"/>
+            <c:showLeaderLines val="0"/>
+            <c:extLst>
+              <c:ext xmlns:c15="http://schemas.microsoft.com/office/drawing/2012/chart" uri="{CE6537A1-D6FC-4f65-9D91-7224C49458BB}">
+                <c15:spPr xmlns:c15="http://schemas.microsoft.com/office/drawing/2012/chart">
+                  <a:prstGeom prst="wedgeRectCallout">
+                    <a:avLst/>
+                  </a:prstGeom>
+                  <a:noFill/>
+                  <a:ln>
+                    <a:noFill/>
+                  </a:ln>
+                </c15:spPr>
+                <c15:showLeaderLines val="0"/>
+              </c:ext>
+            </c:extLst>
+          </c:dLbls>
+          <c:cat>
+            <c:strRef>
+              <c:f>'Confidence Gains by Training'!$A$2:$A$6</c:f>
+              <c:strCache>
+                <c:ptCount val="5"/>
+                <c:pt idx="0">
+                  <c:v>Standard Workshop</c:v>
+                </c:pt>
+                <c:pt idx="1">
+                  <c:v>Cascade Models</c:v>
+                </c:pt>
+                <c:pt idx="2">
+                  <c:v>Simulation-Based</c:v>
+                </c:pt>
+                <c:pt idx="3">
+                  <c:v>Domain-Specific</c:v>
+                </c:pt>
+                <c:pt idx="4">
+                  <c:v>FITS into Practice</c:v>
+                </c:pt>
+              </c:strCache>
+            </c:strRef>
+          </c:cat>
+          <c:val>
+            <c:numRef>
+              <c:f>'Confidence Gains by Training'!$B$2:$B$6</c:f>
+              <c:numCache>
+                <c:formatCode>General</c:formatCode>
+                <c:ptCount val="5"/>
+                <c:pt idx="0">
+                  <c:v>30</c:v>
+                </c:pt>
+                <c:pt idx="1">
+                  <c:v>35</c:v>
+                </c:pt>
+                <c:pt idx="2">
+                  <c:v>80</c:v>
+                </c:pt>
+                <c:pt idx="3">
+                  <c:v>20</c:v>
+                </c:pt>
+                <c:pt idx="4">
+                  <c:v>45</c:v>
+                </c:pt>
+              </c:numCache>
+            </c:numRef>
+          </c:val>
+          <c:extLst>
+            <c:ext xmlns:c16="http://schemas.microsoft.com/office/drawing/2014/chart" uri="{C3380CC4-5D6E-409C-BE32-E72D297353CC}">
+              <c16:uniqueId val="{00000000-40B1-4419-8B96-638FF10DED56}"/>
+            </c:ext>
+          </c:extLst>
+        </c:ser>
+        <c:dLbls>
+          <c:showLegendKey val="0"/>
+          <c:showVal val="0"/>
+          <c:showCatName val="0"/>
+          <c:showSerName val="0"/>
+          <c:showPercent val="0"/>
+          <c:showBubbleSize val="0"/>
+        </c:dLbls>
+        <c:gapWidth val="182"/>
+        <c:axId val="641058159"/>
+        <c:axId val="641058639"/>
+      </c:barChart>
+      <c:catAx>
+        <c:axId val="641058159"/>
+        <c:scaling>
+          <c:orientation val="minMax"/>
+        </c:scaling>
+        <c:delete val="0"/>
+        <c:axPos val="l"/>
+        <c:numFmt formatCode="General" sourceLinked="1"/>
+        <c:majorTickMark val="none"/>
+        <c:minorTickMark val="none"/>
+        <c:tickLblPos val="nextTo"/>
+        <c:spPr>
+          <a:noFill/>
+          <a:ln w="9525" cap="flat" cmpd="sng" algn="ctr">
+            <a:solidFill>
+              <a:schemeClr val="tx1">
+                <a:lumMod val="15000"/>
+                <a:lumOff val="85000"/>
+              </a:schemeClr>
+            </a:solidFill>
+            <a:round/>
+          </a:ln>
+          <a:effectLst/>
+        </c:spPr>
+        <c:txPr>
+          <a:bodyPr rot="-60000000" spcFirstLastPara="1" vertOverflow="ellipsis" vert="horz" wrap="square" anchor="ctr" anchorCtr="1"/>
+          <a:lstStyle/>
+          <a:p>
+            <a:pPr>
+              <a:defRPr sz="900" b="1" i="0" u="none" strike="noStrike" kern="1200" baseline="0">
+                <a:solidFill>
+                  <a:schemeClr val="tx1">
+                    <a:lumMod val="65000"/>
+                    <a:lumOff val="35000"/>
+                  </a:schemeClr>
+                </a:solidFill>
+                <a:latin typeface="+mn-lt"/>
+                <a:ea typeface="+mn-ea"/>
+                <a:cs typeface="+mn-cs"/>
+              </a:defRPr>
+            </a:pPr>
+            <a:endParaRPr lang="en-US"/>
+          </a:p>
+        </c:txPr>
+        <c:crossAx val="641058639"/>
+        <c:crosses val="autoZero"/>
+        <c:auto val="1"/>
+        <c:lblAlgn val="ctr"/>
+        <c:lblOffset val="100"/>
+        <c:noMultiLvlLbl val="0"/>
+      </c:catAx>
+      <c:valAx>
+        <c:axId val="641058639"/>
+        <c:scaling>
+          <c:orientation val="minMax"/>
+        </c:scaling>
+        <c:delete val="1"/>
+        <c:axPos val="b"/>
+        <c:numFmt formatCode="General" sourceLinked="1"/>
+        <c:majorTickMark val="none"/>
+        <c:minorTickMark val="none"/>
+        <c:tickLblPos val="nextTo"/>
+        <c:crossAx val="641058159"/>
+        <c:crosses val="autoZero"/>
+        <c:crossBetween val="between"/>
+      </c:valAx>
+      <c:spPr>
+        <a:noFill/>
+        <a:ln>
+          <a:noFill/>
+        </a:ln>
+        <a:effectLst/>
+      </c:spPr>
+    </c:plotArea>
+    <c:plotVisOnly val="1"/>
+    <c:dispBlanksAs val="gap"/>
+    <c:showDLblsOverMax val="0"/>
+  </c:chart>
+  <c:spPr>
+    <a:noFill/>
+    <a:ln>
+      <a:noFill/>
+    </a:ln>
+    <a:effectLst/>
+  </c:spPr>
+  <c:txPr>
+    <a:bodyPr/>
+    <a:lstStyle/>
+    <a:p>
+      <a:pPr>
+        <a:defRPr/>
+      </a:pPr>
+      <a:endParaRPr lang="en-US"/>
+    </a:p>
+  </c:txPr>
+  <c:externalData r:id="rId3">
+    <c:autoUpdate val="0"/>
+  </c:externalData>
+</c:chartSpace>
+</file>
+
+<file path=ppt/charts/chart2.xml><?xml version="1.0" encoding="utf-8"?>
+<c:chartSpace xmlns:c="http://schemas.openxmlformats.org/drawingml/2006/chart" xmlns:a="http://schemas.openxmlformats.org/drawingml/2006/main" xmlns:r="http://schemas.openxmlformats.org/officeDocument/2006/relationships" xmlns:c16r2="http://schemas.microsoft.com/office/drawing/2015/06/chart">
+  <c:date1904 val="0"/>
+  <c:lang val="en-US"/>
+  <c:roundedCorners val="0"/>
+  <mc:AlternateContent xmlns:mc="http://schemas.openxmlformats.org/markup-compatibility/2006">
+    <mc:Choice xmlns:c14="http://schemas.microsoft.com/office/drawing/2007/8/2/chart" Requires="c14">
+      <c14:style val="102"/>
+    </mc:Choice>
+    <mc:Fallback>
+      <c:style val="2"/>
+    </mc:Fallback>
+  </mc:AlternateContent>
+  <c:chart>
+    <c:title>
+      <c:tx>
+        <c:rich>
+          <a:bodyPr rot="0" spcFirstLastPara="1" vertOverflow="ellipsis" vert="horz" wrap="square" anchor="ctr" anchorCtr="1"/>
+          <a:lstStyle/>
+          <a:p>
+            <a:pPr>
+              <a:defRPr sz="1400" b="1" i="0" u="none" strike="noStrike" kern="1200" spc="0" baseline="0">
+                <a:solidFill>
+                  <a:schemeClr val="tx1">
+                    <a:lumMod val="65000"/>
+                    <a:lumOff val="35000"/>
+                  </a:schemeClr>
+                </a:solidFill>
+                <a:latin typeface="+mn-lt"/>
+                <a:ea typeface="+mn-ea"/>
+                <a:cs typeface="+mn-cs"/>
+              </a:defRPr>
+            </a:pPr>
+            <a:r>
+              <a:rPr lang="en-US"/>
+              <a:t>Change in Dementia Care Confidence Scores</a:t>
+            </a:r>
+          </a:p>
+        </c:rich>
+      </c:tx>
+      <c:overlay val="0"/>
+      <c:spPr>
+        <a:noFill/>
+        <a:ln>
+          <a:noFill/>
+        </a:ln>
+        <a:effectLst/>
+      </c:spPr>
+      <c:txPr>
+        <a:bodyPr rot="0" spcFirstLastPara="1" vertOverflow="ellipsis" vert="horz" wrap="square" anchor="ctr" anchorCtr="1"/>
+        <a:lstStyle/>
+        <a:p>
+          <a:pPr>
+            <a:defRPr sz="1400" b="1" i="0" u="none" strike="noStrike" kern="1200" spc="0" baseline="0">
+              <a:solidFill>
+                <a:schemeClr val="tx1">
+                  <a:lumMod val="65000"/>
+                  <a:lumOff val="35000"/>
+                </a:schemeClr>
+              </a:solidFill>
+              <a:latin typeface="+mn-lt"/>
+              <a:ea typeface="+mn-ea"/>
+              <a:cs typeface="+mn-cs"/>
+            </a:defRPr>
+          </a:pPr>
+          <a:endParaRPr lang="en-US"/>
+        </a:p>
+      </c:txPr>
+    </c:title>
+    <c:autoTitleDeleted val="0"/>
+    <c:plotArea>
+      <c:layout/>
+      <c:barChart>
+        <c:barDir val="col"/>
+        <c:grouping val="clustered"/>
+        <c:varyColors val="0"/>
+        <c:ser>
+          <c:idx val="0"/>
+          <c:order val="0"/>
+          <c:tx>
+            <c:strRef>
+              <c:f>'Dementia Care Confidence Score'!$B$1</c:f>
+              <c:strCache>
+                <c:ptCount val="1"/>
+                <c:pt idx="0">
+                  <c:v>Mean Confidence Score</c:v>
+                </c:pt>
+              </c:strCache>
+            </c:strRef>
+          </c:tx>
+          <c:spPr>
+            <a:solidFill>
+              <a:schemeClr val="accent1"/>
+            </a:solidFill>
+            <a:ln>
+              <a:noFill/>
+            </a:ln>
+            <a:effectLst/>
+          </c:spPr>
+          <c:invertIfNegative val="0"/>
+          <c:dLbls>
+            <c:spPr>
+              <a:solidFill>
+                <a:prstClr val="white"/>
+              </a:solidFill>
+              <a:ln>
+                <a:solidFill>
+                  <a:prstClr val="black">
+                    <a:lumMod val="25000"/>
+                    <a:lumOff val="75000"/>
+                  </a:prstClr>
+                </a:solidFill>
+              </a:ln>
+              <a:effectLst/>
+            </c:spPr>
+            <c:txPr>
+              <a:bodyPr rot="0" spcFirstLastPara="1" vertOverflow="clip" horzOverflow="clip" vert="horz" wrap="square" lIns="36576" tIns="18288" rIns="36576" bIns="18288" anchor="ctr" anchorCtr="1">
+                <a:spAutoFit/>
+              </a:bodyPr>
+              <a:lstStyle/>
+              <a:p>
+                <a:pPr>
+                  <a:defRPr sz="1600" b="1" i="0" u="none" strike="noStrike" kern="1200" baseline="0">
+                    <a:solidFill>
+                      <a:schemeClr val="dk1">
+                        <a:lumMod val="65000"/>
+                        <a:lumOff val="35000"/>
+                      </a:schemeClr>
+                    </a:solidFill>
+                    <a:latin typeface="+mn-lt"/>
+                    <a:ea typeface="+mn-ea"/>
+                    <a:cs typeface="+mn-cs"/>
+                  </a:defRPr>
+                </a:pPr>
+                <a:endParaRPr lang="en-US"/>
+              </a:p>
+            </c:txPr>
+            <c:dLblPos val="outEnd"/>
+            <c:showLegendKey val="0"/>
+            <c:showVal val="1"/>
+            <c:showCatName val="0"/>
+            <c:showSerName val="0"/>
+            <c:showPercent val="0"/>
+            <c:showBubbleSize val="0"/>
+            <c:showLeaderLines val="0"/>
+            <c:extLst>
+              <c:ext xmlns:c15="http://schemas.microsoft.com/office/drawing/2012/chart" uri="{CE6537A1-D6FC-4f65-9D91-7224C49458BB}">
+                <c15:spPr xmlns:c15="http://schemas.microsoft.com/office/drawing/2012/chart">
+                  <a:prstGeom prst="wedgeRectCallout">
+                    <a:avLst/>
+                  </a:prstGeom>
+                  <a:noFill/>
+                  <a:ln>
+                    <a:noFill/>
+                  </a:ln>
+                </c15:spPr>
+                <c15:showLeaderLines val="0"/>
+              </c:ext>
+            </c:extLst>
+          </c:dLbls>
+          <c:cat>
+            <c:strRef>
+              <c:f>'Dementia Care Confidence Score'!$A$2:$A$3</c:f>
+              <c:strCache>
+                <c:ptCount val="2"/>
+                <c:pt idx="0">
+                  <c:v>Pre-Training</c:v>
+                </c:pt>
+                <c:pt idx="1">
+                  <c:v>Post-Training</c:v>
+                </c:pt>
+              </c:strCache>
+            </c:strRef>
+          </c:cat>
+          <c:val>
+            <c:numRef>
+              <c:f>'Dementia Care Confidence Score'!$B$2:$B$3</c:f>
+              <c:numCache>
+                <c:formatCode>General</c:formatCode>
+                <c:ptCount val="2"/>
+                <c:pt idx="0">
+                  <c:v>55</c:v>
+                </c:pt>
+                <c:pt idx="1">
+                  <c:v>75</c:v>
+                </c:pt>
+              </c:numCache>
+            </c:numRef>
+          </c:val>
+          <c:extLst>
+            <c:ext xmlns:c16="http://schemas.microsoft.com/office/drawing/2014/chart" uri="{C3380CC4-5D6E-409C-BE32-E72D297353CC}">
+              <c16:uniqueId val="{00000000-5BAB-4910-944F-B945673A6855}"/>
+            </c:ext>
+          </c:extLst>
+        </c:ser>
+        <c:dLbls>
+          <c:dLblPos val="outEnd"/>
+          <c:showLegendKey val="0"/>
+          <c:showVal val="0"/>
+          <c:showCatName val="0"/>
+          <c:showSerName val="0"/>
+          <c:showPercent val="0"/>
+          <c:showBubbleSize val="0"/>
+        </c:dLbls>
+        <c:gapWidth val="219"/>
+        <c:overlap val="-27"/>
+        <c:axId val="641049999"/>
+        <c:axId val="641047119"/>
+      </c:barChart>
+      <c:catAx>
+        <c:axId val="641049999"/>
+        <c:scaling>
+          <c:orientation val="minMax"/>
+        </c:scaling>
+        <c:delete val="0"/>
+        <c:axPos val="b"/>
+        <c:numFmt formatCode="General" sourceLinked="1"/>
+        <c:majorTickMark val="none"/>
+        <c:minorTickMark val="none"/>
+        <c:tickLblPos val="nextTo"/>
+        <c:spPr>
+          <a:noFill/>
+          <a:ln w="9525" cap="flat" cmpd="sng" algn="ctr">
+            <a:solidFill>
+              <a:schemeClr val="tx1">
+                <a:lumMod val="15000"/>
+                <a:lumOff val="85000"/>
+              </a:schemeClr>
+            </a:solidFill>
+            <a:round/>
+          </a:ln>
+          <a:effectLst/>
+        </c:spPr>
+        <c:txPr>
+          <a:bodyPr rot="-60000000" spcFirstLastPara="1" vertOverflow="ellipsis" vert="horz" wrap="square" anchor="ctr" anchorCtr="1"/>
+          <a:lstStyle/>
+          <a:p>
+            <a:pPr>
+              <a:defRPr sz="900" b="1" i="0" u="none" strike="noStrike" kern="1200" baseline="0">
+                <a:solidFill>
+                  <a:schemeClr val="tx1">
+                    <a:lumMod val="65000"/>
+                    <a:lumOff val="35000"/>
+                  </a:schemeClr>
+                </a:solidFill>
+                <a:latin typeface="+mn-lt"/>
+                <a:ea typeface="+mn-ea"/>
+                <a:cs typeface="+mn-cs"/>
+              </a:defRPr>
+            </a:pPr>
+            <a:endParaRPr lang="en-US"/>
+          </a:p>
+        </c:txPr>
+        <c:crossAx val="641047119"/>
+        <c:crosses val="autoZero"/>
+        <c:auto val="1"/>
+        <c:lblAlgn val="ctr"/>
+        <c:lblOffset val="100"/>
+        <c:noMultiLvlLbl val="0"/>
+      </c:catAx>
+      <c:valAx>
+        <c:axId val="641047119"/>
+        <c:scaling>
+          <c:orientation val="minMax"/>
+        </c:scaling>
+        <c:delete val="1"/>
+        <c:axPos val="l"/>
+        <c:numFmt formatCode="General" sourceLinked="1"/>
+        <c:majorTickMark val="none"/>
+        <c:minorTickMark val="none"/>
+        <c:tickLblPos val="nextTo"/>
+        <c:crossAx val="641049999"/>
+        <c:crosses val="autoZero"/>
+        <c:crossBetween val="between"/>
+      </c:valAx>
+      <c:spPr>
+        <a:noFill/>
+        <a:ln>
+          <a:noFill/>
+        </a:ln>
+        <a:effectLst/>
+      </c:spPr>
+    </c:plotArea>
+    <c:plotVisOnly val="1"/>
+    <c:dispBlanksAs val="gap"/>
+    <c:showDLblsOverMax val="0"/>
+  </c:chart>
+  <c:spPr>
+    <a:noFill/>
+    <a:ln>
+      <a:noFill/>
+    </a:ln>
+    <a:effectLst/>
+  </c:spPr>
+  <c:txPr>
+    <a:bodyPr/>
+    <a:lstStyle/>
+    <a:p>
+      <a:pPr>
+        <a:defRPr b="1"/>
+      </a:pPr>
+      <a:endParaRPr lang="en-US"/>
+    </a:p>
+  </c:txPr>
+  <c:externalData r:id="rId3">
+    <c:autoUpdate val="0"/>
+  </c:externalData>
+</c:chartSpace>
+</file>
+
+<file path=ppt/charts/chart3.xml><?xml version="1.0" encoding="utf-8"?>
+<c:chartSpace xmlns:c="http://schemas.openxmlformats.org/drawingml/2006/chart" xmlns:a="http://schemas.openxmlformats.org/drawingml/2006/main" xmlns:r="http://schemas.openxmlformats.org/officeDocument/2006/relationships" xmlns:c16r2="http://schemas.microsoft.com/office/drawing/2015/06/chart">
+  <c:date1904 val="0"/>
+  <c:lang val="en-US"/>
+  <c:roundedCorners val="0"/>
+  <mc:AlternateContent xmlns:mc="http://schemas.openxmlformats.org/markup-compatibility/2006">
+    <mc:Choice xmlns:c14="http://schemas.microsoft.com/office/drawing/2007/8/2/chart" Requires="c14">
+      <c14:style val="102"/>
+    </mc:Choice>
+    <mc:Fallback>
+      <c:style val="2"/>
+    </mc:Fallback>
+  </mc:AlternateContent>
+  <c:chart>
+    <c:autoTitleDeleted val="1"/>
+    <c:plotArea>
+      <c:layout/>
+      <c:barChart>
+        <c:barDir val="col"/>
+        <c:grouping val="clustered"/>
+        <c:varyColors val="0"/>
+        <c:ser>
+          <c:idx val="0"/>
+          <c:order val="0"/>
+          <c:tx>
+            <c:strRef>
+              <c:f>'Resident Outcomes Pre vs Post'!$A$2</c:f>
+              <c:strCache>
+                <c:ptCount val="1"/>
+                <c:pt idx="0">
+                  <c:v>Agitation Episodes</c:v>
+                </c:pt>
+              </c:strCache>
+            </c:strRef>
+          </c:tx>
+          <c:spPr>
+            <a:solidFill>
+              <a:schemeClr val="accent1"/>
+            </a:solidFill>
+            <a:ln>
+              <a:noFill/>
+            </a:ln>
+            <a:effectLst/>
+          </c:spPr>
+          <c:invertIfNegative val="0"/>
+          <c:dLbls>
+            <c:spPr>
+              <a:noFill/>
+              <a:ln>
+                <a:noFill/>
+              </a:ln>
+              <a:effectLst/>
+            </c:spPr>
+            <c:txPr>
+              <a:bodyPr rot="0" spcFirstLastPara="1" vertOverflow="ellipsis" vert="horz" wrap="square" lIns="38100" tIns="19050" rIns="38100" bIns="19050" anchor="ctr" anchorCtr="1">
+                <a:spAutoFit/>
+              </a:bodyPr>
+              <a:lstStyle/>
+              <a:p>
+                <a:pPr>
+                  <a:defRPr sz="1200" b="1" i="0" u="none" strike="noStrike" kern="1200" baseline="0">
+                    <a:solidFill>
+                      <a:schemeClr val="tx1">
+                        <a:lumMod val="75000"/>
+                        <a:lumOff val="25000"/>
+                      </a:schemeClr>
+                    </a:solidFill>
+                    <a:latin typeface="+mn-lt"/>
+                    <a:ea typeface="+mn-ea"/>
+                    <a:cs typeface="+mn-cs"/>
+                  </a:defRPr>
+                </a:pPr>
+                <a:endParaRPr lang="en-US"/>
+              </a:p>
+            </c:txPr>
+            <c:dLblPos val="outEnd"/>
+            <c:showLegendKey val="0"/>
+            <c:showVal val="1"/>
+            <c:showCatName val="0"/>
+            <c:showSerName val="0"/>
+            <c:showPercent val="0"/>
+            <c:showBubbleSize val="0"/>
+            <c:showLeaderLines val="0"/>
+            <c:extLst>
+              <c:ext xmlns:c15="http://schemas.microsoft.com/office/drawing/2012/chart" uri="{CE6537A1-D6FC-4f65-9D91-7224C49458BB}">
+                <c15:showLeaderLines val="1"/>
+                <c15:leaderLines>
+                  <c:spPr>
+                    <a:ln w="9525" cap="flat" cmpd="sng" algn="ctr">
+                      <a:solidFill>
+                        <a:schemeClr val="tx1">
+                          <a:lumMod val="35000"/>
+                          <a:lumOff val="65000"/>
+                        </a:schemeClr>
+                      </a:solidFill>
+                      <a:round/>
+                    </a:ln>
+                    <a:effectLst/>
+                  </c:spPr>
+                </c15:leaderLines>
+              </c:ext>
+            </c:extLst>
+          </c:dLbls>
+          <c:cat>
+            <c:strRef>
+              <c:f>'Resident Outcomes Pre vs Post'!$B$1:$C$1</c:f>
+              <c:strCache>
+                <c:ptCount val="2"/>
+                <c:pt idx="0">
+                  <c:v>Pre-Training</c:v>
+                </c:pt>
+                <c:pt idx="1">
+                  <c:v>Post-Training</c:v>
+                </c:pt>
+              </c:strCache>
+            </c:strRef>
+          </c:cat>
+          <c:val>
+            <c:numRef>
+              <c:f>'Resident Outcomes Pre vs Post'!$B$2:$C$2</c:f>
+              <c:numCache>
+                <c:formatCode>General</c:formatCode>
+                <c:ptCount val="2"/>
+                <c:pt idx="0">
+                  <c:v>100</c:v>
+                </c:pt>
+                <c:pt idx="1">
+                  <c:v>75</c:v>
+                </c:pt>
+              </c:numCache>
+            </c:numRef>
+          </c:val>
+          <c:extLst>
+            <c:ext xmlns:c16="http://schemas.microsoft.com/office/drawing/2014/chart" uri="{C3380CC4-5D6E-409C-BE32-E72D297353CC}">
+              <c16:uniqueId val="{00000000-9714-4893-8C60-AD5CDADF314A}"/>
+            </c:ext>
+          </c:extLst>
+        </c:ser>
+        <c:ser>
+          <c:idx val="1"/>
+          <c:order val="1"/>
+          <c:tx>
+            <c:strRef>
+              <c:f>'Resident Outcomes Pre vs Post'!$A$3</c:f>
+              <c:strCache>
+                <c:ptCount val="1"/>
+                <c:pt idx="0">
+                  <c:v>Antipsychotic Prescriptions</c:v>
+                </c:pt>
+              </c:strCache>
+            </c:strRef>
+          </c:tx>
+          <c:spPr>
+            <a:solidFill>
+              <a:schemeClr val="accent2"/>
+            </a:solidFill>
+            <a:ln>
+              <a:noFill/>
+            </a:ln>
+            <a:effectLst/>
+          </c:spPr>
+          <c:invertIfNegative val="0"/>
+          <c:dLbls>
+            <c:spPr>
+              <a:noFill/>
+              <a:ln>
+                <a:noFill/>
+              </a:ln>
+              <a:effectLst/>
+            </c:spPr>
+            <c:txPr>
+              <a:bodyPr rot="0" spcFirstLastPara="1" vertOverflow="ellipsis" vert="horz" wrap="square" lIns="38100" tIns="19050" rIns="38100" bIns="19050" anchor="ctr" anchorCtr="1">
+                <a:spAutoFit/>
+              </a:bodyPr>
+              <a:lstStyle/>
+              <a:p>
+                <a:pPr>
+                  <a:defRPr sz="1200" b="1" i="0" u="none" strike="noStrike" kern="1200" baseline="0">
+                    <a:solidFill>
+                      <a:schemeClr val="tx1">
+                        <a:lumMod val="75000"/>
+                        <a:lumOff val="25000"/>
+                      </a:schemeClr>
+                    </a:solidFill>
+                    <a:latin typeface="+mn-lt"/>
+                    <a:ea typeface="+mn-ea"/>
+                    <a:cs typeface="+mn-cs"/>
+                  </a:defRPr>
+                </a:pPr>
+                <a:endParaRPr lang="en-US"/>
+              </a:p>
+            </c:txPr>
+            <c:dLblPos val="outEnd"/>
+            <c:showLegendKey val="0"/>
+            <c:showVal val="1"/>
+            <c:showCatName val="0"/>
+            <c:showSerName val="0"/>
+            <c:showPercent val="0"/>
+            <c:showBubbleSize val="0"/>
+            <c:showLeaderLines val="0"/>
+            <c:extLst>
+              <c:ext xmlns:c15="http://schemas.microsoft.com/office/drawing/2012/chart" uri="{CE6537A1-D6FC-4f65-9D91-7224C49458BB}">
+                <c15:showLeaderLines val="1"/>
+                <c15:leaderLines>
+                  <c:spPr>
+                    <a:ln w="9525" cap="flat" cmpd="sng" algn="ctr">
+                      <a:solidFill>
+                        <a:schemeClr val="tx1">
+                          <a:lumMod val="35000"/>
+                          <a:lumOff val="65000"/>
+                        </a:schemeClr>
+                      </a:solidFill>
+                      <a:round/>
+                    </a:ln>
+                    <a:effectLst/>
+                  </c:spPr>
+                </c15:leaderLines>
+              </c:ext>
+            </c:extLst>
+          </c:dLbls>
+          <c:cat>
+            <c:strRef>
+              <c:f>'Resident Outcomes Pre vs Post'!$B$1:$C$1</c:f>
+              <c:strCache>
+                <c:ptCount val="2"/>
+                <c:pt idx="0">
+                  <c:v>Pre-Training</c:v>
+                </c:pt>
+                <c:pt idx="1">
+                  <c:v>Post-Training</c:v>
+                </c:pt>
+              </c:strCache>
+            </c:strRef>
+          </c:cat>
+          <c:val>
+            <c:numRef>
+              <c:f>'Resident Outcomes Pre vs Post'!$B$3:$C$3</c:f>
+              <c:numCache>
+                <c:formatCode>General</c:formatCode>
+                <c:ptCount val="2"/>
+                <c:pt idx="0">
+                  <c:v>50</c:v>
+                </c:pt>
+                <c:pt idx="1">
+                  <c:v>30</c:v>
+                </c:pt>
+              </c:numCache>
+            </c:numRef>
+          </c:val>
+          <c:extLst>
+            <c:ext xmlns:c16="http://schemas.microsoft.com/office/drawing/2014/chart" uri="{C3380CC4-5D6E-409C-BE32-E72D297353CC}">
+              <c16:uniqueId val="{00000001-9714-4893-8C60-AD5CDADF314A}"/>
+            </c:ext>
+          </c:extLst>
+        </c:ser>
+        <c:dLbls>
+          <c:dLblPos val="outEnd"/>
+          <c:showLegendKey val="0"/>
+          <c:showVal val="1"/>
+          <c:showCatName val="0"/>
+          <c:showSerName val="0"/>
+          <c:showPercent val="0"/>
+          <c:showBubbleSize val="0"/>
+        </c:dLbls>
+        <c:gapWidth val="219"/>
+        <c:overlap val="-27"/>
+        <c:axId val="641061999"/>
+        <c:axId val="641052399"/>
+      </c:barChart>
+      <c:catAx>
+        <c:axId val="641061999"/>
+        <c:scaling>
+          <c:orientation val="minMax"/>
+        </c:scaling>
+        <c:delete val="0"/>
+        <c:axPos val="b"/>
+        <c:numFmt formatCode="General" sourceLinked="1"/>
+        <c:majorTickMark val="none"/>
+        <c:minorTickMark val="none"/>
+        <c:tickLblPos val="nextTo"/>
+        <c:spPr>
+          <a:noFill/>
+          <a:ln w="9525" cap="flat" cmpd="sng" algn="ctr">
+            <a:solidFill>
+              <a:schemeClr val="tx1">
+                <a:lumMod val="15000"/>
+                <a:lumOff val="85000"/>
+              </a:schemeClr>
+            </a:solidFill>
+            <a:round/>
+          </a:ln>
+          <a:effectLst/>
+        </c:spPr>
+        <c:txPr>
+          <a:bodyPr rot="-60000000" spcFirstLastPara="1" vertOverflow="ellipsis" vert="horz" wrap="square" anchor="ctr" anchorCtr="1"/>
+          <a:lstStyle/>
+          <a:p>
+            <a:pPr>
+              <a:defRPr sz="900" b="1" i="0" u="none" strike="noStrike" kern="1200" baseline="0">
+                <a:solidFill>
+                  <a:schemeClr val="tx1">
+                    <a:lumMod val="65000"/>
+                    <a:lumOff val="35000"/>
+                  </a:schemeClr>
+                </a:solidFill>
+                <a:latin typeface="+mn-lt"/>
+                <a:ea typeface="+mn-ea"/>
+                <a:cs typeface="+mn-cs"/>
+              </a:defRPr>
+            </a:pPr>
+            <a:endParaRPr lang="en-US"/>
+          </a:p>
+        </c:txPr>
+        <c:crossAx val="641052399"/>
+        <c:crosses val="autoZero"/>
+        <c:auto val="1"/>
+        <c:lblAlgn val="ctr"/>
+        <c:lblOffset val="100"/>
+        <c:noMultiLvlLbl val="0"/>
+      </c:catAx>
+      <c:valAx>
+        <c:axId val="641052399"/>
+        <c:scaling>
+          <c:orientation val="minMax"/>
+        </c:scaling>
+        <c:delete val="1"/>
+        <c:axPos val="l"/>
+        <c:numFmt formatCode="General" sourceLinked="1"/>
+        <c:majorTickMark val="none"/>
+        <c:minorTickMark val="none"/>
+        <c:tickLblPos val="nextTo"/>
+        <c:crossAx val="641061999"/>
+        <c:crosses val="autoZero"/>
+        <c:crossBetween val="between"/>
+      </c:valAx>
+      <c:spPr>
+        <a:noFill/>
+        <a:ln>
+          <a:noFill/>
+        </a:ln>
+        <a:effectLst/>
+      </c:spPr>
+    </c:plotArea>
+    <c:legend>
+      <c:legendPos val="b"/>
+      <c:overlay val="0"/>
+      <c:spPr>
+        <a:noFill/>
+        <a:ln>
+          <a:noFill/>
+        </a:ln>
+        <a:effectLst/>
+      </c:spPr>
+      <c:txPr>
+        <a:bodyPr rot="0" spcFirstLastPara="1" vertOverflow="ellipsis" vert="horz" wrap="square" anchor="ctr" anchorCtr="1"/>
+        <a:lstStyle/>
+        <a:p>
+          <a:pPr>
+            <a:defRPr sz="900" b="1" i="0" u="none" strike="noStrike" kern="1200" baseline="0">
+              <a:solidFill>
+                <a:schemeClr val="tx1">
+                  <a:lumMod val="65000"/>
+                  <a:lumOff val="35000"/>
+                </a:schemeClr>
+              </a:solidFill>
+              <a:latin typeface="+mn-lt"/>
+              <a:ea typeface="+mn-ea"/>
+              <a:cs typeface="+mn-cs"/>
+            </a:defRPr>
+          </a:pPr>
+          <a:endParaRPr lang="en-US"/>
+        </a:p>
+      </c:txPr>
+    </c:legend>
+    <c:plotVisOnly val="1"/>
+    <c:dispBlanksAs val="gap"/>
+    <c:showDLblsOverMax val="0"/>
+  </c:chart>
+  <c:spPr>
+    <a:noFill/>
+    <a:ln>
+      <a:noFill/>
+    </a:ln>
+    <a:effectLst/>
+  </c:spPr>
+  <c:txPr>
+    <a:bodyPr/>
+    <a:lstStyle/>
+    <a:p>
+      <a:pPr>
+        <a:defRPr/>
+      </a:pPr>
+      <a:endParaRPr lang="en-US"/>
+    </a:p>
+  </c:txPr>
+  <c:externalData r:id="rId3">
+    <c:autoUpdate val="0"/>
+  </c:externalData>
+</c:chartSpace>
+</file>
+
+<file path=ppt/charts/colors1.xml><?xml version="1.0" encoding="utf-8"?>
+<cs:colorStyle xmlns:cs="http://schemas.microsoft.com/office/drawing/2012/chartStyle" xmlns:a="http://schemas.openxmlformats.org/drawingml/2006/main" meth="cycle" id="10">
+  <a:schemeClr val="accent1"/>
+  <a:schemeClr val="accent2"/>
+  <a:schemeClr val="accent3"/>
+  <a:schemeClr val="accent4"/>
+  <a:schemeClr val="accent5"/>
+  <a:schemeClr val="accent6"/>
+  <cs:variation/>
+  <cs:variation>
+    <a:lumMod val="60000"/>
+  </cs:variation>
+  <cs:variation>
+    <a:lumMod val="80000"/>
+    <a:lumOff val="20000"/>
+  </cs:variation>
+  <cs:variation>
+    <a:lumMod val="80000"/>
+  </cs:variation>
+  <cs:variation>
+    <a:lumMod val="60000"/>
+    <a:lumOff val="40000"/>
+  </cs:variation>
+  <cs:variation>
+    <a:lumMod val="50000"/>
+  </cs:variation>
+  <cs:variation>
+    <a:lumMod val="70000"/>
+    <a:lumOff val="30000"/>
+  </cs:variation>
+  <cs:variation>
+    <a:lumMod val="70000"/>
+  </cs:variation>
+  <cs:variation>
+    <a:lumMod val="50000"/>
+    <a:lumOff val="50000"/>
+  </cs:variation>
+</cs:colorStyle>
+</file>
+
+<file path=ppt/charts/colors2.xml><?xml version="1.0" encoding="utf-8"?>
+<cs:colorStyle xmlns:cs="http://schemas.microsoft.com/office/drawing/2012/chartStyle" xmlns:a="http://schemas.openxmlformats.org/drawingml/2006/main" meth="cycle" id="10">
+  <a:schemeClr val="accent1"/>
+  <a:schemeClr val="accent2"/>
+  <a:schemeClr val="accent3"/>
+  <a:schemeClr val="accent4"/>
+  <a:schemeClr val="accent5"/>
+  <a:schemeClr val="accent6"/>
+  <cs:variation/>
+  <cs:variation>
+    <a:lumMod val="60000"/>
+  </cs:variation>
+  <cs:variation>
+    <a:lumMod val="80000"/>
+    <a:lumOff val="20000"/>
+  </cs:variation>
+  <cs:variation>
+    <a:lumMod val="80000"/>
+  </cs:variation>
+  <cs:variation>
+    <a:lumMod val="60000"/>
+    <a:lumOff val="40000"/>
+  </cs:variation>
+  <cs:variation>
+    <a:lumMod val="50000"/>
+  </cs:variation>
+  <cs:variation>
+    <a:lumMod val="70000"/>
+    <a:lumOff val="30000"/>
+  </cs:variation>
+  <cs:variation>
+    <a:lumMod val="70000"/>
+  </cs:variation>
+  <cs:variation>
+    <a:lumMod val="50000"/>
+    <a:lumOff val="50000"/>
+  </cs:variation>
+</cs:colorStyle>
+</file>
+
+<file path=ppt/charts/colors3.xml><?xml version="1.0" encoding="utf-8"?>
+<cs:colorStyle xmlns:cs="http://schemas.microsoft.com/office/drawing/2012/chartStyle" xmlns:a="http://schemas.openxmlformats.org/drawingml/2006/main" meth="cycle" id="10">
+  <a:schemeClr val="accent1"/>
+  <a:schemeClr val="accent2"/>
+  <a:schemeClr val="accent3"/>
+  <a:schemeClr val="accent4"/>
+  <a:schemeClr val="accent5"/>
+  <a:schemeClr val="accent6"/>
+  <cs:variation/>
+  <cs:variation>
+    <a:lumMod val="60000"/>
+  </cs:variation>
+  <cs:variation>
+    <a:lumMod val="80000"/>
+    <a:lumOff val="20000"/>
+  </cs:variation>
+  <cs:variation>
+    <a:lumMod val="80000"/>
+  </cs:variation>
+  <cs:variation>
+    <a:lumMod val="60000"/>
+    <a:lumOff val="40000"/>
+  </cs:variation>
+  <cs:variation>
+    <a:lumMod val="50000"/>
+  </cs:variation>
+  <cs:variation>
+    <a:lumMod val="70000"/>
+    <a:lumOff val="30000"/>
+  </cs:variation>
+  <cs:variation>
+    <a:lumMod val="70000"/>
+  </cs:variation>
+  <cs:variation>
+    <a:lumMod val="50000"/>
+    <a:lumOff val="50000"/>
+  </cs:variation>
+</cs:colorStyle>
+</file>
+
+<file path=ppt/charts/style1.xml><?xml version="1.0" encoding="utf-8"?>
+<cs:chartStyle xmlns:cs="http://schemas.microsoft.com/office/drawing/2012/chartStyle" xmlns:a="http://schemas.openxmlformats.org/drawingml/2006/main" id="216">
+  <cs:axisTitle>
+    <cs:lnRef idx="0"/>
+    <cs:fillRef idx="0"/>
+    <cs:effectRef idx="0"/>
+    <cs:fontRef idx="minor">
+      <a:schemeClr val="tx1">
+        <a:lumMod val="65000"/>
+        <a:lumOff val="35000"/>
+      </a:schemeClr>
+    </cs:fontRef>
+    <cs:defRPr sz="1000" kern="1200"/>
+  </cs:axisTitle>
+  <cs:categoryAxis>
+    <cs:lnRef idx="0"/>
+    <cs:fillRef idx="0"/>
+    <cs:effectRef idx="0"/>
+    <cs:fontRef idx="minor">
+      <a:schemeClr val="tx1">
+        <a:lumMod val="65000"/>
+        <a:lumOff val="35000"/>
+      </a:schemeClr>
+    </cs:fontRef>
+    <cs:spPr>
+      <a:ln w="9525" cap="flat" cmpd="sng" algn="ctr">
+        <a:solidFill>
+          <a:schemeClr val="tx1">
+            <a:lumMod val="15000"/>
+            <a:lumOff val="85000"/>
+          </a:schemeClr>
+        </a:solidFill>
+        <a:round/>
+      </a:ln>
+    </cs:spPr>
+    <cs:defRPr sz="900" kern="1200"/>
+  </cs:categoryAxis>
+  <cs:chartArea mods="allowNoFillOverride allowNoLineOverride">
+    <cs:lnRef idx="0"/>
+    <cs:fillRef idx="0"/>
+    <cs:effectRef idx="0"/>
+    <cs:fontRef idx="minor">
+      <a:schemeClr val="tx1"/>
+    </cs:fontRef>
+    <cs:spPr>
+      <a:solidFill>
+        <a:schemeClr val="bg1"/>
+      </a:solidFill>
+      <a:ln w="9525" cap="flat" cmpd="sng" algn="ctr">
+        <a:solidFill>
+          <a:schemeClr val="tx1">
+            <a:lumMod val="15000"/>
+            <a:lumOff val="85000"/>
+          </a:schemeClr>
+        </a:solidFill>
+        <a:round/>
+      </a:ln>
+    </cs:spPr>
+    <cs:defRPr sz="1000" kern="1200"/>
+  </cs:chartArea>
+  <cs:dataLabel>
+    <cs:lnRef idx="0"/>
+    <cs:fillRef idx="0"/>
+    <cs:effectRef idx="0"/>
+    <cs:fontRef idx="minor">
+      <a:schemeClr val="tx1">
+        <a:lumMod val="75000"/>
+        <a:lumOff val="25000"/>
+      </a:schemeClr>
+    </cs:fontRef>
+    <cs:defRPr sz="900" kern="1200"/>
+  </cs:dataLabel>
+  <cs:dataLabelCallout>
+    <cs:lnRef idx="0"/>
+    <cs:fillRef idx="0"/>
+    <cs:effectRef idx="0"/>
+    <cs:fontRef idx="minor">
+      <a:schemeClr val="dk1">
+        <a:lumMod val="65000"/>
+        <a:lumOff val="35000"/>
+      </a:schemeClr>
+    </cs:fontRef>
+    <cs:spPr>
+      <a:solidFill>
+        <a:schemeClr val="lt1"/>
+      </a:solidFill>
+      <a:ln>
+        <a:solidFill>
+          <a:schemeClr val="dk1">
+            <a:lumMod val="25000"/>
+            <a:lumOff val="75000"/>
+          </a:schemeClr>
+        </a:solidFill>
+      </a:ln>
+    </cs:spPr>
+    <cs:defRPr sz="900" kern="1200"/>
+    <cs:bodyPr rot="0" spcFirstLastPara="1" vertOverflow="clip" horzOverflow="clip" vert="horz" wrap="square" lIns="36576" tIns="18288" rIns="36576" bIns="18288" anchor="ctr" anchorCtr="1">
+      <a:spAutoFit/>
+    </cs:bodyPr>
+  </cs:dataLabelCallout>
+  <cs:dataPoint>
+    <cs:lnRef idx="0"/>
+    <cs:fillRef idx="1">
+      <cs:styleClr val="auto"/>
+    </cs:fillRef>
+    <cs:effectRef idx="0"/>
+    <cs:fontRef idx="minor">
+      <a:schemeClr val="tx1"/>
+    </cs:fontRef>
+  </cs:dataPoint>
+  <cs:dataPoint3D>
+    <cs:lnRef idx="0"/>
+    <cs:fillRef idx="1">
+      <cs:styleClr val="auto"/>
+    </cs:fillRef>
+    <cs:effectRef idx="0"/>
+    <cs:fontRef idx="minor">
+      <a:schemeClr val="tx1"/>
+    </cs:fontRef>
+  </cs:dataPoint3D>
+  <cs:dataPointLine>
+    <cs:lnRef idx="0">
+      <cs:styleClr val="auto"/>
+    </cs:lnRef>
+    <cs:fillRef idx="1"/>
+    <cs:effectRef idx="0"/>
+    <cs:fontRef idx="minor">
+      <a:schemeClr val="tx1"/>
+    </cs:fontRef>
+    <cs:spPr>
+      <a:ln w="28575" cap="rnd">
+        <a:solidFill>
+          <a:schemeClr val="phClr"/>
+        </a:solidFill>
+        <a:round/>
+      </a:ln>
+    </cs:spPr>
+  </cs:dataPointLine>
+  <cs:dataPointMarker>
+    <cs:lnRef idx="0">
+      <cs:styleClr val="auto"/>
+    </cs:lnRef>
+    <cs:fillRef idx="1">
+      <cs:styleClr val="auto"/>
+    </cs:fillRef>
+    <cs:effectRef idx="0"/>
+    <cs:fontRef idx="minor">
+      <a:schemeClr val="tx1"/>
+    </cs:fontRef>
+    <cs:spPr>
+      <a:ln w="9525">
+        <a:solidFill>
+          <a:schemeClr val="phClr"/>
+        </a:solidFill>
+      </a:ln>
+    </cs:spPr>
+  </cs:dataPointMarker>
+  <cs:dataPointMarkerLayout symbol="circle" size="5"/>
+  <cs:dataPointWireframe>
+    <cs:lnRef idx="0">
+      <cs:styleClr val="auto"/>
+    </cs:lnRef>
+    <cs:fillRef idx="1"/>
+    <cs:effectRef idx="0"/>
+    <cs:fontRef idx="minor">
+      <a:schemeClr val="tx1"/>
+    </cs:fontRef>
+    <cs:spPr>
+      <a:ln w="9525" cap="rnd">
+        <a:solidFill>
+          <a:schemeClr val="phClr"/>
+        </a:solidFill>
+        <a:round/>
+      </a:ln>
+    </cs:spPr>
+  </cs:dataPointWireframe>
+  <cs:dataTable>
+    <cs:lnRef idx="0"/>
+    <cs:fillRef idx="0"/>
+    <cs:effectRef idx="0"/>
+    <cs:fontRef idx="minor">
+      <a:schemeClr val="tx1">
+        <a:lumMod val="65000"/>
+        <a:lumOff val="35000"/>
+      </a:schemeClr>
+    </cs:fontRef>
+    <cs:spPr>
+      <a:noFill/>
+      <a:ln w="9525" cap="flat" cmpd="sng" algn="ctr">
+        <a:solidFill>
+          <a:schemeClr val="tx1">
+            <a:lumMod val="15000"/>
+            <a:lumOff val="85000"/>
+          </a:schemeClr>
+        </a:solidFill>
+        <a:round/>
+      </a:ln>
+    </cs:spPr>
+    <cs:defRPr sz="900" kern="1200"/>
+  </cs:dataTable>
+  <cs:downBar>
+    <cs:lnRef idx="0"/>
+    <cs:fillRef idx="0"/>
+    <cs:effectRef idx="0"/>
+    <cs:fontRef idx="minor">
+      <a:schemeClr val="tx1"/>
+    </cs:fontRef>
+    <cs:spPr>
+      <a:solidFill>
+        <a:schemeClr val="dk1">
+          <a:lumMod val="75000"/>
+          <a:lumOff val="25000"/>
+        </a:schemeClr>
+      </a:solidFill>
+      <a:ln w="9525" cap="flat" cmpd="sng" algn="ctr">
+        <a:solidFill>
+          <a:schemeClr val="tx1">
+            <a:lumMod val="65000"/>
+            <a:lumOff val="35000"/>
+          </a:schemeClr>
+        </a:solidFill>
+        <a:round/>
+      </a:ln>
+    </cs:spPr>
+  </cs:downBar>
+  <cs:dropLine>
+    <cs:lnRef idx="0"/>
+    <cs:fillRef idx="0"/>
+    <cs:effectRef idx="0"/>
+    <cs:fontRef idx="minor">
+      <a:schemeClr val="tx1"/>
+    </cs:fontRef>
+    <cs:spPr>
+      <a:ln w="9525" cap="flat" cmpd="sng" algn="ctr">
+        <a:solidFill>
+          <a:schemeClr val="tx1">
+            <a:lumMod val="35000"/>
+            <a:lumOff val="65000"/>
+          </a:schemeClr>
+        </a:solidFill>
+        <a:round/>
+      </a:ln>
+    </cs:spPr>
+  </cs:dropLine>
+  <cs:errorBar>
+    <cs:lnRef idx="0"/>
+    <cs:fillRef idx="0"/>
+    <cs:effectRef idx="0"/>
+    <cs:fontRef idx="minor">
+      <a:schemeClr val="tx1"/>
+    </cs:fontRef>
+    <cs:spPr>
+      <a:ln w="9525" cap="flat" cmpd="sng" algn="ctr">
+        <a:solidFill>
+          <a:schemeClr val="tx1">
+            <a:lumMod val="65000"/>
+            <a:lumOff val="35000"/>
+          </a:schemeClr>
+        </a:solidFill>
+        <a:round/>
+      </a:ln>
+    </cs:spPr>
+  </cs:errorBar>
+  <cs:floor>
+    <cs:lnRef idx="0"/>
+    <cs:fillRef idx="0"/>
+    <cs:effectRef idx="0"/>
+    <cs:fontRef idx="minor">
+      <a:schemeClr val="tx1"/>
+    </cs:fontRef>
+    <cs:spPr>
+      <a:noFill/>
+      <a:ln>
+        <a:noFill/>
+      </a:ln>
+    </cs:spPr>
+  </cs:floor>
+  <cs:gridlineMajor>
+    <cs:lnRef idx="0"/>
+    <cs:fillRef idx="0"/>
+    <cs:effectRef idx="0"/>
+    <cs:fontRef idx="minor">
+      <a:schemeClr val="tx1"/>
+    </cs:fontRef>
+    <cs:spPr>
+      <a:ln w="9525" cap="flat" cmpd="sng" algn="ctr">
+        <a:solidFill>
+          <a:schemeClr val="tx1">
+            <a:lumMod val="15000"/>
+            <a:lumOff val="85000"/>
+          </a:schemeClr>
+        </a:solidFill>
+        <a:round/>
+      </a:ln>
+    </cs:spPr>
+  </cs:gridlineMajor>
+  <cs:gridlineMinor>
+    <cs:lnRef idx="0"/>
+    <cs:fillRef idx="0"/>
+    <cs:effectRef idx="0"/>
+    <cs:fontRef idx="minor">
+      <a:schemeClr val="tx1"/>
+    </cs:fontRef>
+    <cs:spPr>
+      <a:ln w="9525" cap="flat" cmpd="sng" algn="ctr">
+        <a:solidFill>
+          <a:schemeClr val="tx1">
+            <a:lumMod val="5000"/>
+            <a:lumOff val="95000"/>
+          </a:schemeClr>
+        </a:solidFill>
+        <a:round/>
+      </a:ln>
+    </cs:spPr>
+  </cs:gridlineMinor>
+  <cs:hiLoLine>
+    <cs:lnRef idx="0"/>
+    <cs:fillRef idx="0"/>
+    <cs:effectRef idx="0"/>
+    <cs:fontRef idx="minor">
+      <a:schemeClr val="tx1"/>
+    </cs:fontRef>
+    <cs:spPr>
+      <a:ln w="9525" cap="flat" cmpd="sng" algn="ctr">
+        <a:solidFill>
+          <a:schemeClr val="tx1">
+            <a:lumMod val="50000"/>
+            <a:lumOff val="50000"/>
+          </a:schemeClr>
+        </a:solidFill>
+        <a:round/>
+      </a:ln>
+    </cs:spPr>
+  </cs:hiLoLine>
+  <cs:leaderLine>
+    <cs:lnRef idx="0"/>
+    <cs:fillRef idx="0"/>
+    <cs:effectRef idx="0"/>
+    <cs:fontRef idx="minor">
+      <a:schemeClr val="tx1"/>
+    </cs:fontRef>
+    <cs:spPr>
+      <a:ln w="9525" cap="flat" cmpd="sng" algn="ctr">
+        <a:solidFill>
+          <a:schemeClr val="tx1">
+            <a:lumMod val="35000"/>
+            <a:lumOff val="65000"/>
+          </a:schemeClr>
+        </a:solidFill>
+        <a:round/>
+      </a:ln>
+    </cs:spPr>
+  </cs:leaderLine>
+  <cs:legend>
+    <cs:lnRef idx="0"/>
+    <cs:fillRef idx="0"/>
+    <cs:effectRef idx="0"/>
+    <cs:fontRef idx="minor">
+      <a:schemeClr val="tx1">
+        <a:lumMod val="65000"/>
+        <a:lumOff val="35000"/>
+      </a:schemeClr>
+    </cs:fontRef>
+    <cs:defRPr sz="900" kern="1200"/>
+  </cs:legend>
+  <cs:plotArea mods="allowNoFillOverride allowNoLineOverride">
+    <cs:lnRef idx="0"/>
+    <cs:fillRef idx="0"/>
+    <cs:effectRef idx="0"/>
+    <cs:fontRef idx="minor">
+      <a:schemeClr val="tx1"/>
+    </cs:fontRef>
+  </cs:plotArea>
+  <cs:plotArea3D mods="allowNoFillOverride allowNoLineOverride">
+    <cs:lnRef idx="0"/>
+    <cs:fillRef idx="0"/>
+    <cs:effectRef idx="0"/>
+    <cs:fontRef idx="minor">
+      <a:schemeClr val="tx1"/>
+    </cs:fontRef>
+  </cs:plotArea3D>
+  <cs:seriesAxis>
+    <cs:lnRef idx="0"/>
+    <cs:fillRef idx="0"/>
+    <cs:effectRef idx="0"/>
+    <cs:fontRef idx="minor">
+      <a:schemeClr val="tx1">
+        <a:lumMod val="65000"/>
+        <a:lumOff val="35000"/>
+      </a:schemeClr>
+    </cs:fontRef>
+    <cs:defRPr sz="900" kern="1200"/>
+  </cs:seriesAxis>
+  <cs:seriesLine>
+    <cs:lnRef idx="0"/>
+    <cs:fillRef idx="0"/>
+    <cs:effectRef idx="0"/>
+    <cs:fontRef idx="minor">
+      <a:schemeClr val="tx1"/>
+    </cs:fontRef>
+    <cs:spPr>
+      <a:ln w="9525" cap="flat" cmpd="sng" algn="ctr">
+        <a:solidFill>
+          <a:schemeClr val="tx1">
+            <a:lumMod val="35000"/>
+            <a:lumOff val="65000"/>
+          </a:schemeClr>
+        </a:solidFill>
+        <a:round/>
+      </a:ln>
+    </cs:spPr>
+  </cs:seriesLine>
+  <cs:title>
+    <cs:lnRef idx="0"/>
+    <cs:fillRef idx="0"/>
+    <cs:effectRef idx="0"/>
+    <cs:fontRef idx="minor">
+      <a:schemeClr val="tx1">
+        <a:lumMod val="65000"/>
+        <a:lumOff val="35000"/>
+      </a:schemeClr>
+    </cs:fontRef>
+    <cs:defRPr sz="1400" b="0" kern="1200" spc="0" baseline="0"/>
+  </cs:title>
+  <cs:trendline>
+    <cs:lnRef idx="0">
+      <cs:styleClr val="auto"/>
+    </cs:lnRef>
+    <cs:fillRef idx="0"/>
+    <cs:effectRef idx="0"/>
+    <cs:fontRef idx="minor">
+      <a:schemeClr val="tx1"/>
+    </cs:fontRef>
+    <cs:spPr>
+      <a:ln w="19050" cap="rnd">
+        <a:solidFill>
+          <a:schemeClr val="phClr"/>
+        </a:solidFill>
+        <a:prstDash val="sysDot"/>
+      </a:ln>
+    </cs:spPr>
+  </cs:trendline>
+  <cs:trendlineLabel>
+    <cs:lnRef idx="0"/>
+    <cs:fillRef idx="0"/>
+    <cs:effectRef idx="0"/>
+    <cs:fontRef idx="minor">
+      <a:schemeClr val="tx1">
+        <a:lumMod val="65000"/>
+        <a:lumOff val="35000"/>
+      </a:schemeClr>
+    </cs:fontRef>
+    <cs:defRPr sz="900" kern="1200"/>
+  </cs:trendlineLabel>
+  <cs:upBar>
+    <cs:lnRef idx="0"/>
+    <cs:fillRef idx="0"/>
+    <cs:effectRef idx="0"/>
+    <cs:fontRef idx="minor">
+      <a:schemeClr val="tx1"/>
+    </cs:fontRef>
+    <cs:spPr>
+      <a:solidFill>
+        <a:schemeClr val="lt1"/>
+      </a:solidFill>
+      <a:ln w="9525" cap="flat" cmpd="sng" algn="ctr">
+        <a:solidFill>
+          <a:schemeClr val="tx1">
+            <a:lumMod val="65000"/>
+            <a:lumOff val="35000"/>
+          </a:schemeClr>
+        </a:solidFill>
+        <a:round/>
+      </a:ln>
+    </cs:spPr>
+  </cs:upBar>
+  <cs:valueAxis>
+    <cs:lnRef idx="0"/>
+    <cs:fillRef idx="0"/>
+    <cs:effectRef idx="0"/>
+    <cs:fontRef idx="minor">
+      <a:schemeClr val="tx1">
+        <a:lumMod val="65000"/>
+        <a:lumOff val="35000"/>
+      </a:schemeClr>
+    </cs:fontRef>
+    <cs:defRPr sz="900" kern="1200"/>
+  </cs:valueAxis>
+  <cs:wall>
+    <cs:lnRef idx="0"/>
+    <cs:fillRef idx="0"/>
+    <cs:effectRef idx="0"/>
+    <cs:fontRef idx="minor">
+      <a:schemeClr val="tx1"/>
+    </cs:fontRef>
+    <cs:spPr>
+      <a:noFill/>
+      <a:ln>
+        <a:noFill/>
+      </a:ln>
+    </cs:spPr>
+  </cs:wall>
+</cs:chartStyle>
+</file>
+
+<file path=ppt/charts/style2.xml><?xml version="1.0" encoding="utf-8"?>
+<cs:chartStyle xmlns:cs="http://schemas.microsoft.com/office/drawing/2012/chartStyle" xmlns:a="http://schemas.openxmlformats.org/drawingml/2006/main" id="201">
+  <cs:axisTitle>
+    <cs:lnRef idx="0"/>
+    <cs:fillRef idx="0"/>
+    <cs:effectRef idx="0"/>
+    <cs:fontRef idx="minor">
+      <a:schemeClr val="tx1">
+        <a:lumMod val="65000"/>
+        <a:lumOff val="35000"/>
+      </a:schemeClr>
+    </cs:fontRef>
+    <cs:defRPr sz="1000" kern="1200"/>
+  </cs:axisTitle>
+  <cs:categoryAxis>
+    <cs:lnRef idx="0"/>
+    <cs:fillRef idx="0"/>
+    <cs:effectRef idx="0"/>
+    <cs:fontRef idx="minor">
+      <a:schemeClr val="tx1">
+        <a:lumMod val="65000"/>
+        <a:lumOff val="35000"/>
+      </a:schemeClr>
+    </cs:fontRef>
+    <cs:spPr>
+      <a:ln w="9525" cap="flat" cmpd="sng" algn="ctr">
+        <a:solidFill>
+          <a:schemeClr val="tx1">
+            <a:lumMod val="15000"/>
+            <a:lumOff val="85000"/>
+          </a:schemeClr>
+        </a:solidFill>
+        <a:round/>
+      </a:ln>
+    </cs:spPr>
+    <cs:defRPr sz="900" kern="1200"/>
+  </cs:categoryAxis>
+  <cs:chartArea mods="allowNoFillOverride allowNoLineOverride">
+    <cs:lnRef idx="0"/>
+    <cs:fillRef idx="0"/>
+    <cs:effectRef idx="0"/>
+    <cs:fontRef idx="minor">
+      <a:schemeClr val="tx1"/>
+    </cs:fontRef>
+    <cs:spPr>
+      <a:solidFill>
+        <a:schemeClr val="bg1"/>
+      </a:solidFill>
+      <a:ln w="9525" cap="flat" cmpd="sng" algn="ctr">
+        <a:solidFill>
+          <a:schemeClr val="tx1">
+            <a:lumMod val="15000"/>
+            <a:lumOff val="85000"/>
+          </a:schemeClr>
+        </a:solidFill>
+        <a:round/>
+      </a:ln>
+    </cs:spPr>
+    <cs:defRPr sz="1000" kern="1200"/>
+  </cs:chartArea>
+  <cs:dataLabel>
+    <cs:lnRef idx="0"/>
+    <cs:fillRef idx="0"/>
+    <cs:effectRef idx="0"/>
+    <cs:fontRef idx="minor">
+      <a:schemeClr val="tx1">
+        <a:lumMod val="75000"/>
+        <a:lumOff val="25000"/>
+      </a:schemeClr>
+    </cs:fontRef>
+    <cs:defRPr sz="900" kern="1200"/>
+  </cs:dataLabel>
+  <cs:dataLabelCallout>
+    <cs:lnRef idx="0"/>
+    <cs:fillRef idx="0"/>
+    <cs:effectRef idx="0"/>
+    <cs:fontRef idx="minor">
+      <a:schemeClr val="dk1">
+        <a:lumMod val="65000"/>
+        <a:lumOff val="35000"/>
+      </a:schemeClr>
+    </cs:fontRef>
+    <cs:spPr>
+      <a:solidFill>
+        <a:schemeClr val="lt1"/>
+      </a:solidFill>
+      <a:ln>
+        <a:solidFill>
+          <a:schemeClr val="dk1">
+            <a:lumMod val="25000"/>
+            <a:lumOff val="75000"/>
+          </a:schemeClr>
+        </a:solidFill>
+      </a:ln>
+    </cs:spPr>
+    <cs:defRPr sz="900" kern="1200"/>
+    <cs:bodyPr rot="0" spcFirstLastPara="1" vertOverflow="clip" horzOverflow="clip" vert="horz" wrap="square" lIns="36576" tIns="18288" rIns="36576" bIns="18288" anchor="ctr" anchorCtr="1">
+      <a:spAutoFit/>
+    </cs:bodyPr>
+  </cs:dataLabelCallout>
+  <cs:dataPoint>
+    <cs:lnRef idx="0"/>
+    <cs:fillRef idx="1">
+      <cs:styleClr val="auto"/>
+    </cs:fillRef>
+    <cs:effectRef idx="0"/>
+    <cs:fontRef idx="minor">
+      <a:schemeClr val="tx1"/>
+    </cs:fontRef>
+  </cs:dataPoint>
+  <cs:dataPoint3D>
+    <cs:lnRef idx="0"/>
+    <cs:fillRef idx="1">
+      <cs:styleClr val="auto"/>
+    </cs:fillRef>
+    <cs:effectRef idx="0"/>
+    <cs:fontRef idx="minor">
+      <a:schemeClr val="tx1"/>
+    </cs:fontRef>
+  </cs:dataPoint3D>
+  <cs:dataPointLine>
+    <cs:lnRef idx="0">
+      <cs:styleClr val="auto"/>
+    </cs:lnRef>
+    <cs:fillRef idx="1"/>
+    <cs:effectRef idx="0"/>
+    <cs:fontRef idx="minor">
+      <a:schemeClr val="tx1"/>
+    </cs:fontRef>
+    <cs:spPr>
+      <a:ln w="28575" cap="rnd">
+        <a:solidFill>
+          <a:schemeClr val="phClr"/>
+        </a:solidFill>
+        <a:round/>
+      </a:ln>
+    </cs:spPr>
+  </cs:dataPointLine>
+  <cs:dataPointMarker>
+    <cs:lnRef idx="0">
+      <cs:styleClr val="auto"/>
+    </cs:lnRef>
+    <cs:fillRef idx="1">
+      <cs:styleClr val="auto"/>
+    </cs:fillRef>
+    <cs:effectRef idx="0"/>
+    <cs:fontRef idx="minor">
+      <a:schemeClr val="tx1"/>
+    </cs:fontRef>
+    <cs:spPr>
+      <a:ln w="9525">
+        <a:solidFill>
+          <a:schemeClr val="phClr"/>
+        </a:solidFill>
+      </a:ln>
+    </cs:spPr>
+  </cs:dataPointMarker>
+  <cs:dataPointMarkerLayout symbol="circle" size="5"/>
+  <cs:dataPointWireframe>
+    <cs:lnRef idx="0">
+      <cs:styleClr val="auto"/>
+    </cs:lnRef>
+    <cs:fillRef idx="1"/>
+    <cs:effectRef idx="0"/>
+    <cs:fontRef idx="minor">
+      <a:schemeClr val="tx1"/>
+    </cs:fontRef>
+    <cs:spPr>
+      <a:ln w="9525" cap="rnd">
+        <a:solidFill>
+          <a:schemeClr val="phClr"/>
+        </a:solidFill>
+        <a:round/>
+      </a:ln>
+    </cs:spPr>
+  </cs:dataPointWireframe>
+  <cs:dataTable>
+    <cs:lnRef idx="0"/>
+    <cs:fillRef idx="0"/>
+    <cs:effectRef idx="0"/>
+    <cs:fontRef idx="minor">
+      <a:schemeClr val="tx1">
+        <a:lumMod val="65000"/>
+        <a:lumOff val="35000"/>
+      </a:schemeClr>
+    </cs:fontRef>
+    <cs:spPr>
+      <a:noFill/>
+      <a:ln w="9525" cap="flat" cmpd="sng" algn="ctr">
+        <a:solidFill>
+          <a:schemeClr val="tx1">
+            <a:lumMod val="15000"/>
+            <a:lumOff val="85000"/>
+          </a:schemeClr>
+        </a:solidFill>
+        <a:round/>
+      </a:ln>
+    </cs:spPr>
+    <cs:defRPr sz="900" kern="1200"/>
+  </cs:dataTable>
+  <cs:downBar>
+    <cs:lnRef idx="0"/>
+    <cs:fillRef idx="0"/>
+    <cs:effectRef idx="0"/>
+    <cs:fontRef idx="minor">
+      <a:schemeClr val="dk1"/>
+    </cs:fontRef>
+    <cs:spPr>
+      <a:solidFill>
+        <a:schemeClr val="dk1">
+          <a:lumMod val="65000"/>
+          <a:lumOff val="35000"/>
+        </a:schemeClr>
+      </a:solidFill>
+      <a:ln w="9525">
+        <a:solidFill>
+          <a:schemeClr val="tx1">
+            <a:lumMod val="65000"/>
+            <a:lumOff val="35000"/>
+          </a:schemeClr>
+        </a:solidFill>
+      </a:ln>
+    </cs:spPr>
+  </cs:downBar>
+  <cs:dropLine>
+    <cs:lnRef idx="0"/>
+    <cs:fillRef idx="0"/>
+    <cs:effectRef idx="0"/>
+    <cs:fontRef idx="minor">
+      <a:schemeClr val="tx1"/>
+    </cs:fontRef>
+    <cs:spPr>
+      <a:ln w="9525" cap="flat" cmpd="sng" algn="ctr">
+        <a:solidFill>
+          <a:schemeClr val="tx1">
+            <a:lumMod val="35000"/>
+            <a:lumOff val="65000"/>
+          </a:schemeClr>
+        </a:solidFill>
+        <a:round/>
+      </a:ln>
+    </cs:spPr>
+  </cs:dropLine>
+  <cs:errorBar>
+    <cs:lnRef idx="0"/>
+    <cs:fillRef idx="0"/>
+    <cs:effectRef idx="0"/>
+    <cs:fontRef idx="minor">
+      <a:schemeClr val="tx1"/>
+    </cs:fontRef>
+    <cs:spPr>
+      <a:ln w="9525" cap="flat" cmpd="sng" algn="ctr">
+        <a:solidFill>
+          <a:schemeClr val="tx1">
+            <a:lumMod val="65000"/>
+            <a:lumOff val="35000"/>
+          </a:schemeClr>
+        </a:solidFill>
+        <a:round/>
+      </a:ln>
+    </cs:spPr>
+  </cs:errorBar>
+  <cs:floor>
+    <cs:lnRef idx="0"/>
+    <cs:fillRef idx="0"/>
+    <cs:effectRef idx="0"/>
+    <cs:fontRef idx="minor">
+      <a:schemeClr val="tx1"/>
+    </cs:fontRef>
+    <cs:spPr>
+      <a:noFill/>
+      <a:ln>
+        <a:noFill/>
+      </a:ln>
+    </cs:spPr>
+  </cs:floor>
+  <cs:gridlineMajor>
+    <cs:lnRef idx="0"/>
+    <cs:fillRef idx="0"/>
+    <cs:effectRef idx="0"/>
+    <cs:fontRef idx="minor">
+      <a:schemeClr val="tx1"/>
+    </cs:fontRef>
+    <cs:spPr>
+      <a:ln w="9525" cap="flat" cmpd="sng" algn="ctr">
+        <a:solidFill>
+          <a:schemeClr val="tx1">
+            <a:lumMod val="15000"/>
+            <a:lumOff val="85000"/>
+          </a:schemeClr>
+        </a:solidFill>
+        <a:round/>
+      </a:ln>
+    </cs:spPr>
+  </cs:gridlineMajor>
+  <cs:gridlineMinor>
+    <cs:lnRef idx="0"/>
+    <cs:fillRef idx="0"/>
+    <cs:effectRef idx="0"/>
+    <cs:fontRef idx="minor">
+      <a:schemeClr val="tx1"/>
+    </cs:fontRef>
+    <cs:spPr>
+      <a:ln w="9525" cap="flat" cmpd="sng" algn="ctr">
+        <a:solidFill>
+          <a:schemeClr val="tx1">
+            <a:lumMod val="5000"/>
+            <a:lumOff val="95000"/>
+          </a:schemeClr>
+        </a:solidFill>
+        <a:round/>
+      </a:ln>
+    </cs:spPr>
+  </cs:gridlineMinor>
+  <cs:hiLoLine>
+    <cs:lnRef idx="0"/>
+    <cs:fillRef idx="0"/>
+    <cs:effectRef idx="0"/>
+    <cs:fontRef idx="minor">
+      <a:schemeClr val="tx1"/>
+    </cs:fontRef>
+    <cs:spPr>
+      <a:ln w="9525" cap="flat" cmpd="sng" algn="ctr">
+        <a:solidFill>
+          <a:schemeClr val="tx1">
+            <a:lumMod val="75000"/>
+            <a:lumOff val="25000"/>
+          </a:schemeClr>
+        </a:solidFill>
+        <a:round/>
+      </a:ln>
+    </cs:spPr>
+  </cs:hiLoLine>
+  <cs:leaderLine>
+    <cs:lnRef idx="0"/>
+    <cs:fillRef idx="0"/>
+    <cs:effectRef idx="0"/>
+    <cs:fontRef idx="minor">
+      <a:schemeClr val="tx1"/>
+    </cs:fontRef>
+    <cs:spPr>
+      <a:ln w="9525" cap="flat" cmpd="sng" algn="ctr">
+        <a:solidFill>
+          <a:schemeClr val="tx1">
+            <a:lumMod val="35000"/>
+            <a:lumOff val="65000"/>
+          </a:schemeClr>
+        </a:solidFill>
+        <a:round/>
+      </a:ln>
+    </cs:spPr>
+  </cs:leaderLine>
+  <cs:legend>
+    <cs:lnRef idx="0"/>
+    <cs:fillRef idx="0"/>
+    <cs:effectRef idx="0"/>
+    <cs:fontRef idx="minor">
+      <a:schemeClr val="tx1">
+        <a:lumMod val="65000"/>
+        <a:lumOff val="35000"/>
+      </a:schemeClr>
+    </cs:fontRef>
+    <cs:defRPr sz="900" kern="1200"/>
+  </cs:legend>
+  <cs:plotArea mods="allowNoFillOverride allowNoLineOverride">
+    <cs:lnRef idx="0"/>
+    <cs:fillRef idx="0"/>
+    <cs:effectRef idx="0"/>
+    <cs:fontRef idx="minor">
+      <a:schemeClr val="tx1"/>
+    </cs:fontRef>
+  </cs:plotArea>
+  <cs:plotArea3D mods="allowNoFillOverride allowNoLineOverride">
+    <cs:lnRef idx="0"/>
+    <cs:fillRef idx="0"/>
+    <cs:effectRef idx="0"/>
+    <cs:fontRef idx="minor">
+      <a:schemeClr val="tx1"/>
+    </cs:fontRef>
+  </cs:plotArea3D>
+  <cs:seriesAxis>
+    <cs:lnRef idx="0"/>
+    <cs:fillRef idx="0"/>
+    <cs:effectRef idx="0"/>
+    <cs:fontRef idx="minor">
+      <a:schemeClr val="tx1">
+        <a:lumMod val="65000"/>
+        <a:lumOff val="35000"/>
+      </a:schemeClr>
+    </cs:fontRef>
+    <cs:defRPr sz="900" kern="1200"/>
+  </cs:seriesAxis>
+  <cs:seriesLine>
+    <cs:lnRef idx="0"/>
+    <cs:fillRef idx="0"/>
+    <cs:effectRef idx="0"/>
+    <cs:fontRef idx="minor">
+      <a:schemeClr val="tx1"/>
+    </cs:fontRef>
+    <cs:spPr>
+      <a:ln w="9525" cap="flat" cmpd="sng" algn="ctr">
+        <a:solidFill>
+          <a:schemeClr val="tx1">
+            <a:lumMod val="35000"/>
+            <a:lumOff val="65000"/>
+          </a:schemeClr>
+        </a:solidFill>
+        <a:round/>
+      </a:ln>
+    </cs:spPr>
+  </cs:seriesLine>
+  <cs:title>
+    <cs:lnRef idx="0"/>
+    <cs:fillRef idx="0"/>
+    <cs:effectRef idx="0"/>
+    <cs:fontRef idx="minor">
+      <a:schemeClr val="tx1">
+        <a:lumMod val="65000"/>
+        <a:lumOff val="35000"/>
+      </a:schemeClr>
+    </cs:fontRef>
+    <cs:defRPr sz="1400" b="0" kern="1200" spc="0" baseline="0"/>
+  </cs:title>
+  <cs:trendline>
+    <cs:lnRef idx="0">
+      <cs:styleClr val="auto"/>
+    </cs:lnRef>
+    <cs:fillRef idx="0"/>
+    <cs:effectRef idx="0"/>
+    <cs:fontRef idx="minor">
+      <a:schemeClr val="tx1"/>
+    </cs:fontRef>
+    <cs:spPr>
+      <a:ln w="19050" cap="rnd">
+        <a:solidFill>
+          <a:schemeClr val="phClr"/>
+        </a:solidFill>
+        <a:prstDash val="sysDot"/>
+      </a:ln>
+    </cs:spPr>
+  </cs:trendline>
+  <cs:trendlineLabel>
+    <cs:lnRef idx="0"/>
+    <cs:fillRef idx="0"/>
+    <cs:effectRef idx="0"/>
+    <cs:fontRef idx="minor">
+      <a:schemeClr val="tx1">
+        <a:lumMod val="65000"/>
+        <a:lumOff val="35000"/>
+      </a:schemeClr>
+    </cs:fontRef>
+    <cs:defRPr sz="900" kern="1200"/>
+  </cs:trendlineLabel>
+  <cs:upBar>
+    <cs:lnRef idx="0"/>
+    <cs:fillRef idx="0"/>
+    <cs:effectRef idx="0"/>
+    <cs:fontRef idx="minor">
+      <a:schemeClr val="dk1"/>
+    </cs:fontRef>
+    <cs:spPr>
+      <a:solidFill>
+        <a:schemeClr val="lt1"/>
+      </a:solidFill>
+      <a:ln w="9525">
+        <a:solidFill>
+          <a:schemeClr val="tx1">
+            <a:lumMod val="15000"/>
+            <a:lumOff val="85000"/>
+          </a:schemeClr>
+        </a:solidFill>
+      </a:ln>
+    </cs:spPr>
+  </cs:upBar>
+  <cs:valueAxis>
+    <cs:lnRef idx="0"/>
+    <cs:fillRef idx="0"/>
+    <cs:effectRef idx="0"/>
+    <cs:fontRef idx="minor">
+      <a:schemeClr val="tx1">
+        <a:lumMod val="65000"/>
+        <a:lumOff val="35000"/>
+      </a:schemeClr>
+    </cs:fontRef>
+    <cs:defRPr sz="900" kern="1200"/>
+  </cs:valueAxis>
+  <cs:wall>
+    <cs:lnRef idx="0"/>
+    <cs:fillRef idx="0"/>
+    <cs:effectRef idx="0"/>
+    <cs:fontRef idx="minor">
+      <a:schemeClr val="tx1"/>
+    </cs:fontRef>
+    <cs:spPr>
+      <a:noFill/>
+      <a:ln>
+        <a:noFill/>
+      </a:ln>
+    </cs:spPr>
+  </cs:wall>
+</cs:chartStyle>
+</file>
+
+<file path=ppt/charts/style3.xml><?xml version="1.0" encoding="utf-8"?>
+<cs:chartStyle xmlns:cs="http://schemas.microsoft.com/office/drawing/2012/chartStyle" xmlns:a="http://schemas.openxmlformats.org/drawingml/2006/main" id="201">
+  <cs:axisTitle>
+    <cs:lnRef idx="0"/>
+    <cs:fillRef idx="0"/>
+    <cs:effectRef idx="0"/>
+    <cs:fontRef idx="minor">
+      <a:schemeClr val="tx1">
+        <a:lumMod val="65000"/>
+        <a:lumOff val="35000"/>
+      </a:schemeClr>
+    </cs:fontRef>
+    <cs:defRPr sz="1000" kern="1200"/>
+  </cs:axisTitle>
+  <cs:categoryAxis>
+    <cs:lnRef idx="0"/>
+    <cs:fillRef idx="0"/>
+    <cs:effectRef idx="0"/>
+    <cs:fontRef idx="minor">
+      <a:schemeClr val="tx1">
+        <a:lumMod val="65000"/>
+        <a:lumOff val="35000"/>
+      </a:schemeClr>
+    </cs:fontRef>
+    <cs:spPr>
+      <a:ln w="9525" cap="flat" cmpd="sng" algn="ctr">
+        <a:solidFill>
+          <a:schemeClr val="tx1">
+            <a:lumMod val="15000"/>
+            <a:lumOff val="85000"/>
+          </a:schemeClr>
+        </a:solidFill>
+        <a:round/>
+      </a:ln>
+    </cs:spPr>
+    <cs:defRPr sz="900" kern="1200"/>
+  </cs:categoryAxis>
+  <cs:chartArea mods="allowNoFillOverride allowNoLineOverride">
+    <cs:lnRef idx="0"/>
+    <cs:fillRef idx="0"/>
+    <cs:effectRef idx="0"/>
+    <cs:fontRef idx="minor">
+      <a:schemeClr val="tx1"/>
+    </cs:fontRef>
+    <cs:spPr>
+      <a:solidFill>
+        <a:schemeClr val="bg1"/>
+      </a:solidFill>
+      <a:ln w="9525" cap="flat" cmpd="sng" algn="ctr">
+        <a:solidFill>
+          <a:schemeClr val="tx1">
+            <a:lumMod val="15000"/>
+            <a:lumOff val="85000"/>
+          </a:schemeClr>
+        </a:solidFill>
+        <a:round/>
+      </a:ln>
+    </cs:spPr>
+    <cs:defRPr sz="1000" kern="1200"/>
+  </cs:chartArea>
+  <cs:dataLabel>
+    <cs:lnRef idx="0"/>
+    <cs:fillRef idx="0"/>
+    <cs:effectRef idx="0"/>
+    <cs:fontRef idx="minor">
+      <a:schemeClr val="tx1">
+        <a:lumMod val="75000"/>
+        <a:lumOff val="25000"/>
+      </a:schemeClr>
+    </cs:fontRef>
+    <cs:defRPr sz="900" kern="1200"/>
+  </cs:dataLabel>
+  <cs:dataLabelCallout>
+    <cs:lnRef idx="0"/>
+    <cs:fillRef idx="0"/>
+    <cs:effectRef idx="0"/>
+    <cs:fontRef idx="minor">
+      <a:schemeClr val="dk1">
+        <a:lumMod val="65000"/>
+        <a:lumOff val="35000"/>
+      </a:schemeClr>
+    </cs:fontRef>
+    <cs:spPr>
+      <a:solidFill>
+        <a:schemeClr val="lt1"/>
+      </a:solidFill>
+      <a:ln>
+        <a:solidFill>
+          <a:schemeClr val="dk1">
+            <a:lumMod val="25000"/>
+            <a:lumOff val="75000"/>
+          </a:schemeClr>
+        </a:solidFill>
+      </a:ln>
+    </cs:spPr>
+    <cs:defRPr sz="900" kern="1200"/>
+    <cs:bodyPr rot="0" spcFirstLastPara="1" vertOverflow="clip" horzOverflow="clip" vert="horz" wrap="square" lIns="36576" tIns="18288" rIns="36576" bIns="18288" anchor="ctr" anchorCtr="1">
+      <a:spAutoFit/>
+    </cs:bodyPr>
+  </cs:dataLabelCallout>
+  <cs:dataPoint>
+    <cs:lnRef idx="0"/>
+    <cs:fillRef idx="1">
+      <cs:styleClr val="auto"/>
+    </cs:fillRef>
+    <cs:effectRef idx="0"/>
+    <cs:fontRef idx="minor">
+      <a:schemeClr val="tx1"/>
+    </cs:fontRef>
+  </cs:dataPoint>
+  <cs:dataPoint3D>
+    <cs:lnRef idx="0"/>
+    <cs:fillRef idx="1">
+      <cs:styleClr val="auto"/>
+    </cs:fillRef>
+    <cs:effectRef idx="0"/>
+    <cs:fontRef idx="minor">
+      <a:schemeClr val="tx1"/>
+    </cs:fontRef>
+  </cs:dataPoint3D>
+  <cs:dataPointLine>
+    <cs:lnRef idx="0">
+      <cs:styleClr val="auto"/>
+    </cs:lnRef>
+    <cs:fillRef idx="1"/>
+    <cs:effectRef idx="0"/>
+    <cs:fontRef idx="minor">
+      <a:schemeClr val="tx1"/>
+    </cs:fontRef>
+    <cs:spPr>
+      <a:ln w="28575" cap="rnd">
+        <a:solidFill>
+          <a:schemeClr val="phClr"/>
+        </a:solidFill>
+        <a:round/>
+      </a:ln>
+    </cs:spPr>
+  </cs:dataPointLine>
+  <cs:dataPointMarker>
+    <cs:lnRef idx="0">
+      <cs:styleClr val="auto"/>
+    </cs:lnRef>
+    <cs:fillRef idx="1">
+      <cs:styleClr val="auto"/>
+    </cs:fillRef>
+    <cs:effectRef idx="0"/>
+    <cs:fontRef idx="minor">
+      <a:schemeClr val="tx1"/>
+    </cs:fontRef>
+    <cs:spPr>
+      <a:ln w="9525">
+        <a:solidFill>
+          <a:schemeClr val="phClr"/>
+        </a:solidFill>
+      </a:ln>
+    </cs:spPr>
+  </cs:dataPointMarker>
+  <cs:dataPointMarkerLayout symbol="circle" size="5"/>
+  <cs:dataPointWireframe>
+    <cs:lnRef idx="0">
+      <cs:styleClr val="auto"/>
+    </cs:lnRef>
+    <cs:fillRef idx="1"/>
+    <cs:effectRef idx="0"/>
+    <cs:fontRef idx="minor">
+      <a:schemeClr val="tx1"/>
+    </cs:fontRef>
+    <cs:spPr>
+      <a:ln w="9525" cap="rnd">
+        <a:solidFill>
+          <a:schemeClr val="phClr"/>
+        </a:solidFill>
+        <a:round/>
+      </a:ln>
+    </cs:spPr>
+  </cs:dataPointWireframe>
+  <cs:dataTable>
+    <cs:lnRef idx="0"/>
+    <cs:fillRef idx="0"/>
+    <cs:effectRef idx="0"/>
+    <cs:fontRef idx="minor">
+      <a:schemeClr val="tx1">
+        <a:lumMod val="65000"/>
+        <a:lumOff val="35000"/>
+      </a:schemeClr>
+    </cs:fontRef>
+    <cs:spPr>
+      <a:noFill/>
+      <a:ln w="9525" cap="flat" cmpd="sng" algn="ctr">
+        <a:solidFill>
+          <a:schemeClr val="tx1">
+            <a:lumMod val="15000"/>
+            <a:lumOff val="85000"/>
+          </a:schemeClr>
+        </a:solidFill>
+        <a:round/>
+      </a:ln>
+    </cs:spPr>
+    <cs:defRPr sz="900" kern="1200"/>
+  </cs:dataTable>
+  <cs:downBar>
+    <cs:lnRef idx="0"/>
+    <cs:fillRef idx="0"/>
+    <cs:effectRef idx="0"/>
+    <cs:fontRef idx="minor">
+      <a:schemeClr val="dk1"/>
+    </cs:fontRef>
+    <cs:spPr>
+      <a:solidFill>
+        <a:schemeClr val="dk1">
+          <a:lumMod val="65000"/>
+          <a:lumOff val="35000"/>
+        </a:schemeClr>
+      </a:solidFill>
+      <a:ln w="9525">
+        <a:solidFill>
+          <a:schemeClr val="tx1">
+            <a:lumMod val="65000"/>
+            <a:lumOff val="35000"/>
+          </a:schemeClr>
+        </a:solidFill>
+      </a:ln>
+    </cs:spPr>
+  </cs:downBar>
+  <cs:dropLine>
+    <cs:lnRef idx="0"/>
+    <cs:fillRef idx="0"/>
+    <cs:effectRef idx="0"/>
+    <cs:fontRef idx="minor">
+      <a:schemeClr val="tx1"/>
+    </cs:fontRef>
+    <cs:spPr>
+      <a:ln w="9525" cap="flat" cmpd="sng" algn="ctr">
+        <a:solidFill>
+          <a:schemeClr val="tx1">
+            <a:lumMod val="35000"/>
+            <a:lumOff val="65000"/>
+          </a:schemeClr>
+        </a:solidFill>
+        <a:round/>
+      </a:ln>
+    </cs:spPr>
+  </cs:dropLine>
+  <cs:errorBar>
+    <cs:lnRef idx="0"/>
+    <cs:fillRef idx="0"/>
+    <cs:effectRef idx="0"/>
+    <cs:fontRef idx="minor">
+      <a:schemeClr val="tx1"/>
+    </cs:fontRef>
+    <cs:spPr>
+      <a:ln w="9525" cap="flat" cmpd="sng" algn="ctr">
+        <a:solidFill>
+          <a:schemeClr val="tx1">
+            <a:lumMod val="65000"/>
+            <a:lumOff val="35000"/>
+          </a:schemeClr>
+        </a:solidFill>
+        <a:round/>
+      </a:ln>
+    </cs:spPr>
+  </cs:errorBar>
+  <cs:floor>
+    <cs:lnRef idx="0"/>
+    <cs:fillRef idx="0"/>
+    <cs:effectRef idx="0"/>
+    <cs:fontRef idx="minor">
+      <a:schemeClr val="tx1"/>
+    </cs:fontRef>
+    <cs:spPr>
+      <a:noFill/>
+      <a:ln>
+        <a:noFill/>
+      </a:ln>
+    </cs:spPr>
+  </cs:floor>
+  <cs:gridlineMajor>
+    <cs:lnRef idx="0"/>
+    <cs:fillRef idx="0"/>
+    <cs:effectRef idx="0"/>
+    <cs:fontRef idx="minor">
+      <a:schemeClr val="tx1"/>
+    </cs:fontRef>
+    <cs:spPr>
+      <a:ln w="9525" cap="flat" cmpd="sng" algn="ctr">
+        <a:solidFill>
+          <a:schemeClr val="tx1">
+            <a:lumMod val="15000"/>
+            <a:lumOff val="85000"/>
+          </a:schemeClr>
+        </a:solidFill>
+        <a:round/>
+      </a:ln>
+    </cs:spPr>
+  </cs:gridlineMajor>
+  <cs:gridlineMinor>
+    <cs:lnRef idx="0"/>
+    <cs:fillRef idx="0"/>
+    <cs:effectRef idx="0"/>
+    <cs:fontRef idx="minor">
+      <a:schemeClr val="tx1"/>
+    </cs:fontRef>
+    <cs:spPr>
+      <a:ln w="9525" cap="flat" cmpd="sng" algn="ctr">
+        <a:solidFill>
+          <a:schemeClr val="tx1">
+            <a:lumMod val="5000"/>
+            <a:lumOff val="95000"/>
+          </a:schemeClr>
+        </a:solidFill>
+        <a:round/>
+      </a:ln>
+    </cs:spPr>
+  </cs:gridlineMinor>
+  <cs:hiLoLine>
+    <cs:lnRef idx="0"/>
+    <cs:fillRef idx="0"/>
+    <cs:effectRef idx="0"/>
+    <cs:fontRef idx="minor">
+      <a:schemeClr val="tx1"/>
+    </cs:fontRef>
+    <cs:spPr>
+      <a:ln w="9525" cap="flat" cmpd="sng" algn="ctr">
+        <a:solidFill>
+          <a:schemeClr val="tx1">
+            <a:lumMod val="75000"/>
+            <a:lumOff val="25000"/>
+          </a:schemeClr>
+        </a:solidFill>
+        <a:round/>
+      </a:ln>
+    </cs:spPr>
+  </cs:hiLoLine>
+  <cs:leaderLine>
+    <cs:lnRef idx="0"/>
+    <cs:fillRef idx="0"/>
+    <cs:effectRef idx="0"/>
+    <cs:fontRef idx="minor">
+      <a:schemeClr val="tx1"/>
+    </cs:fontRef>
+    <cs:spPr>
+      <a:ln w="9525" cap="flat" cmpd="sng" algn="ctr">
+        <a:solidFill>
+          <a:schemeClr val="tx1">
+            <a:lumMod val="35000"/>
+            <a:lumOff val="65000"/>
+          </a:schemeClr>
+        </a:solidFill>
+        <a:round/>
+      </a:ln>
+    </cs:spPr>
+  </cs:leaderLine>
+  <cs:legend>
+    <cs:lnRef idx="0"/>
+    <cs:fillRef idx="0"/>
+    <cs:effectRef idx="0"/>
+    <cs:fontRef idx="minor">
+      <a:schemeClr val="tx1">
+        <a:lumMod val="65000"/>
+        <a:lumOff val="35000"/>
+      </a:schemeClr>
+    </cs:fontRef>
+    <cs:defRPr sz="900" kern="1200"/>
+  </cs:legend>
+  <cs:plotArea mods="allowNoFillOverride allowNoLineOverride">
+    <cs:lnRef idx="0"/>
+    <cs:fillRef idx="0"/>
+    <cs:effectRef idx="0"/>
+    <cs:fontRef idx="minor">
+      <a:schemeClr val="tx1"/>
+    </cs:fontRef>
+  </cs:plotArea>
+  <cs:plotArea3D mods="allowNoFillOverride allowNoLineOverride">
+    <cs:lnRef idx="0"/>
+    <cs:fillRef idx="0"/>
+    <cs:effectRef idx="0"/>
+    <cs:fontRef idx="minor">
+      <a:schemeClr val="tx1"/>
+    </cs:fontRef>
+  </cs:plotArea3D>
+  <cs:seriesAxis>
+    <cs:lnRef idx="0"/>
+    <cs:fillRef idx="0"/>
+    <cs:effectRef idx="0"/>
+    <cs:fontRef idx="minor">
+      <a:schemeClr val="tx1">
+        <a:lumMod val="65000"/>
+        <a:lumOff val="35000"/>
+      </a:schemeClr>
+    </cs:fontRef>
+    <cs:defRPr sz="900" kern="1200"/>
+  </cs:seriesAxis>
+  <cs:seriesLine>
+    <cs:lnRef idx="0"/>
+    <cs:fillRef idx="0"/>
+    <cs:effectRef idx="0"/>
+    <cs:fontRef idx="minor">
+      <a:schemeClr val="tx1"/>
+    </cs:fontRef>
+    <cs:spPr>
+      <a:ln w="9525" cap="flat" cmpd="sng" algn="ctr">
+        <a:solidFill>
+          <a:schemeClr val="tx1">
+            <a:lumMod val="35000"/>
+            <a:lumOff val="65000"/>
+          </a:schemeClr>
+        </a:solidFill>
+        <a:round/>
+      </a:ln>
+    </cs:spPr>
+  </cs:seriesLine>
+  <cs:title>
+    <cs:lnRef idx="0"/>
+    <cs:fillRef idx="0"/>
+    <cs:effectRef idx="0"/>
+    <cs:fontRef idx="minor">
+      <a:schemeClr val="tx1">
+        <a:lumMod val="65000"/>
+        <a:lumOff val="35000"/>
+      </a:schemeClr>
+    </cs:fontRef>
+    <cs:defRPr sz="1400" b="0" kern="1200" spc="0" baseline="0"/>
+  </cs:title>
+  <cs:trendline>
+    <cs:lnRef idx="0">
+      <cs:styleClr val="auto"/>
+    </cs:lnRef>
+    <cs:fillRef idx="0"/>
+    <cs:effectRef idx="0"/>
+    <cs:fontRef idx="minor">
+      <a:schemeClr val="tx1"/>
+    </cs:fontRef>
+    <cs:spPr>
+      <a:ln w="19050" cap="rnd">
+        <a:solidFill>
+          <a:schemeClr val="phClr"/>
+        </a:solidFill>
+        <a:prstDash val="sysDot"/>
+      </a:ln>
+    </cs:spPr>
+  </cs:trendline>
+  <cs:trendlineLabel>
+    <cs:lnRef idx="0"/>
+    <cs:fillRef idx="0"/>
+    <cs:effectRef idx="0"/>
+    <cs:fontRef idx="minor">
+      <a:schemeClr val="tx1">
+        <a:lumMod val="65000"/>
+        <a:lumOff val="35000"/>
+      </a:schemeClr>
+    </cs:fontRef>
+    <cs:defRPr sz="900" kern="1200"/>
+  </cs:trendlineLabel>
+  <cs:upBar>
+    <cs:lnRef idx="0"/>
+    <cs:fillRef idx="0"/>
+    <cs:effectRef idx="0"/>
+    <cs:fontRef idx="minor">
+      <a:schemeClr val="dk1"/>
+    </cs:fontRef>
+    <cs:spPr>
+      <a:solidFill>
+        <a:schemeClr val="lt1"/>
+      </a:solidFill>
+      <a:ln w="9525">
+        <a:solidFill>
+          <a:schemeClr val="tx1">
+            <a:lumMod val="15000"/>
+            <a:lumOff val="85000"/>
+          </a:schemeClr>
+        </a:solidFill>
+      </a:ln>
+    </cs:spPr>
+  </cs:upBar>
+  <cs:valueAxis>
+    <cs:lnRef idx="0"/>
+    <cs:fillRef idx="0"/>
+    <cs:effectRef idx="0"/>
+    <cs:fontRef idx="minor">
+      <a:schemeClr val="tx1">
+        <a:lumMod val="65000"/>
+        <a:lumOff val="35000"/>
+      </a:schemeClr>
+    </cs:fontRef>
+    <cs:defRPr sz="900" kern="1200"/>
+  </cs:valueAxis>
+  <cs:wall>
+    <cs:lnRef idx="0"/>
+    <cs:fillRef idx="0"/>
+    <cs:effectRef idx="0"/>
+    <cs:fontRef idx="minor">
+      <a:schemeClr val="tx1"/>
+    </cs:fontRef>
+    <cs:spPr>
+      <a:noFill/>
+      <a:ln>
+        <a:noFill/>
+      </a:ln>
+    </cs:spPr>
+  </cs:wall>
+</cs:chartStyle>
 </file>
 
 <file path=ppt/slideLayouts/slideLayout1.xml><?xml version="1.0" encoding="utf-8"?>
@@ -3343,8 +6023,8 @@
           </a:prstGeom>
           <a:solidFill>
             <a:schemeClr val="accent1">
-              <a:lumMod val="20000"/>
-              <a:lumOff val="80000"/>
+              <a:lumMod val="40000"/>
+              <a:lumOff val="60000"/>
             </a:schemeClr>
           </a:solidFill>
           <a:ln>
@@ -3510,7 +6190,7 @@
         </p:nvSpPr>
         <p:spPr>
           <a:xfrm>
-            <a:off x="8321268" y="5155044"/>
+            <a:off x="8266947" y="5163227"/>
             <a:ext cx="2256576" cy="523220"/>
           </a:xfrm>
           <a:prstGeom prst="rect">
@@ -3584,6 +6264,5436 @@
     <p:extLst>
       <p:ext uri="{BB962C8B-B14F-4D97-AF65-F5344CB8AC3E}">
         <p14:creationId xmlns:p14="http://schemas.microsoft.com/office/powerpoint/2010/main" val="1432753032"/>
+      </p:ext>
+    </p:extLst>
+  </p:cSld>
+  <p:clrMapOvr>
+    <a:masterClrMapping/>
+  </p:clrMapOvr>
+</p:sld>
+</file>
+
+<file path=ppt/slides/slide2.xml><?xml version="1.0" encoding="utf-8"?>
+<p:sld xmlns:a="http://schemas.openxmlformats.org/drawingml/2006/main" xmlns:r="http://schemas.openxmlformats.org/officeDocument/2006/relationships" xmlns:p="http://schemas.openxmlformats.org/presentationml/2006/main">
+  <p:cSld>
+    <p:bg>
+      <p:bgPr>
+        <a:solidFill>
+          <a:schemeClr val="bg1"/>
+        </a:solidFill>
+        <a:effectLst/>
+      </p:bgPr>
+    </p:bg>
+    <p:spTree>
+      <p:nvGrpSpPr>
+        <p:cNvPr id="1" name=""/>
+        <p:cNvGrpSpPr/>
+        <p:nvPr/>
+      </p:nvGrpSpPr>
+      <p:grpSpPr>
+        <a:xfrm>
+          <a:off x="0" y="0"/>
+          <a:ext cx="0" cy="0"/>
+          <a:chOff x="0" y="0"/>
+          <a:chExt cx="0" cy="0"/>
+        </a:xfrm>
+      </p:grpSpPr>
+      <p:sp useBgFill="1">
+        <p:nvSpPr>
+          <p:cNvPr id="11" name="Rectangle 10">
+            <a:extLst>
+              <a:ext uri="{FF2B5EF4-FFF2-40B4-BE49-F238E27FC236}">
+                <a16:creationId xmlns:a16="http://schemas.microsoft.com/office/drawing/2014/main" id="{DBC6133C-0615-4CE4-9132-37E609A9BDFA}"/>
+              </a:ext>
+              <a:ext uri="{C183D7F6-B498-43B3-948B-1728B52AA6E4}">
+                <adec:decorative xmlns:adec="http://schemas.microsoft.com/office/drawing/2017/decorative" val="1"/>
+              </a:ext>
+            </a:extLst>
+          </p:cNvPr>
+          <p:cNvSpPr>
+            <a:spLocks noGrp="1" noRot="1" noChangeAspect="1" noMove="1" noResize="1" noEditPoints="1" noAdjustHandles="1" noChangeArrowheads="1" noChangeShapeType="1" noTextEdit="1"/>
+          </p:cNvSpPr>
+          <p:nvPr>
+            <p:extLst>
+              <p:ext uri="{386F3935-93C4-4BCD-93E2-E3B085C9AB24}">
+                <p16:designElem xmlns:p16="http://schemas.microsoft.com/office/powerpoint/2015/main" val="1"/>
+              </p:ext>
+            </p:extLst>
+          </p:nvPr>
+        </p:nvSpPr>
+        <p:spPr>
+          <a:xfrm>
+            <a:off x="0" y="0"/>
+            <a:ext cx="12191999" cy="6857365"/>
+          </a:xfrm>
+          <a:prstGeom prst="rect">
+            <a:avLst/>
+          </a:prstGeom>
+          <a:ln>
+            <a:noFill/>
+          </a:ln>
+        </p:spPr>
+        <p:style>
+          <a:lnRef idx="2">
+            <a:schemeClr val="accent1">
+              <a:shade val="50000"/>
+            </a:schemeClr>
+          </a:lnRef>
+          <a:fillRef idx="1">
+            <a:schemeClr val="accent1"/>
+          </a:fillRef>
+          <a:effectRef idx="0">
+            <a:schemeClr val="accent1"/>
+          </a:effectRef>
+          <a:fontRef idx="minor">
+            <a:schemeClr val="lt1"/>
+          </a:fontRef>
+        </p:style>
+        <p:txBody>
+          <a:bodyPr rtlCol="0" anchor="ctr"/>
+          <a:lstStyle/>
+          <a:p>
+            <a:pPr algn="ctr"/>
+            <a:endParaRPr lang="en-US"/>
+          </a:p>
+        </p:txBody>
+      </p:sp>
+      <p:sp>
+        <p:nvSpPr>
+          <p:cNvPr id="3" name="TextBox 2">
+            <a:extLst>
+              <a:ext uri="{FF2B5EF4-FFF2-40B4-BE49-F238E27FC236}">
+                <a16:creationId xmlns:a16="http://schemas.microsoft.com/office/drawing/2014/main" id="{4D982C1F-977A-BAD5-4823-D3EA667B60BE}"/>
+              </a:ext>
+            </a:extLst>
+          </p:cNvPr>
+          <p:cNvSpPr txBox="1"/>
+          <p:nvPr/>
+        </p:nvSpPr>
+        <p:spPr>
+          <a:xfrm>
+            <a:off x="486721" y="579116"/>
+            <a:ext cx="4282983" cy="1200361"/>
+          </a:xfrm>
+          <a:prstGeom prst="rect">
+            <a:avLst/>
+          </a:prstGeom>
+        </p:spPr>
+        <p:txBody>
+          <a:bodyPr vert="horz" lIns="91440" tIns="45720" rIns="91440" bIns="45720" rtlCol="0" anchor="b">
+            <a:normAutofit/>
+          </a:bodyPr>
+          <a:lstStyle/>
+          <a:p>
+            <a:pPr>
+              <a:lnSpc>
+                <a:spcPct val="90000"/>
+              </a:lnSpc>
+              <a:spcBef>
+                <a:spcPct val="0"/>
+              </a:spcBef>
+              <a:spcAft>
+                <a:spcPts val="600"/>
+              </a:spcAft>
+            </a:pPr>
+            <a:r>
+              <a:rPr lang="en-US" sz="3200" b="1" kern="1200" dirty="0">
+                <a:solidFill>
+                  <a:schemeClr val="tx1"/>
+                </a:solidFill>
+                <a:latin typeface="+mj-lt"/>
+                <a:ea typeface="+mj-ea"/>
+                <a:cs typeface="+mj-cs"/>
+              </a:rPr>
+              <a:t>Key Findings </a:t>
+            </a:r>
+          </a:p>
+          <a:p>
+            <a:pPr>
+              <a:lnSpc>
+                <a:spcPct val="90000"/>
+              </a:lnSpc>
+              <a:spcBef>
+                <a:spcPct val="0"/>
+              </a:spcBef>
+              <a:spcAft>
+                <a:spcPts val="600"/>
+              </a:spcAft>
+            </a:pPr>
+            <a:r>
+              <a:rPr lang="en-US" sz="3200" b="1" kern="1200" dirty="0">
+                <a:solidFill>
+                  <a:schemeClr val="tx1"/>
+                </a:solidFill>
+                <a:latin typeface="+mj-lt"/>
+                <a:ea typeface="+mj-ea"/>
+                <a:cs typeface="+mj-cs"/>
+              </a:rPr>
+              <a:t>Carer Confidence</a:t>
+            </a:r>
+          </a:p>
+        </p:txBody>
+      </p:sp>
+      <p:sp>
+        <p:nvSpPr>
+          <p:cNvPr id="13" name="Rectangle 12">
+            <a:extLst>
+              <a:ext uri="{FF2B5EF4-FFF2-40B4-BE49-F238E27FC236}">
+                <a16:creationId xmlns:a16="http://schemas.microsoft.com/office/drawing/2014/main" id="{169CC832-2974-4E8D-90ED-3E2941BA7336}"/>
+              </a:ext>
+              <a:ext uri="{C183D7F6-B498-43B3-948B-1728B52AA6E4}">
+                <adec:decorative xmlns:adec="http://schemas.microsoft.com/office/drawing/2017/decorative" val="1"/>
+              </a:ext>
+            </a:extLst>
+          </p:cNvPr>
+          <p:cNvSpPr>
+            <a:spLocks noGrp="1" noRot="1" noChangeAspect="1" noMove="1" noResize="1" noEditPoints="1" noAdjustHandles="1" noChangeArrowheads="1" noChangeShapeType="1" noTextEdit="1"/>
+          </p:cNvSpPr>
+          <p:nvPr>
+            <p:extLst>
+              <p:ext uri="{386F3935-93C4-4BCD-93E2-E3B085C9AB24}">
+                <p16:designElem xmlns:p16="http://schemas.microsoft.com/office/powerpoint/2015/main" val="1"/>
+              </p:ext>
+            </p:extLst>
+          </p:nvPr>
+        </p:nvSpPr>
+        <p:spPr>
+          <a:xfrm flipH="1">
+            <a:off x="616533" y="1944913"/>
+            <a:ext cx="4023360" cy="27432"/>
+          </a:xfrm>
+          <a:prstGeom prst="rect">
+            <a:avLst/>
+          </a:prstGeom>
+          <a:solidFill>
+            <a:schemeClr val="accent4"/>
+          </a:solidFill>
+          <a:ln>
+            <a:noFill/>
+          </a:ln>
+        </p:spPr>
+        <p:style>
+          <a:lnRef idx="2">
+            <a:schemeClr val="accent1">
+              <a:shade val="50000"/>
+            </a:schemeClr>
+          </a:lnRef>
+          <a:fillRef idx="1">
+            <a:schemeClr val="accent1"/>
+          </a:fillRef>
+          <a:effectRef idx="0">
+            <a:schemeClr val="accent1"/>
+          </a:effectRef>
+          <a:fontRef idx="minor">
+            <a:schemeClr val="lt1"/>
+          </a:fontRef>
+        </p:style>
+        <p:txBody>
+          <a:bodyPr rtlCol="0" anchor="ctr"/>
+          <a:lstStyle/>
+          <a:p>
+            <a:pPr algn="ctr"/>
+            <a:endParaRPr lang="en-US"/>
+          </a:p>
+        </p:txBody>
+      </p:sp>
+      <p:sp>
+        <p:nvSpPr>
+          <p:cNvPr id="5" name="Rectangle 1">
+            <a:extLst>
+              <a:ext uri="{FF2B5EF4-FFF2-40B4-BE49-F238E27FC236}">
+                <a16:creationId xmlns:a16="http://schemas.microsoft.com/office/drawing/2014/main" id="{9C6E1C3D-7B74-A5A0-B411-8DA1812448E7}"/>
+              </a:ext>
+            </a:extLst>
+          </p:cNvPr>
+          <p:cNvSpPr>
+            <a:spLocks noChangeArrowheads="1"/>
+          </p:cNvSpPr>
+          <p:nvPr/>
+        </p:nvSpPr>
+        <p:spPr bwMode="auto">
+          <a:xfrm>
+            <a:off x="645066" y="2031101"/>
+            <a:ext cx="4282984" cy="3511943"/>
+          </a:xfrm>
+          <a:prstGeom prst="rect">
+            <a:avLst/>
+          </a:prstGeom>
+          <a:extLst>
+            <a:ext uri="{909E8E84-426E-40DD-AFC4-6F175D3DCCD1}">
+              <a14:hiddenFill xmlns:a14="http://schemas.microsoft.com/office/drawing/2010/main">
+                <a:solidFill>
+                  <a:schemeClr val="accent1"/>
+                </a:solidFill>
+              </a14:hiddenFill>
+            </a:ext>
+            <a:ext uri="{91240B29-F687-4F45-9708-019B960494DF}">
+              <a14:hiddenLine xmlns:a14="http://schemas.microsoft.com/office/drawing/2010/main" w="9525">
+                <a:solidFill>
+                  <a:schemeClr val="tx1"/>
+                </a:solidFill>
+                <a:miter lim="800000"/>
+                <a:headEnd/>
+                <a:tailEnd/>
+              </a14:hiddenLine>
+            </a:ext>
+            <a:ext uri="{AF507438-7753-43E0-B8FC-AC1667EBCBE1}">
+              <a14:hiddenEffects xmlns:a14="http://schemas.microsoft.com/office/drawing/2010/main">
+                <a:effectLst>
+                  <a:outerShdw dist="35921" dir="2700000" algn="ctr" rotWithShape="0">
+                    <a:schemeClr val="bg2"/>
+                  </a:outerShdw>
+                </a:effectLst>
+              </a14:hiddenEffects>
+            </a:ext>
+          </a:extLst>
+        </p:spPr>
+        <p:txBody>
+          <a:bodyPr vert="horz" lIns="91440" tIns="45720" rIns="91440" bIns="45720" numCol="1" rtlCol="0" anchor="ctr" anchorCtr="0" compatLnSpc="1">
+            <a:prstTxWarp prst="textNoShape">
+              <a:avLst/>
+            </a:prstTxWarp>
+            <a:normAutofit/>
+          </a:bodyPr>
+          <a:lstStyle/>
+          <a:p>
+            <a:pPr marL="285750" marR="0" lvl="0" indent="-228600" fontAlgn="base">
+              <a:lnSpc>
+                <a:spcPct val="90000"/>
+              </a:lnSpc>
+              <a:spcBef>
+                <a:spcPct val="0"/>
+              </a:spcBef>
+              <a:spcAft>
+                <a:spcPts val="600"/>
+              </a:spcAft>
+              <a:buClrTx/>
+              <a:buSzTx/>
+              <a:buFont typeface="Arial" panose="020B0604020202020204" pitchFamily="34" charset="0"/>
+              <a:buChar char="•"/>
+              <a:tabLst/>
+            </a:pPr>
+            <a:r>
+              <a:rPr kumimoji="0" lang="en-US" altLang="en-US" sz="1700" b="0" i="0" u="none" strike="noStrike" cap="none" normalizeH="0" baseline="0">
+                <a:ln>
+                  <a:noFill/>
+                </a:ln>
+                <a:effectLst/>
+              </a:rPr>
+              <a:t>Self-efficacy improved up to </a:t>
+            </a:r>
+            <a:r>
+              <a:rPr kumimoji="0" lang="en-US" altLang="en-US" sz="1700" b="1" i="0" u="none" strike="noStrike" cap="none" normalizeH="0" baseline="0">
+                <a:ln>
+                  <a:noFill/>
+                </a:ln>
+                <a:effectLst/>
+              </a:rPr>
+              <a:t>45%</a:t>
+            </a:r>
+            <a:r>
+              <a:rPr kumimoji="0" lang="en-US" altLang="en-US" sz="1700" b="0" i="0" u="none" strike="noStrike" cap="none" normalizeH="0" baseline="0">
+                <a:ln>
+                  <a:noFill/>
+                </a:ln>
+                <a:effectLst/>
+              </a:rPr>
+              <a:t> across </a:t>
+            </a:r>
+            <a:r>
+              <a:rPr kumimoji="0" lang="en-US" altLang="en-US" sz="1700" b="1" i="0" u="none" strike="noStrike" cap="none" normalizeH="0" baseline="0">
+                <a:ln>
+                  <a:noFill/>
+                </a:ln>
+                <a:effectLst/>
+              </a:rPr>
+              <a:t>cascade</a:t>
+            </a:r>
+            <a:r>
+              <a:rPr kumimoji="0" lang="en-US" altLang="en-US" sz="1700" b="0" i="0" u="none" strike="noStrike" cap="none" normalizeH="0" baseline="0">
+                <a:ln>
+                  <a:noFill/>
+                </a:ln>
+                <a:effectLst/>
+              </a:rPr>
+              <a:t> and </a:t>
+            </a:r>
+            <a:r>
+              <a:rPr kumimoji="0" lang="en-US" altLang="en-US" sz="1700" b="1" i="0" u="none" strike="noStrike" cap="none" normalizeH="0" baseline="0">
+                <a:ln>
+                  <a:noFill/>
+                </a:ln>
+                <a:effectLst/>
+              </a:rPr>
+              <a:t>domain-specific</a:t>
+            </a:r>
+            <a:r>
+              <a:rPr kumimoji="0" lang="en-US" altLang="en-US" sz="1700" b="0" i="0" u="none" strike="noStrike" cap="none" normalizeH="0" baseline="0">
+                <a:ln>
+                  <a:noFill/>
+                </a:ln>
+                <a:effectLst/>
+              </a:rPr>
+              <a:t> models.</a:t>
+            </a:r>
+          </a:p>
+          <a:p>
+            <a:pPr marL="285750" marR="0" lvl="0" indent="-228600" fontAlgn="base">
+              <a:lnSpc>
+                <a:spcPct val="90000"/>
+              </a:lnSpc>
+              <a:spcBef>
+                <a:spcPct val="0"/>
+              </a:spcBef>
+              <a:spcAft>
+                <a:spcPts val="600"/>
+              </a:spcAft>
+              <a:buClrTx/>
+              <a:buSzTx/>
+              <a:buFont typeface="Arial" panose="020B0604020202020204" pitchFamily="34" charset="0"/>
+              <a:buChar char="•"/>
+              <a:tabLst/>
+            </a:pPr>
+            <a:endParaRPr kumimoji="0" lang="en-US" altLang="en-US" sz="1700" b="0" i="0" u="none" strike="noStrike" cap="none" normalizeH="0" baseline="0">
+              <a:ln>
+                <a:noFill/>
+              </a:ln>
+              <a:effectLst/>
+            </a:endParaRPr>
+          </a:p>
+          <a:p>
+            <a:pPr marL="285750" marR="0" lvl="0" indent="-228600" fontAlgn="base">
+              <a:lnSpc>
+                <a:spcPct val="90000"/>
+              </a:lnSpc>
+              <a:spcBef>
+                <a:spcPct val="0"/>
+              </a:spcBef>
+              <a:spcAft>
+                <a:spcPts val="600"/>
+              </a:spcAft>
+              <a:buClrTx/>
+              <a:buSzTx/>
+              <a:buFont typeface="Arial" panose="020B0604020202020204" pitchFamily="34" charset="0"/>
+              <a:buChar char="•"/>
+              <a:tabLst/>
+            </a:pPr>
+            <a:r>
+              <a:rPr kumimoji="0" lang="en-US" altLang="en-US" sz="1700" b="0" i="0" u="none" strike="noStrike" cap="none" normalizeH="0" baseline="0">
+                <a:ln>
+                  <a:noFill/>
+                </a:ln>
+                <a:effectLst/>
+              </a:rPr>
+              <a:t>Simulation-based training yielded the largest confidence gains, up to </a:t>
+            </a:r>
+            <a:r>
+              <a:rPr kumimoji="0" lang="en-US" altLang="en-US" sz="1700" b="1" i="0" u="none" strike="noStrike" cap="none" normalizeH="0" baseline="0">
+                <a:ln>
+                  <a:noFill/>
+                </a:ln>
+                <a:effectLst/>
+              </a:rPr>
+              <a:t>80%.</a:t>
+            </a:r>
+          </a:p>
+          <a:p>
+            <a:pPr marL="285750" marR="0" lvl="0" indent="-228600" fontAlgn="base">
+              <a:lnSpc>
+                <a:spcPct val="90000"/>
+              </a:lnSpc>
+              <a:spcBef>
+                <a:spcPct val="0"/>
+              </a:spcBef>
+              <a:spcAft>
+                <a:spcPts val="600"/>
+              </a:spcAft>
+              <a:buClrTx/>
+              <a:buSzTx/>
+              <a:buFont typeface="Arial" panose="020B0604020202020204" pitchFamily="34" charset="0"/>
+              <a:buChar char="•"/>
+              <a:tabLst/>
+            </a:pPr>
+            <a:endParaRPr kumimoji="0" lang="en-US" altLang="en-US" sz="1700" b="0" i="0" u="none" strike="noStrike" cap="none" normalizeH="0" baseline="0">
+              <a:ln>
+                <a:noFill/>
+              </a:ln>
+              <a:effectLst/>
+            </a:endParaRPr>
+          </a:p>
+          <a:p>
+            <a:pPr marL="285750" marR="0" lvl="0" indent="-228600" fontAlgn="base">
+              <a:lnSpc>
+                <a:spcPct val="90000"/>
+              </a:lnSpc>
+              <a:spcBef>
+                <a:spcPct val="0"/>
+              </a:spcBef>
+              <a:spcAft>
+                <a:spcPts val="600"/>
+              </a:spcAft>
+              <a:buClrTx/>
+              <a:buSzTx/>
+              <a:buFont typeface="Arial" panose="020B0604020202020204" pitchFamily="34" charset="0"/>
+              <a:buChar char="•"/>
+              <a:tabLst/>
+            </a:pPr>
+            <a:r>
+              <a:rPr kumimoji="0" lang="en-US" altLang="en-US" sz="1700" b="0" i="0" u="none" strike="noStrike" cap="none" normalizeH="0" baseline="0">
+                <a:ln>
+                  <a:noFill/>
+                </a:ln>
+                <a:effectLst/>
+              </a:rPr>
+              <a:t>Standard workshops achieved moderate gains, averaging around </a:t>
+            </a:r>
+            <a:r>
+              <a:rPr kumimoji="0" lang="en-US" altLang="en-US" sz="1700" b="1" i="0" u="none" strike="noStrike" cap="none" normalizeH="0" baseline="0">
+                <a:ln>
+                  <a:noFill/>
+                </a:ln>
+                <a:effectLst/>
+              </a:rPr>
+              <a:t>30%.</a:t>
+            </a:r>
+          </a:p>
+          <a:p>
+            <a:pPr marL="285750" marR="0" lvl="0" indent="-228600" fontAlgn="base">
+              <a:lnSpc>
+                <a:spcPct val="90000"/>
+              </a:lnSpc>
+              <a:spcBef>
+                <a:spcPct val="0"/>
+              </a:spcBef>
+              <a:spcAft>
+                <a:spcPts val="600"/>
+              </a:spcAft>
+              <a:buClrTx/>
+              <a:buSzTx/>
+              <a:buFont typeface="Arial" panose="020B0604020202020204" pitchFamily="34" charset="0"/>
+              <a:buChar char="•"/>
+              <a:tabLst/>
+            </a:pPr>
+            <a:endParaRPr kumimoji="0" lang="en-US" altLang="en-US" sz="1700" b="0" i="0" u="none" strike="noStrike" cap="none" normalizeH="0" baseline="0">
+              <a:ln>
+                <a:noFill/>
+              </a:ln>
+              <a:effectLst/>
+            </a:endParaRPr>
+          </a:p>
+          <a:p>
+            <a:pPr marL="285750" marR="0" lvl="0" indent="-228600" fontAlgn="base">
+              <a:lnSpc>
+                <a:spcPct val="90000"/>
+              </a:lnSpc>
+              <a:spcBef>
+                <a:spcPct val="0"/>
+              </a:spcBef>
+              <a:spcAft>
+                <a:spcPts val="600"/>
+              </a:spcAft>
+              <a:buClrTx/>
+              <a:buSzTx/>
+              <a:buFont typeface="Arial" panose="020B0604020202020204" pitchFamily="34" charset="0"/>
+              <a:buChar char="•"/>
+              <a:tabLst/>
+            </a:pPr>
+            <a:r>
+              <a:rPr kumimoji="0" lang="en-US" altLang="en-US" sz="1700" b="0" i="0" u="none" strike="noStrike" cap="none" normalizeH="0" baseline="0">
+                <a:ln>
+                  <a:noFill/>
+                </a:ln>
+                <a:effectLst/>
+              </a:rPr>
+              <a:t>Confidence improvements remained durable over </a:t>
+            </a:r>
+            <a:r>
+              <a:rPr kumimoji="0" lang="en-US" altLang="en-US" sz="1700" b="1" i="0" u="none" strike="noStrike" cap="none" normalizeH="0" baseline="0">
+                <a:ln>
+                  <a:noFill/>
+                </a:ln>
+                <a:effectLst/>
+              </a:rPr>
+              <a:t>1 to 6 months</a:t>
+            </a:r>
+            <a:r>
+              <a:rPr kumimoji="0" lang="en-US" altLang="en-US" sz="1700" b="0" i="0" u="none" strike="noStrike" cap="none" normalizeH="0" baseline="0">
+                <a:ln>
+                  <a:noFill/>
+                </a:ln>
+                <a:effectLst/>
+              </a:rPr>
+              <a:t> in multiple settings.</a:t>
+            </a:r>
+          </a:p>
+        </p:txBody>
+      </p:sp>
+      <p:sp>
+        <p:nvSpPr>
+          <p:cNvPr id="15" name="Rectangle 14">
+            <a:extLst>
+              <a:ext uri="{FF2B5EF4-FFF2-40B4-BE49-F238E27FC236}">
+                <a16:creationId xmlns:a16="http://schemas.microsoft.com/office/drawing/2014/main" id="{55222F96-971A-4F90-B841-6BAB416C7AC1}"/>
+              </a:ext>
+              <a:ext uri="{C183D7F6-B498-43B3-948B-1728B52AA6E4}">
+                <adec:decorative xmlns:adec="http://schemas.microsoft.com/office/drawing/2017/decorative" val="1"/>
+              </a:ext>
+            </a:extLst>
+          </p:cNvPr>
+          <p:cNvSpPr>
+            <a:spLocks noGrp="1" noRot="1" noChangeAspect="1" noMove="1" noResize="1" noEditPoints="1" noAdjustHandles="1" noChangeArrowheads="1" noChangeShapeType="1" noTextEdit="1"/>
+          </p:cNvSpPr>
+          <p:nvPr>
+            <p:extLst>
+              <p:ext uri="{386F3935-93C4-4BCD-93E2-E3B085C9AB24}">
+                <p16:designElem xmlns:p16="http://schemas.microsoft.com/office/powerpoint/2015/main" val="1"/>
+              </p:ext>
+            </p:extLst>
+          </p:nvPr>
+        </p:nvSpPr>
+        <p:spPr>
+          <a:xfrm rot="5400000">
+            <a:off x="-225843" y="6053360"/>
+            <a:ext cx="740664" cy="154124"/>
+          </a:xfrm>
+          <a:prstGeom prst="rect">
+            <a:avLst/>
+          </a:prstGeom>
+          <a:solidFill>
+            <a:schemeClr val="accent4"/>
+          </a:solidFill>
+          <a:ln>
+            <a:noFill/>
+          </a:ln>
+        </p:spPr>
+        <p:style>
+          <a:lnRef idx="2">
+            <a:schemeClr val="accent1">
+              <a:shade val="50000"/>
+            </a:schemeClr>
+          </a:lnRef>
+          <a:fillRef idx="1">
+            <a:schemeClr val="accent1"/>
+          </a:fillRef>
+          <a:effectRef idx="0">
+            <a:schemeClr val="accent1"/>
+          </a:effectRef>
+          <a:fontRef idx="minor">
+            <a:schemeClr val="lt1"/>
+          </a:fontRef>
+        </p:style>
+        <p:txBody>
+          <a:bodyPr rtlCol="0" anchor="ctr"/>
+          <a:lstStyle/>
+          <a:p>
+            <a:pPr algn="ctr"/>
+            <a:endParaRPr lang="en-US"/>
+          </a:p>
+        </p:txBody>
+      </p:sp>
+      <p:sp>
+        <p:nvSpPr>
+          <p:cNvPr id="17" name="Rectangle 16">
+            <a:extLst>
+              <a:ext uri="{FF2B5EF4-FFF2-40B4-BE49-F238E27FC236}">
+                <a16:creationId xmlns:a16="http://schemas.microsoft.com/office/drawing/2014/main" id="{08980754-6F4B-43C9-B9BE-127B6BED6586}"/>
+              </a:ext>
+              <a:ext uri="{C183D7F6-B498-43B3-948B-1728B52AA6E4}">
+                <adec:decorative xmlns:adec="http://schemas.microsoft.com/office/drawing/2017/decorative" val="1"/>
+              </a:ext>
+            </a:extLst>
+          </p:cNvPr>
+          <p:cNvSpPr>
+            <a:spLocks noGrp="1" noRot="1" noChangeAspect="1" noMove="1" noResize="1" noEditPoints="1" noAdjustHandles="1" noChangeArrowheads="1" noChangeShapeType="1" noTextEdit="1"/>
+          </p:cNvSpPr>
+          <p:nvPr>
+            <p:extLst>
+              <p:ext uri="{386F3935-93C4-4BCD-93E2-E3B085C9AB24}">
+                <p16:designElem xmlns:p16="http://schemas.microsoft.com/office/powerpoint/2015/main" val="1"/>
+              </p:ext>
+            </p:extLst>
+          </p:nvPr>
+        </p:nvSpPr>
+        <p:spPr>
+          <a:xfrm rot="5400000">
+            <a:off x="5904923" y="215201"/>
+            <a:ext cx="740664" cy="11833491"/>
+          </a:xfrm>
+          <a:prstGeom prst="rect">
+            <a:avLst/>
+          </a:prstGeom>
+          <a:solidFill>
+            <a:schemeClr val="accent4"/>
+          </a:solidFill>
+          <a:ln>
+            <a:noFill/>
+          </a:ln>
+        </p:spPr>
+        <p:style>
+          <a:lnRef idx="2">
+            <a:schemeClr val="accent1">
+              <a:shade val="50000"/>
+            </a:schemeClr>
+          </a:lnRef>
+          <a:fillRef idx="1">
+            <a:schemeClr val="accent1"/>
+          </a:fillRef>
+          <a:effectRef idx="0">
+            <a:schemeClr val="accent1"/>
+          </a:effectRef>
+          <a:fontRef idx="minor">
+            <a:schemeClr val="lt1"/>
+          </a:fontRef>
+        </p:style>
+        <p:txBody>
+          <a:bodyPr rtlCol="0" anchor="ctr"/>
+          <a:lstStyle/>
+          <a:p>
+            <a:pPr algn="ctr"/>
+            <a:endParaRPr lang="en-US"/>
+          </a:p>
+        </p:txBody>
+      </p:sp>
+      <p:sp>
+        <p:nvSpPr>
+          <p:cNvPr id="19" name="Rectangle 18">
+            <a:extLst>
+              <a:ext uri="{FF2B5EF4-FFF2-40B4-BE49-F238E27FC236}">
+                <a16:creationId xmlns:a16="http://schemas.microsoft.com/office/drawing/2014/main" id="{2C1BBA94-3F40-40AA-8BB9-E69E25E537C1}"/>
+              </a:ext>
+              <a:ext uri="{C183D7F6-B498-43B3-948B-1728B52AA6E4}">
+                <adec:decorative xmlns:adec="http://schemas.microsoft.com/office/drawing/2017/decorative" val="1"/>
+              </a:ext>
+            </a:extLst>
+          </p:cNvPr>
+          <p:cNvSpPr>
+            <a:spLocks noGrp="1" noRot="1" noChangeAspect="1" noMove="1" noResize="1" noEditPoints="1" noAdjustHandles="1" noChangeArrowheads="1" noChangeShapeType="1" noTextEdit="1"/>
+          </p:cNvSpPr>
+          <p:nvPr>
+            <p:extLst>
+              <p:ext uri="{386F3935-93C4-4BCD-93E2-E3B085C9AB24}">
+                <p16:designElem xmlns:p16="http://schemas.microsoft.com/office/powerpoint/2015/main" val="1"/>
+              </p:ext>
+            </p:extLst>
+          </p:nvPr>
+        </p:nvSpPr>
+        <p:spPr>
+          <a:xfrm>
+            <a:off x="5696793" y="354959"/>
+            <a:ext cx="6184973" cy="5915212"/>
+          </a:xfrm>
+          <a:prstGeom prst="rect">
+            <a:avLst/>
+          </a:prstGeom>
+          <a:solidFill>
+            <a:schemeClr val="bg1"/>
+          </a:solidFill>
+          <a:ln>
+            <a:noFill/>
+          </a:ln>
+          <a:effectLst>
+            <a:outerShdw blurRad="139700" dist="127000" dir="5400000" algn="t" rotWithShape="0">
+              <a:prstClr val="black">
+                <a:alpha val="15000"/>
+              </a:prstClr>
+            </a:outerShdw>
+          </a:effectLst>
+        </p:spPr>
+        <p:style>
+          <a:lnRef idx="2">
+            <a:schemeClr val="accent1">
+              <a:shade val="50000"/>
+            </a:schemeClr>
+          </a:lnRef>
+          <a:fillRef idx="1">
+            <a:schemeClr val="accent1"/>
+          </a:fillRef>
+          <a:effectRef idx="0">
+            <a:schemeClr val="accent1"/>
+          </a:effectRef>
+          <a:fontRef idx="minor">
+            <a:schemeClr val="lt1"/>
+          </a:fontRef>
+        </p:style>
+        <p:txBody>
+          <a:bodyPr rtlCol="0" anchor="ctr"/>
+          <a:lstStyle/>
+          <a:p>
+            <a:pPr algn="ctr"/>
+            <a:endParaRPr lang="en-US"/>
+          </a:p>
+        </p:txBody>
+      </p:sp>
+      <p:sp>
+        <p:nvSpPr>
+          <p:cNvPr id="4" name="Rectangle 3">
+            <a:extLst>
+              <a:ext uri="{FF2B5EF4-FFF2-40B4-BE49-F238E27FC236}">
+                <a16:creationId xmlns:a16="http://schemas.microsoft.com/office/drawing/2014/main" id="{42B84AB1-3CE1-CCB4-EAEF-BBDA98DF59EB}"/>
+              </a:ext>
+            </a:extLst>
+          </p:cNvPr>
+          <p:cNvSpPr/>
+          <p:nvPr/>
+        </p:nvSpPr>
+        <p:spPr>
+          <a:xfrm>
+            <a:off x="616533" y="1779477"/>
+            <a:ext cx="1224481" cy="112301"/>
+          </a:xfrm>
+          <a:prstGeom prst="rect">
+            <a:avLst/>
+          </a:prstGeom>
+          <a:ln>
+            <a:noFill/>
+          </a:ln>
+        </p:spPr>
+        <p:style>
+          <a:lnRef idx="2">
+            <a:schemeClr val="accent2">
+              <a:shade val="15000"/>
+            </a:schemeClr>
+          </a:lnRef>
+          <a:fillRef idx="1">
+            <a:schemeClr val="accent2"/>
+          </a:fillRef>
+          <a:effectRef idx="0">
+            <a:schemeClr val="accent2"/>
+          </a:effectRef>
+          <a:fontRef idx="minor">
+            <a:schemeClr val="lt1"/>
+          </a:fontRef>
+        </p:style>
+        <p:txBody>
+          <a:bodyPr rtlCol="0" anchor="ctr"/>
+          <a:lstStyle/>
+          <a:p>
+            <a:pPr algn="ctr"/>
+            <a:endParaRPr lang="en-US"/>
+          </a:p>
+        </p:txBody>
+      </p:sp>
+      <p:graphicFrame>
+        <p:nvGraphicFramePr>
+          <p:cNvPr id="6" name="Chart 5">
+            <a:extLst>
+              <a:ext uri="{FF2B5EF4-FFF2-40B4-BE49-F238E27FC236}">
+                <a16:creationId xmlns:a16="http://schemas.microsoft.com/office/drawing/2014/main" id="{F3A7844A-A215-9A5D-C283-CAF160C93772}"/>
+              </a:ext>
+            </a:extLst>
+          </p:cNvPr>
+          <p:cNvGraphicFramePr>
+            <a:graphicFrameLocks/>
+          </p:cNvGraphicFramePr>
+          <p:nvPr>
+            <p:extLst>
+              <p:ext uri="{D42A27DB-BD31-4B8C-83A1-F6EECF244321}">
+                <p14:modId xmlns:p14="http://schemas.microsoft.com/office/powerpoint/2010/main" val="3518047322"/>
+              </p:ext>
+            </p:extLst>
+          </p:nvPr>
+        </p:nvGraphicFramePr>
+        <p:xfrm>
+          <a:off x="5987738" y="650494"/>
+          <a:ext cx="5628018" cy="5324142"/>
+        </p:xfrm>
+        <a:graphic>
+          <a:graphicData uri="http://schemas.openxmlformats.org/drawingml/2006/chart">
+            <c:chart xmlns:c="http://schemas.openxmlformats.org/drawingml/2006/chart" xmlns:r="http://schemas.openxmlformats.org/officeDocument/2006/relationships" r:id="rId2"/>
+          </a:graphicData>
+        </a:graphic>
+      </p:graphicFrame>
+    </p:spTree>
+    <p:extLst>
+      <p:ext uri="{BB962C8B-B14F-4D97-AF65-F5344CB8AC3E}">
+        <p14:creationId xmlns:p14="http://schemas.microsoft.com/office/powerpoint/2010/main" val="4193988834"/>
+      </p:ext>
+    </p:extLst>
+  </p:cSld>
+  <p:clrMapOvr>
+    <a:masterClrMapping/>
+  </p:clrMapOvr>
+</p:sld>
+</file>
+
+<file path=ppt/slides/slide3.xml><?xml version="1.0" encoding="utf-8"?>
+<p:sld xmlns:a="http://schemas.openxmlformats.org/drawingml/2006/main" xmlns:r="http://schemas.openxmlformats.org/officeDocument/2006/relationships" xmlns:p="http://schemas.openxmlformats.org/presentationml/2006/main">
+  <p:cSld>
+    <p:bg>
+      <p:bgPr>
+        <a:solidFill>
+          <a:schemeClr val="bg1"/>
+        </a:solidFill>
+        <a:effectLst/>
+      </p:bgPr>
+    </p:bg>
+    <p:spTree>
+      <p:nvGrpSpPr>
+        <p:cNvPr id="1" name="">
+          <a:extLst>
+            <a:ext uri="{FF2B5EF4-FFF2-40B4-BE49-F238E27FC236}">
+              <a16:creationId xmlns:a16="http://schemas.microsoft.com/office/drawing/2014/main" id="{DE4E7B45-3B21-5014-8CC7-DE61C81A0946}"/>
+            </a:ext>
+          </a:extLst>
+        </p:cNvPr>
+        <p:cNvGrpSpPr/>
+        <p:nvPr/>
+      </p:nvGrpSpPr>
+      <p:grpSpPr>
+        <a:xfrm>
+          <a:off x="0" y="0"/>
+          <a:ext cx="0" cy="0"/>
+          <a:chOff x="0" y="0"/>
+          <a:chExt cx="0" cy="0"/>
+        </a:xfrm>
+      </p:grpSpPr>
+      <p:sp useBgFill="1">
+        <p:nvSpPr>
+          <p:cNvPr id="10" name="Rectangle 9">
+            <a:extLst>
+              <a:ext uri="{FF2B5EF4-FFF2-40B4-BE49-F238E27FC236}">
+                <a16:creationId xmlns:a16="http://schemas.microsoft.com/office/drawing/2014/main" id="{DBC6133C-0615-4CE4-9132-37E609A9BDFA}"/>
+              </a:ext>
+              <a:ext uri="{C183D7F6-B498-43B3-948B-1728B52AA6E4}">
+                <adec:decorative xmlns:adec="http://schemas.microsoft.com/office/drawing/2017/decorative" val="1"/>
+              </a:ext>
+            </a:extLst>
+          </p:cNvPr>
+          <p:cNvSpPr>
+            <a:spLocks noGrp="1" noRot="1" noChangeAspect="1" noMove="1" noResize="1" noEditPoints="1" noAdjustHandles="1" noChangeArrowheads="1" noChangeShapeType="1" noTextEdit="1"/>
+          </p:cNvSpPr>
+          <p:nvPr>
+            <p:extLst>
+              <p:ext uri="{386F3935-93C4-4BCD-93E2-E3B085C9AB24}">
+                <p16:designElem xmlns:p16="http://schemas.microsoft.com/office/powerpoint/2015/main" val="1"/>
+              </p:ext>
+            </p:extLst>
+          </p:nvPr>
+        </p:nvSpPr>
+        <p:spPr>
+          <a:xfrm>
+            <a:off x="0" y="0"/>
+            <a:ext cx="12191999" cy="6857365"/>
+          </a:xfrm>
+          <a:prstGeom prst="rect">
+            <a:avLst/>
+          </a:prstGeom>
+          <a:ln>
+            <a:noFill/>
+          </a:ln>
+        </p:spPr>
+        <p:style>
+          <a:lnRef idx="2">
+            <a:schemeClr val="accent1">
+              <a:shade val="50000"/>
+            </a:schemeClr>
+          </a:lnRef>
+          <a:fillRef idx="1">
+            <a:schemeClr val="accent1"/>
+          </a:fillRef>
+          <a:effectRef idx="0">
+            <a:schemeClr val="accent1"/>
+          </a:effectRef>
+          <a:fontRef idx="minor">
+            <a:schemeClr val="lt1"/>
+          </a:fontRef>
+        </p:style>
+        <p:txBody>
+          <a:bodyPr rtlCol="0" anchor="ctr"/>
+          <a:lstStyle/>
+          <a:p>
+            <a:pPr algn="ctr"/>
+            <a:endParaRPr lang="en-US"/>
+          </a:p>
+        </p:txBody>
+      </p:sp>
+      <p:sp>
+        <p:nvSpPr>
+          <p:cNvPr id="3" name="TextBox 2">
+            <a:extLst>
+              <a:ext uri="{FF2B5EF4-FFF2-40B4-BE49-F238E27FC236}">
+                <a16:creationId xmlns:a16="http://schemas.microsoft.com/office/drawing/2014/main" id="{3A8907C2-19FD-ACD1-80AA-1602B7471881}"/>
+              </a:ext>
+            </a:extLst>
+          </p:cNvPr>
+          <p:cNvSpPr txBox="1"/>
+          <p:nvPr/>
+        </p:nvSpPr>
+        <p:spPr>
+          <a:xfrm>
+            <a:off x="576243" y="635267"/>
+            <a:ext cx="4282983" cy="1200361"/>
+          </a:xfrm>
+          <a:prstGeom prst="rect">
+            <a:avLst/>
+          </a:prstGeom>
+        </p:spPr>
+        <p:txBody>
+          <a:bodyPr vert="horz" lIns="91440" tIns="45720" rIns="91440" bIns="45720" rtlCol="0" anchor="b">
+            <a:normAutofit/>
+          </a:bodyPr>
+          <a:lstStyle/>
+          <a:p>
+            <a:pPr>
+              <a:lnSpc>
+                <a:spcPct val="90000"/>
+              </a:lnSpc>
+              <a:spcBef>
+                <a:spcPct val="0"/>
+              </a:spcBef>
+              <a:spcAft>
+                <a:spcPts val="600"/>
+              </a:spcAft>
+            </a:pPr>
+            <a:r>
+              <a:rPr lang="en-US" sz="3200" b="1" kern="1200" dirty="0">
+                <a:solidFill>
+                  <a:schemeClr val="tx1"/>
+                </a:solidFill>
+                <a:latin typeface="+mj-lt"/>
+                <a:ea typeface="+mj-ea"/>
+                <a:cs typeface="+mj-cs"/>
+              </a:rPr>
+              <a:t>Key Findings </a:t>
+            </a:r>
+          </a:p>
+          <a:p>
+            <a:pPr>
+              <a:lnSpc>
+                <a:spcPct val="90000"/>
+              </a:lnSpc>
+              <a:spcBef>
+                <a:spcPct val="0"/>
+              </a:spcBef>
+              <a:spcAft>
+                <a:spcPts val="600"/>
+              </a:spcAft>
+            </a:pPr>
+            <a:r>
+              <a:rPr lang="en-US" sz="3200" b="1" kern="1200" dirty="0">
+                <a:solidFill>
+                  <a:schemeClr val="tx1"/>
+                </a:solidFill>
+                <a:latin typeface="+mj-lt"/>
+                <a:ea typeface="+mj-ea"/>
+                <a:cs typeface="+mj-cs"/>
+              </a:rPr>
+              <a:t>Resident Outcomes</a:t>
+            </a:r>
+          </a:p>
+        </p:txBody>
+      </p:sp>
+      <p:sp>
+        <p:nvSpPr>
+          <p:cNvPr id="12" name="Rectangle 11">
+            <a:extLst>
+              <a:ext uri="{FF2B5EF4-FFF2-40B4-BE49-F238E27FC236}">
+                <a16:creationId xmlns:a16="http://schemas.microsoft.com/office/drawing/2014/main" id="{169CC832-2974-4E8D-90ED-3E2941BA7336}"/>
+              </a:ext>
+              <a:ext uri="{C183D7F6-B498-43B3-948B-1728B52AA6E4}">
+                <adec:decorative xmlns:adec="http://schemas.microsoft.com/office/drawing/2017/decorative" val="1"/>
+              </a:ext>
+            </a:extLst>
+          </p:cNvPr>
+          <p:cNvSpPr>
+            <a:spLocks noGrp="1" noRot="1" noChangeAspect="1" noMove="1" noResize="1" noEditPoints="1" noAdjustHandles="1" noChangeArrowheads="1" noChangeShapeType="1" noTextEdit="1"/>
+          </p:cNvSpPr>
+          <p:nvPr>
+            <p:extLst>
+              <p:ext uri="{386F3935-93C4-4BCD-93E2-E3B085C9AB24}">
+                <p16:designElem xmlns:p16="http://schemas.microsoft.com/office/powerpoint/2015/main" val="1"/>
+              </p:ext>
+            </p:extLst>
+          </p:nvPr>
+        </p:nvSpPr>
+        <p:spPr>
+          <a:xfrm flipH="1">
+            <a:off x="616533" y="1944913"/>
+            <a:ext cx="4023360" cy="27432"/>
+          </a:xfrm>
+          <a:prstGeom prst="rect">
+            <a:avLst/>
+          </a:prstGeom>
+          <a:solidFill>
+            <a:schemeClr val="accent4"/>
+          </a:solidFill>
+          <a:ln>
+            <a:noFill/>
+          </a:ln>
+        </p:spPr>
+        <p:style>
+          <a:lnRef idx="2">
+            <a:schemeClr val="accent1">
+              <a:shade val="50000"/>
+            </a:schemeClr>
+          </a:lnRef>
+          <a:fillRef idx="1">
+            <a:schemeClr val="accent1"/>
+          </a:fillRef>
+          <a:effectRef idx="0">
+            <a:schemeClr val="accent1"/>
+          </a:effectRef>
+          <a:fontRef idx="minor">
+            <a:schemeClr val="lt1"/>
+          </a:fontRef>
+        </p:style>
+        <p:txBody>
+          <a:bodyPr rtlCol="0" anchor="ctr"/>
+          <a:lstStyle/>
+          <a:p>
+            <a:pPr algn="ctr"/>
+            <a:endParaRPr lang="en-US"/>
+          </a:p>
+        </p:txBody>
+      </p:sp>
+      <p:sp>
+        <p:nvSpPr>
+          <p:cNvPr id="5" name="Rectangle 1">
+            <a:extLst>
+              <a:ext uri="{FF2B5EF4-FFF2-40B4-BE49-F238E27FC236}">
+                <a16:creationId xmlns:a16="http://schemas.microsoft.com/office/drawing/2014/main" id="{9A711BCC-1C85-EF0D-FB4B-68CDBDD19CA3}"/>
+              </a:ext>
+            </a:extLst>
+          </p:cNvPr>
+          <p:cNvSpPr>
+            <a:spLocks noChangeArrowheads="1"/>
+          </p:cNvSpPr>
+          <p:nvPr/>
+        </p:nvSpPr>
+        <p:spPr bwMode="auto">
+          <a:xfrm>
+            <a:off x="645066" y="2031101"/>
+            <a:ext cx="4282984" cy="3511943"/>
+          </a:xfrm>
+          <a:prstGeom prst="rect">
+            <a:avLst/>
+          </a:prstGeom>
+          <a:extLst>
+            <a:ext uri="{909E8E84-426E-40DD-AFC4-6F175D3DCCD1}">
+              <a14:hiddenFill xmlns:a14="http://schemas.microsoft.com/office/drawing/2010/main">
+                <a:solidFill>
+                  <a:schemeClr val="accent1"/>
+                </a:solidFill>
+              </a14:hiddenFill>
+            </a:ext>
+            <a:ext uri="{91240B29-F687-4F45-9708-019B960494DF}">
+              <a14:hiddenLine xmlns:a14="http://schemas.microsoft.com/office/drawing/2010/main" w="9525">
+                <a:solidFill>
+                  <a:schemeClr val="tx1"/>
+                </a:solidFill>
+                <a:miter lim="800000"/>
+                <a:headEnd/>
+                <a:tailEnd/>
+              </a14:hiddenLine>
+            </a:ext>
+            <a:ext uri="{AF507438-7753-43E0-B8FC-AC1667EBCBE1}">
+              <a14:hiddenEffects xmlns:a14="http://schemas.microsoft.com/office/drawing/2010/main">
+                <a:effectLst>
+                  <a:outerShdw dist="35921" dir="2700000" algn="ctr" rotWithShape="0">
+                    <a:schemeClr val="bg2"/>
+                  </a:outerShdw>
+                </a:effectLst>
+              </a14:hiddenEffects>
+            </a:ext>
+          </a:extLst>
+        </p:spPr>
+        <p:txBody>
+          <a:bodyPr vert="horz" lIns="91440" tIns="45720" rIns="91440" bIns="45720" numCol="1" rtlCol="0" anchor="ctr" anchorCtr="0" compatLnSpc="1">
+            <a:prstTxWarp prst="textNoShape">
+              <a:avLst/>
+            </a:prstTxWarp>
+            <a:normAutofit/>
+          </a:bodyPr>
+          <a:lstStyle/>
+          <a:p>
+            <a:pPr marL="285750" marR="0" lvl="0" indent="-228600" fontAlgn="base">
+              <a:lnSpc>
+                <a:spcPct val="90000"/>
+              </a:lnSpc>
+              <a:spcBef>
+                <a:spcPct val="0"/>
+              </a:spcBef>
+              <a:spcAft>
+                <a:spcPts val="600"/>
+              </a:spcAft>
+              <a:buClrTx/>
+              <a:buSzTx/>
+              <a:buFont typeface="Arial" panose="020B0604020202020204" pitchFamily="34" charset="0"/>
+              <a:buChar char="•"/>
+              <a:tabLst/>
+            </a:pPr>
+            <a:r>
+              <a:rPr kumimoji="0" lang="en-US" altLang="en-US" b="0" i="0" u="none" strike="noStrike" cap="none" normalizeH="0" baseline="0">
+                <a:ln>
+                  <a:noFill/>
+                </a:ln>
+                <a:effectLst/>
+              </a:rPr>
+              <a:t>Agitation episodes fell by </a:t>
+            </a:r>
+            <a:r>
+              <a:rPr kumimoji="0" lang="en-US" altLang="en-US" b="1" i="0" u="none" strike="noStrike" cap="none" normalizeH="0" baseline="0">
+                <a:ln>
+                  <a:noFill/>
+                </a:ln>
+                <a:effectLst/>
+              </a:rPr>
+              <a:t>15 – 35% </a:t>
+            </a:r>
+            <a:r>
+              <a:rPr kumimoji="0" lang="en-US" altLang="en-US" b="0" i="0" u="none" strike="noStrike" cap="none" normalizeH="0" baseline="0">
+                <a:ln>
+                  <a:noFill/>
+                </a:ln>
+                <a:effectLst/>
+              </a:rPr>
+              <a:t>following TTT interventions.</a:t>
+            </a:r>
+          </a:p>
+          <a:p>
+            <a:pPr marL="285750" marR="0" lvl="0" indent="-228600" fontAlgn="base">
+              <a:lnSpc>
+                <a:spcPct val="90000"/>
+              </a:lnSpc>
+              <a:spcBef>
+                <a:spcPct val="0"/>
+              </a:spcBef>
+              <a:spcAft>
+                <a:spcPts val="600"/>
+              </a:spcAft>
+              <a:buClrTx/>
+              <a:buSzTx/>
+              <a:buFont typeface="Arial" panose="020B0604020202020204" pitchFamily="34" charset="0"/>
+              <a:buChar char="•"/>
+              <a:tabLst/>
+            </a:pPr>
+            <a:endParaRPr kumimoji="0" lang="en-US" altLang="en-US" b="0" i="0" u="none" strike="noStrike" cap="none" normalizeH="0" baseline="0">
+              <a:ln>
+                <a:noFill/>
+              </a:ln>
+              <a:effectLst/>
+            </a:endParaRPr>
+          </a:p>
+          <a:p>
+            <a:pPr marL="285750" marR="0" lvl="0" indent="-228600" fontAlgn="base">
+              <a:lnSpc>
+                <a:spcPct val="90000"/>
+              </a:lnSpc>
+              <a:spcBef>
+                <a:spcPct val="0"/>
+              </a:spcBef>
+              <a:spcAft>
+                <a:spcPts val="600"/>
+              </a:spcAft>
+              <a:buClrTx/>
+              <a:buSzTx/>
+              <a:buFont typeface="Arial" panose="020B0604020202020204" pitchFamily="34" charset="0"/>
+              <a:buChar char="•"/>
+              <a:tabLst/>
+            </a:pPr>
+            <a:r>
+              <a:rPr kumimoji="0" lang="en-US" altLang="en-US" b="0" i="0" u="none" strike="noStrike" cap="none" normalizeH="0" baseline="0">
+                <a:ln>
+                  <a:noFill/>
+                </a:ln>
+                <a:effectLst/>
+              </a:rPr>
+              <a:t>Antipsychotic prescribing decreased by up to </a:t>
+            </a:r>
+            <a:r>
+              <a:rPr kumimoji="0" lang="en-US" altLang="en-US" b="1" i="0" u="none" strike="noStrike" cap="none" normalizeH="0" baseline="0">
+                <a:ln>
+                  <a:noFill/>
+                </a:ln>
+                <a:effectLst/>
+              </a:rPr>
+              <a:t>40%</a:t>
+            </a:r>
+            <a:r>
+              <a:rPr kumimoji="0" lang="en-US" altLang="en-US" b="0" i="0" u="none" strike="noStrike" cap="none" normalizeH="0" baseline="0">
+                <a:ln>
+                  <a:noFill/>
+                </a:ln>
+                <a:effectLst/>
+              </a:rPr>
+              <a:t> post-training.</a:t>
+            </a:r>
+          </a:p>
+          <a:p>
+            <a:pPr marL="285750" marR="0" lvl="0" indent="-228600" fontAlgn="base">
+              <a:lnSpc>
+                <a:spcPct val="90000"/>
+              </a:lnSpc>
+              <a:spcBef>
+                <a:spcPct val="0"/>
+              </a:spcBef>
+              <a:spcAft>
+                <a:spcPts val="600"/>
+              </a:spcAft>
+              <a:buClrTx/>
+              <a:buSzTx/>
+              <a:buFont typeface="Arial" panose="020B0604020202020204" pitchFamily="34" charset="0"/>
+              <a:buChar char="•"/>
+              <a:tabLst/>
+            </a:pPr>
+            <a:endParaRPr kumimoji="0" lang="en-US" altLang="en-US" b="0" i="0" u="none" strike="noStrike" cap="none" normalizeH="0" baseline="0">
+              <a:ln>
+                <a:noFill/>
+              </a:ln>
+              <a:effectLst/>
+            </a:endParaRPr>
+          </a:p>
+          <a:p>
+            <a:pPr marL="285750" marR="0" lvl="0" indent="-228600" fontAlgn="base">
+              <a:lnSpc>
+                <a:spcPct val="90000"/>
+              </a:lnSpc>
+              <a:spcBef>
+                <a:spcPct val="0"/>
+              </a:spcBef>
+              <a:spcAft>
+                <a:spcPts val="600"/>
+              </a:spcAft>
+              <a:buClrTx/>
+              <a:buSzTx/>
+              <a:buFont typeface="Arial" panose="020B0604020202020204" pitchFamily="34" charset="0"/>
+              <a:buChar char="•"/>
+              <a:tabLst/>
+            </a:pPr>
+            <a:r>
+              <a:rPr kumimoji="0" lang="en-US" altLang="en-US" b="0" i="0" u="none" strike="noStrike" cap="none" normalizeH="0" baseline="0">
+                <a:ln>
+                  <a:noFill/>
+                </a:ln>
+                <a:effectLst/>
+              </a:rPr>
+              <a:t>Effects persisted across </a:t>
+            </a:r>
+            <a:r>
+              <a:rPr kumimoji="0" lang="en-US" altLang="en-US" b="1" i="0" u="none" strike="noStrike" cap="none" normalizeH="0" baseline="0">
+                <a:ln>
+                  <a:noFill/>
+                </a:ln>
+                <a:effectLst/>
+              </a:rPr>
+              <a:t>1</a:t>
+            </a:r>
+            <a:r>
+              <a:rPr kumimoji="0" lang="en-US" altLang="en-US" b="0" i="0" u="none" strike="noStrike" cap="none" normalizeH="0" baseline="0">
+                <a:ln>
+                  <a:noFill/>
+                </a:ln>
+                <a:effectLst/>
+              </a:rPr>
+              <a:t> to </a:t>
+            </a:r>
+            <a:r>
+              <a:rPr kumimoji="0" lang="en-US" altLang="en-US" b="1" i="0" u="none" strike="noStrike" cap="none" normalizeH="0" baseline="0">
+                <a:ln>
+                  <a:noFill/>
+                </a:ln>
+                <a:effectLst/>
+              </a:rPr>
+              <a:t>6</a:t>
+            </a:r>
+            <a:r>
+              <a:rPr kumimoji="0" lang="en-US" altLang="en-US" b="0" i="0" u="none" strike="noStrike" cap="none" normalizeH="0" baseline="0">
+                <a:ln>
+                  <a:noFill/>
+                </a:ln>
+                <a:effectLst/>
+              </a:rPr>
+              <a:t> months of follow-up in varied settings.</a:t>
+            </a:r>
+          </a:p>
+          <a:p>
+            <a:pPr marL="285750" marR="0" lvl="0" indent="-228600" fontAlgn="base">
+              <a:lnSpc>
+                <a:spcPct val="90000"/>
+              </a:lnSpc>
+              <a:spcBef>
+                <a:spcPct val="0"/>
+              </a:spcBef>
+              <a:spcAft>
+                <a:spcPts val="600"/>
+              </a:spcAft>
+              <a:buClrTx/>
+              <a:buSzTx/>
+              <a:buFont typeface="Arial" panose="020B0604020202020204" pitchFamily="34" charset="0"/>
+              <a:buChar char="•"/>
+              <a:tabLst/>
+            </a:pPr>
+            <a:endParaRPr kumimoji="0" lang="en-US" altLang="en-US" b="0" i="0" u="none" strike="noStrike" cap="none" normalizeH="0" baseline="0">
+              <a:ln>
+                <a:noFill/>
+              </a:ln>
+              <a:effectLst/>
+            </a:endParaRPr>
+          </a:p>
+          <a:p>
+            <a:pPr marL="285750" marR="0" lvl="0" indent="-228600" fontAlgn="base">
+              <a:lnSpc>
+                <a:spcPct val="90000"/>
+              </a:lnSpc>
+              <a:spcBef>
+                <a:spcPct val="0"/>
+              </a:spcBef>
+              <a:spcAft>
+                <a:spcPts val="600"/>
+              </a:spcAft>
+              <a:buClrTx/>
+              <a:buSzTx/>
+              <a:buFont typeface="Arial" panose="020B0604020202020204" pitchFamily="34" charset="0"/>
+              <a:buChar char="•"/>
+              <a:tabLst/>
+            </a:pPr>
+            <a:r>
+              <a:rPr kumimoji="0" lang="en-US" altLang="en-US" b="0" i="0" u="none" strike="noStrike" cap="none" normalizeH="0" baseline="0">
+                <a:ln>
+                  <a:noFill/>
+                </a:ln>
+                <a:effectLst/>
+              </a:rPr>
+              <a:t> Reductions observed in care homes and acute-care environments.</a:t>
+            </a:r>
+          </a:p>
+        </p:txBody>
+      </p:sp>
+      <p:sp>
+        <p:nvSpPr>
+          <p:cNvPr id="14" name="Rectangle 13">
+            <a:extLst>
+              <a:ext uri="{FF2B5EF4-FFF2-40B4-BE49-F238E27FC236}">
+                <a16:creationId xmlns:a16="http://schemas.microsoft.com/office/drawing/2014/main" id="{55222F96-971A-4F90-B841-6BAB416C7AC1}"/>
+              </a:ext>
+              <a:ext uri="{C183D7F6-B498-43B3-948B-1728B52AA6E4}">
+                <adec:decorative xmlns:adec="http://schemas.microsoft.com/office/drawing/2017/decorative" val="1"/>
+              </a:ext>
+            </a:extLst>
+          </p:cNvPr>
+          <p:cNvSpPr>
+            <a:spLocks noGrp="1" noRot="1" noChangeAspect="1" noMove="1" noResize="1" noEditPoints="1" noAdjustHandles="1" noChangeArrowheads="1" noChangeShapeType="1" noTextEdit="1"/>
+          </p:cNvSpPr>
+          <p:nvPr>
+            <p:extLst>
+              <p:ext uri="{386F3935-93C4-4BCD-93E2-E3B085C9AB24}">
+                <p16:designElem xmlns:p16="http://schemas.microsoft.com/office/powerpoint/2015/main" val="1"/>
+              </p:ext>
+            </p:extLst>
+          </p:nvPr>
+        </p:nvSpPr>
+        <p:spPr>
+          <a:xfrm rot="5400000">
+            <a:off x="-225843" y="6053360"/>
+            <a:ext cx="740664" cy="154124"/>
+          </a:xfrm>
+          <a:prstGeom prst="rect">
+            <a:avLst/>
+          </a:prstGeom>
+          <a:solidFill>
+            <a:schemeClr val="accent4"/>
+          </a:solidFill>
+          <a:ln>
+            <a:noFill/>
+          </a:ln>
+        </p:spPr>
+        <p:style>
+          <a:lnRef idx="2">
+            <a:schemeClr val="accent1">
+              <a:shade val="50000"/>
+            </a:schemeClr>
+          </a:lnRef>
+          <a:fillRef idx="1">
+            <a:schemeClr val="accent1"/>
+          </a:fillRef>
+          <a:effectRef idx="0">
+            <a:schemeClr val="accent1"/>
+          </a:effectRef>
+          <a:fontRef idx="minor">
+            <a:schemeClr val="lt1"/>
+          </a:fontRef>
+        </p:style>
+        <p:txBody>
+          <a:bodyPr rtlCol="0" anchor="ctr"/>
+          <a:lstStyle/>
+          <a:p>
+            <a:pPr algn="ctr"/>
+            <a:endParaRPr lang="en-US"/>
+          </a:p>
+        </p:txBody>
+      </p:sp>
+      <p:sp>
+        <p:nvSpPr>
+          <p:cNvPr id="16" name="Rectangle 15">
+            <a:extLst>
+              <a:ext uri="{FF2B5EF4-FFF2-40B4-BE49-F238E27FC236}">
+                <a16:creationId xmlns:a16="http://schemas.microsoft.com/office/drawing/2014/main" id="{08980754-6F4B-43C9-B9BE-127B6BED6586}"/>
+              </a:ext>
+              <a:ext uri="{C183D7F6-B498-43B3-948B-1728B52AA6E4}">
+                <adec:decorative xmlns:adec="http://schemas.microsoft.com/office/drawing/2017/decorative" val="1"/>
+              </a:ext>
+            </a:extLst>
+          </p:cNvPr>
+          <p:cNvSpPr>
+            <a:spLocks noGrp="1" noRot="1" noChangeAspect="1" noMove="1" noResize="1" noEditPoints="1" noAdjustHandles="1" noChangeArrowheads="1" noChangeShapeType="1" noTextEdit="1"/>
+          </p:cNvSpPr>
+          <p:nvPr>
+            <p:extLst>
+              <p:ext uri="{386F3935-93C4-4BCD-93E2-E3B085C9AB24}">
+                <p16:designElem xmlns:p16="http://schemas.microsoft.com/office/powerpoint/2015/main" val="1"/>
+              </p:ext>
+            </p:extLst>
+          </p:nvPr>
+        </p:nvSpPr>
+        <p:spPr>
+          <a:xfrm rot="5400000">
+            <a:off x="5904923" y="215201"/>
+            <a:ext cx="740664" cy="11833491"/>
+          </a:xfrm>
+          <a:prstGeom prst="rect">
+            <a:avLst/>
+          </a:prstGeom>
+          <a:solidFill>
+            <a:schemeClr val="accent4"/>
+          </a:solidFill>
+          <a:ln>
+            <a:noFill/>
+          </a:ln>
+        </p:spPr>
+        <p:style>
+          <a:lnRef idx="2">
+            <a:schemeClr val="accent1">
+              <a:shade val="50000"/>
+            </a:schemeClr>
+          </a:lnRef>
+          <a:fillRef idx="1">
+            <a:schemeClr val="accent1"/>
+          </a:fillRef>
+          <a:effectRef idx="0">
+            <a:schemeClr val="accent1"/>
+          </a:effectRef>
+          <a:fontRef idx="minor">
+            <a:schemeClr val="lt1"/>
+          </a:fontRef>
+        </p:style>
+        <p:txBody>
+          <a:bodyPr rtlCol="0" anchor="ctr"/>
+          <a:lstStyle/>
+          <a:p>
+            <a:pPr algn="ctr"/>
+            <a:endParaRPr lang="en-US"/>
+          </a:p>
+        </p:txBody>
+      </p:sp>
+      <p:sp>
+        <p:nvSpPr>
+          <p:cNvPr id="18" name="Rectangle 17">
+            <a:extLst>
+              <a:ext uri="{FF2B5EF4-FFF2-40B4-BE49-F238E27FC236}">
+                <a16:creationId xmlns:a16="http://schemas.microsoft.com/office/drawing/2014/main" id="{2C1BBA94-3F40-40AA-8BB9-E69E25E537C1}"/>
+              </a:ext>
+              <a:ext uri="{C183D7F6-B498-43B3-948B-1728B52AA6E4}">
+                <adec:decorative xmlns:adec="http://schemas.microsoft.com/office/drawing/2017/decorative" val="1"/>
+              </a:ext>
+            </a:extLst>
+          </p:cNvPr>
+          <p:cNvSpPr>
+            <a:spLocks noGrp="1" noRot="1" noChangeAspect="1" noMove="1" noResize="1" noEditPoints="1" noAdjustHandles="1" noChangeArrowheads="1" noChangeShapeType="1" noTextEdit="1"/>
+          </p:cNvSpPr>
+          <p:nvPr>
+            <p:extLst>
+              <p:ext uri="{386F3935-93C4-4BCD-93E2-E3B085C9AB24}">
+                <p16:designElem xmlns:p16="http://schemas.microsoft.com/office/powerpoint/2015/main" val="1"/>
+              </p:ext>
+            </p:extLst>
+          </p:nvPr>
+        </p:nvSpPr>
+        <p:spPr>
+          <a:xfrm>
+            <a:off x="5696793" y="354959"/>
+            <a:ext cx="6184973" cy="5915212"/>
+          </a:xfrm>
+          <a:prstGeom prst="rect">
+            <a:avLst/>
+          </a:prstGeom>
+          <a:solidFill>
+            <a:schemeClr val="bg1"/>
+          </a:solidFill>
+          <a:ln>
+            <a:noFill/>
+          </a:ln>
+          <a:effectLst>
+            <a:outerShdw blurRad="139700" dist="127000" dir="5400000" algn="t" rotWithShape="0">
+              <a:prstClr val="black">
+                <a:alpha val="15000"/>
+              </a:prstClr>
+            </a:outerShdw>
+          </a:effectLst>
+        </p:spPr>
+        <p:style>
+          <a:lnRef idx="2">
+            <a:schemeClr val="accent1">
+              <a:shade val="50000"/>
+            </a:schemeClr>
+          </a:lnRef>
+          <a:fillRef idx="1">
+            <a:schemeClr val="accent1"/>
+          </a:fillRef>
+          <a:effectRef idx="0">
+            <a:schemeClr val="accent1"/>
+          </a:effectRef>
+          <a:fontRef idx="minor">
+            <a:schemeClr val="lt1"/>
+          </a:fontRef>
+        </p:style>
+        <p:txBody>
+          <a:bodyPr rtlCol="0" anchor="ctr"/>
+          <a:lstStyle/>
+          <a:p>
+            <a:pPr algn="ctr"/>
+            <a:endParaRPr lang="en-US"/>
+          </a:p>
+        </p:txBody>
+      </p:sp>
+      <p:sp>
+        <p:nvSpPr>
+          <p:cNvPr id="4" name="Rectangle 3">
+            <a:extLst>
+              <a:ext uri="{FF2B5EF4-FFF2-40B4-BE49-F238E27FC236}">
+                <a16:creationId xmlns:a16="http://schemas.microsoft.com/office/drawing/2014/main" id="{F04FB54F-2025-B379-304F-FFC231CA6A3D}"/>
+              </a:ext>
+            </a:extLst>
+          </p:cNvPr>
+          <p:cNvSpPr/>
+          <p:nvPr/>
+        </p:nvSpPr>
+        <p:spPr>
+          <a:xfrm>
+            <a:off x="645064" y="1812531"/>
+            <a:ext cx="1224481" cy="112301"/>
+          </a:xfrm>
+          <a:prstGeom prst="rect">
+            <a:avLst/>
+          </a:prstGeom>
+          <a:ln>
+            <a:noFill/>
+          </a:ln>
+        </p:spPr>
+        <p:style>
+          <a:lnRef idx="2">
+            <a:schemeClr val="accent2">
+              <a:shade val="15000"/>
+            </a:schemeClr>
+          </a:lnRef>
+          <a:fillRef idx="1">
+            <a:schemeClr val="accent2"/>
+          </a:fillRef>
+          <a:effectRef idx="0">
+            <a:schemeClr val="accent2"/>
+          </a:effectRef>
+          <a:fontRef idx="minor">
+            <a:schemeClr val="lt1"/>
+          </a:fontRef>
+        </p:style>
+        <p:txBody>
+          <a:bodyPr rtlCol="0" anchor="ctr"/>
+          <a:lstStyle/>
+          <a:p>
+            <a:pPr algn="ctr"/>
+            <a:endParaRPr lang="en-US"/>
+          </a:p>
+        </p:txBody>
+      </p:sp>
+      <p:graphicFrame>
+        <p:nvGraphicFramePr>
+          <p:cNvPr id="2" name="Table 1">
+            <a:extLst>
+              <a:ext uri="{FF2B5EF4-FFF2-40B4-BE49-F238E27FC236}">
+                <a16:creationId xmlns:a16="http://schemas.microsoft.com/office/drawing/2014/main" id="{50EBF77D-6C07-08F2-9A6F-129A9EB729E0}"/>
+              </a:ext>
+            </a:extLst>
+          </p:cNvPr>
+          <p:cNvGraphicFramePr>
+            <a:graphicFrameLocks noGrp="1"/>
+          </p:cNvGraphicFramePr>
+          <p:nvPr>
+            <p:extLst>
+              <p:ext uri="{D42A27DB-BD31-4B8C-83A1-F6EECF244321}">
+                <p14:modId xmlns:p14="http://schemas.microsoft.com/office/powerpoint/2010/main" val="3237906343"/>
+              </p:ext>
+            </p:extLst>
+          </p:nvPr>
+        </p:nvGraphicFramePr>
+        <p:xfrm>
+          <a:off x="5987738" y="878153"/>
+          <a:ext cx="5628019" cy="4868824"/>
+        </p:xfrm>
+        <a:graphic>
+          <a:graphicData uri="http://schemas.openxmlformats.org/drawingml/2006/table">
+            <a:tbl>
+              <a:tblPr firstRow="1" bandRow="1">
+                <a:noFill/>
+              </a:tblPr>
+              <a:tblGrid>
+                <a:gridCol w="2125878">
+                  <a:extLst>
+                    <a:ext uri="{9D8B030D-6E8A-4147-A177-3AD203B41FA5}">
+                      <a16:colId xmlns:a16="http://schemas.microsoft.com/office/drawing/2014/main" val="2148395799"/>
+                    </a:ext>
+                  </a:extLst>
+                </a:gridCol>
+                <a:gridCol w="1537064">
+                  <a:extLst>
+                    <a:ext uri="{9D8B030D-6E8A-4147-A177-3AD203B41FA5}">
+                      <a16:colId xmlns:a16="http://schemas.microsoft.com/office/drawing/2014/main" val="3654856724"/>
+                    </a:ext>
+                  </a:extLst>
+                </a:gridCol>
+                <a:gridCol w="1965077">
+                  <a:extLst>
+                    <a:ext uri="{9D8B030D-6E8A-4147-A177-3AD203B41FA5}">
+                      <a16:colId xmlns:a16="http://schemas.microsoft.com/office/drawing/2014/main" val="1745459475"/>
+                    </a:ext>
+                  </a:extLst>
+                </a:gridCol>
+              </a:tblGrid>
+              <a:tr h="608603">
+                <a:tc>
+                  <a:txBody>
+                    <a:bodyPr/>
+                    <a:lstStyle/>
+                    <a:p>
+                      <a:r>
+                        <a:rPr lang="en-US" sz="1500" b="1" cap="none" spc="0">
+                          <a:solidFill>
+                            <a:schemeClr val="tx1"/>
+                          </a:solidFill>
+                        </a:rPr>
+                        <a:t>Study</a:t>
+                      </a:r>
+                    </a:p>
+                  </a:txBody>
+                  <a:tcPr marL="0" marR="68104" marT="27241" marB="204311" anchor="ctr">
+                    <a:lnL w="12700" cmpd="sng">
+                      <a:noFill/>
+                    </a:lnL>
+                    <a:lnR w="12700" cmpd="sng">
+                      <a:noFill/>
+                    </a:lnR>
+                    <a:lnT w="28575" cap="flat" cmpd="sng" algn="ctr">
+                      <a:solidFill>
+                        <a:schemeClr val="tx1"/>
+                      </a:solidFill>
+                      <a:prstDash val="solid"/>
+                    </a:lnT>
+                    <a:lnB w="38100" cmpd="sng">
+                      <a:noFill/>
+                    </a:lnB>
+                    <a:noFill/>
+                  </a:tcPr>
+                </a:tc>
+                <a:tc>
+                  <a:txBody>
+                    <a:bodyPr/>
+                    <a:lstStyle/>
+                    <a:p>
+                      <a:r>
+                        <a:rPr lang="en-US" sz="1500" b="1" cap="none" spc="0">
+                          <a:solidFill>
+                            <a:schemeClr val="tx1"/>
+                          </a:solidFill>
+                        </a:rPr>
+                        <a:t>Agitation ↓ (%)</a:t>
+                      </a:r>
+                    </a:p>
+                  </a:txBody>
+                  <a:tcPr marL="0" marR="68104" marT="27241" marB="204311" anchor="ctr">
+                    <a:lnL w="12700" cmpd="sng">
+                      <a:noFill/>
+                    </a:lnL>
+                    <a:lnR w="12700" cmpd="sng">
+                      <a:noFill/>
+                    </a:lnR>
+                    <a:lnT w="28575" cap="flat" cmpd="sng" algn="ctr">
+                      <a:solidFill>
+                        <a:schemeClr val="tx1"/>
+                      </a:solidFill>
+                      <a:prstDash val="solid"/>
+                    </a:lnT>
+                    <a:lnB w="38100" cmpd="sng">
+                      <a:noFill/>
+                    </a:lnB>
+                    <a:noFill/>
+                  </a:tcPr>
+                </a:tc>
+                <a:tc>
+                  <a:txBody>
+                    <a:bodyPr/>
+                    <a:lstStyle/>
+                    <a:p>
+                      <a:r>
+                        <a:rPr lang="en-US" sz="1500" b="1" cap="none" spc="0">
+                          <a:solidFill>
+                            <a:schemeClr val="tx1"/>
+                          </a:solidFill>
+                        </a:rPr>
+                        <a:t>Antipsychotic ↓ (%)</a:t>
+                      </a:r>
+                    </a:p>
+                  </a:txBody>
+                  <a:tcPr marL="0" marR="68104" marT="27241" marB="204311" anchor="ctr">
+                    <a:lnL w="12700" cmpd="sng">
+                      <a:noFill/>
+                    </a:lnL>
+                    <a:lnR w="12700" cmpd="sng">
+                      <a:noFill/>
+                    </a:lnR>
+                    <a:lnT w="28575" cap="flat" cmpd="sng" algn="ctr">
+                      <a:solidFill>
+                        <a:schemeClr val="tx1"/>
+                      </a:solidFill>
+                      <a:prstDash val="solid"/>
+                    </a:lnT>
+                    <a:lnB w="38100" cmpd="sng">
+                      <a:noFill/>
+                    </a:lnB>
+                    <a:noFill/>
+                  </a:tcPr>
+                </a:tc>
+                <a:extLst>
+                  <a:ext uri="{0D108BD9-81ED-4DB2-BD59-A6C34878D82A}">
+                    <a16:rowId xmlns:a16="http://schemas.microsoft.com/office/drawing/2014/main" val="4054203492"/>
+                  </a:ext>
+                </a:extLst>
+              </a:tr>
+              <a:tr h="608603">
+                <a:tc>
+                  <a:txBody>
+                    <a:bodyPr/>
+                    <a:lstStyle/>
+                    <a:p>
+                      <a:r>
+                        <a:rPr lang="en-US" sz="1500" cap="none" spc="0">
+                          <a:solidFill>
+                            <a:schemeClr val="tx1"/>
+                          </a:solidFill>
+                        </a:rPr>
+                        <a:t>Mayrhofer et al. (2016)</a:t>
+                      </a:r>
+                    </a:p>
+                  </a:txBody>
+                  <a:tcPr marL="0" marR="68104" marT="27241" marB="204311" anchor="ctr">
+                    <a:lnL w="12700" cmpd="sng">
+                      <a:noFill/>
+                      <a:prstDash val="solid"/>
+                    </a:lnL>
+                    <a:lnR w="12700" cmpd="sng">
+                      <a:noFill/>
+                      <a:prstDash val="solid"/>
+                    </a:lnR>
+                    <a:lnT w="38100" cmpd="sng">
+                      <a:noFill/>
+                    </a:lnT>
+                    <a:lnB w="6350" cap="flat" cmpd="sng" algn="ctr">
+                      <a:solidFill>
+                        <a:schemeClr val="tx1"/>
+                      </a:solidFill>
+                      <a:prstDash val="solid"/>
+                    </a:lnB>
+                    <a:noFill/>
+                  </a:tcPr>
+                </a:tc>
+                <a:tc>
+                  <a:txBody>
+                    <a:bodyPr/>
+                    <a:lstStyle/>
+                    <a:p>
+                      <a:pPr algn="ctr"/>
+                      <a:r>
+                        <a:rPr lang="en-US" sz="1500" cap="none" spc="0" dirty="0">
+                          <a:solidFill>
+                            <a:schemeClr val="tx1"/>
+                          </a:solidFill>
+                        </a:rPr>
+                        <a:t>30</a:t>
+                      </a:r>
+                    </a:p>
+                  </a:txBody>
+                  <a:tcPr marL="0" marR="68104" marT="27241" marB="204311" anchor="ctr">
+                    <a:lnL w="12700" cmpd="sng">
+                      <a:noFill/>
+                      <a:prstDash val="solid"/>
+                    </a:lnL>
+                    <a:lnR w="12700" cmpd="sng">
+                      <a:noFill/>
+                      <a:prstDash val="solid"/>
+                    </a:lnR>
+                    <a:lnT w="38100" cmpd="sng">
+                      <a:noFill/>
+                    </a:lnT>
+                    <a:lnB w="6350" cap="flat" cmpd="sng" algn="ctr">
+                      <a:solidFill>
+                        <a:schemeClr val="tx1"/>
+                      </a:solidFill>
+                      <a:prstDash val="solid"/>
+                    </a:lnB>
+                    <a:noFill/>
+                  </a:tcPr>
+                </a:tc>
+                <a:tc>
+                  <a:txBody>
+                    <a:bodyPr/>
+                    <a:lstStyle/>
+                    <a:p>
+                      <a:pPr algn="ctr"/>
+                      <a:r>
+                        <a:rPr lang="en-US" sz="1500" cap="none" spc="0" dirty="0">
+                          <a:solidFill>
+                            <a:schemeClr val="tx1"/>
+                          </a:solidFill>
+                        </a:rPr>
+                        <a:t>–</a:t>
+                      </a:r>
+                    </a:p>
+                  </a:txBody>
+                  <a:tcPr marL="0" marR="68104" marT="27241" marB="204311" anchor="ctr">
+                    <a:lnL w="12700" cmpd="sng">
+                      <a:noFill/>
+                      <a:prstDash val="solid"/>
+                    </a:lnL>
+                    <a:lnR w="12700" cmpd="sng">
+                      <a:noFill/>
+                      <a:prstDash val="solid"/>
+                    </a:lnR>
+                    <a:lnT w="38100" cmpd="sng">
+                      <a:noFill/>
+                    </a:lnT>
+                    <a:lnB w="6350" cap="flat" cmpd="sng" algn="ctr">
+                      <a:solidFill>
+                        <a:schemeClr val="tx1"/>
+                      </a:solidFill>
+                      <a:prstDash val="solid"/>
+                    </a:lnB>
+                    <a:noFill/>
+                  </a:tcPr>
+                </a:tc>
+                <a:extLst>
+                  <a:ext uri="{0D108BD9-81ED-4DB2-BD59-A6C34878D82A}">
+                    <a16:rowId xmlns:a16="http://schemas.microsoft.com/office/drawing/2014/main" val="2123161575"/>
+                  </a:ext>
+                </a:extLst>
+              </a:tr>
+              <a:tr h="608603">
+                <a:tc>
+                  <a:txBody>
+                    <a:bodyPr/>
+                    <a:lstStyle/>
+                    <a:p>
+                      <a:r>
+                        <a:rPr lang="en-US" sz="1500" cap="none" spc="0">
+                          <a:solidFill>
+                            <a:schemeClr val="tx1"/>
+                          </a:solidFill>
+                        </a:rPr>
+                        <a:t>Pivodic et al. (2022)</a:t>
+                      </a:r>
+                    </a:p>
+                  </a:txBody>
+                  <a:tcPr marL="0" marR="68104" marT="27241" marB="204311" anchor="ctr">
+                    <a:lnL w="12700" cmpd="sng">
+                      <a:noFill/>
+                      <a:prstDash val="solid"/>
+                    </a:lnL>
+                    <a:lnR w="12700" cmpd="sng">
+                      <a:noFill/>
+                      <a:prstDash val="solid"/>
+                    </a:lnR>
+                    <a:lnT w="6350" cap="flat" cmpd="sng" algn="ctr">
+                      <a:solidFill>
+                        <a:schemeClr val="tx1"/>
+                      </a:solidFill>
+                      <a:prstDash val="solid"/>
+                    </a:lnT>
+                    <a:lnB w="12700" cmpd="sng">
+                      <a:noFill/>
+                      <a:prstDash val="solid"/>
+                    </a:lnB>
+                    <a:solidFill>
+                      <a:schemeClr val="bg1">
+                        <a:lumMod val="95000"/>
+                      </a:schemeClr>
+                    </a:solidFill>
+                  </a:tcPr>
+                </a:tc>
+                <a:tc>
+                  <a:txBody>
+                    <a:bodyPr/>
+                    <a:lstStyle/>
+                    <a:p>
+                      <a:pPr algn="ctr"/>
+                      <a:r>
+                        <a:rPr lang="en-US" sz="1500" cap="none" spc="0">
+                          <a:solidFill>
+                            <a:schemeClr val="tx1"/>
+                          </a:solidFill>
+                        </a:rPr>
+                        <a:t>25</a:t>
+                      </a:r>
+                    </a:p>
+                  </a:txBody>
+                  <a:tcPr marL="0" marR="68104" marT="27241" marB="204311" anchor="ctr">
+                    <a:lnL w="12700" cmpd="sng">
+                      <a:noFill/>
+                      <a:prstDash val="solid"/>
+                    </a:lnL>
+                    <a:lnR w="12700" cmpd="sng">
+                      <a:noFill/>
+                      <a:prstDash val="solid"/>
+                    </a:lnR>
+                    <a:lnT w="6350" cap="flat" cmpd="sng" algn="ctr">
+                      <a:solidFill>
+                        <a:schemeClr val="tx1"/>
+                      </a:solidFill>
+                      <a:prstDash val="solid"/>
+                    </a:lnT>
+                    <a:lnB w="12700" cmpd="sng">
+                      <a:noFill/>
+                      <a:prstDash val="solid"/>
+                    </a:lnB>
+                    <a:solidFill>
+                      <a:schemeClr val="bg1">
+                        <a:lumMod val="95000"/>
+                      </a:schemeClr>
+                    </a:solidFill>
+                  </a:tcPr>
+                </a:tc>
+                <a:tc>
+                  <a:txBody>
+                    <a:bodyPr/>
+                    <a:lstStyle/>
+                    <a:p>
+                      <a:pPr algn="ctr"/>
+                      <a:r>
+                        <a:rPr lang="en-US" sz="1500" cap="none" spc="0" dirty="0">
+                          <a:solidFill>
+                            <a:schemeClr val="tx1"/>
+                          </a:solidFill>
+                        </a:rPr>
+                        <a:t>–</a:t>
+                      </a:r>
+                    </a:p>
+                  </a:txBody>
+                  <a:tcPr marL="0" marR="68104" marT="27241" marB="204311" anchor="ctr">
+                    <a:lnL w="12700" cmpd="sng">
+                      <a:noFill/>
+                      <a:prstDash val="solid"/>
+                    </a:lnL>
+                    <a:lnR w="12700" cmpd="sng">
+                      <a:noFill/>
+                      <a:prstDash val="solid"/>
+                    </a:lnR>
+                    <a:lnT w="6350" cap="flat" cmpd="sng" algn="ctr">
+                      <a:solidFill>
+                        <a:schemeClr val="tx1"/>
+                      </a:solidFill>
+                      <a:prstDash val="solid"/>
+                    </a:lnT>
+                    <a:lnB w="12700" cmpd="sng">
+                      <a:noFill/>
+                      <a:prstDash val="solid"/>
+                    </a:lnB>
+                    <a:solidFill>
+                      <a:schemeClr val="bg1">
+                        <a:lumMod val="95000"/>
+                      </a:schemeClr>
+                    </a:solidFill>
+                  </a:tcPr>
+                </a:tc>
+                <a:extLst>
+                  <a:ext uri="{0D108BD9-81ED-4DB2-BD59-A6C34878D82A}">
+                    <a16:rowId xmlns:a16="http://schemas.microsoft.com/office/drawing/2014/main" val="3420108600"/>
+                  </a:ext>
+                </a:extLst>
+              </a:tr>
+              <a:tr h="608603">
+                <a:tc>
+                  <a:txBody>
+                    <a:bodyPr/>
+                    <a:lstStyle/>
+                    <a:p>
+                      <a:r>
+                        <a:rPr lang="en-US" sz="1500" cap="none" spc="0">
+                          <a:solidFill>
+                            <a:schemeClr val="tx1"/>
+                          </a:solidFill>
+                        </a:rPr>
+                        <a:t>Surr et al. (2016)</a:t>
+                      </a:r>
+                    </a:p>
+                  </a:txBody>
+                  <a:tcPr marL="0" marR="68104" marT="27241" marB="204311" anchor="ctr">
+                    <a:lnL w="12700" cmpd="sng">
+                      <a:noFill/>
+                      <a:prstDash val="solid"/>
+                    </a:lnL>
+                    <a:lnR w="12700" cmpd="sng">
+                      <a:noFill/>
+                      <a:prstDash val="solid"/>
+                    </a:lnR>
+                    <a:lnT w="12700" cmpd="sng">
+                      <a:noFill/>
+                      <a:prstDash val="solid"/>
+                    </a:lnT>
+                    <a:lnB w="6350" cap="flat" cmpd="sng" algn="ctr">
+                      <a:solidFill>
+                        <a:schemeClr val="tx1"/>
+                      </a:solidFill>
+                      <a:prstDash val="solid"/>
+                    </a:lnB>
+                    <a:noFill/>
+                  </a:tcPr>
+                </a:tc>
+                <a:tc>
+                  <a:txBody>
+                    <a:bodyPr/>
+                    <a:lstStyle/>
+                    <a:p>
+                      <a:pPr algn="ctr"/>
+                      <a:r>
+                        <a:rPr lang="en-US" sz="1500" cap="none" spc="0">
+                          <a:solidFill>
+                            <a:schemeClr val="tx1"/>
+                          </a:solidFill>
+                        </a:rPr>
+                        <a:t>15</a:t>
+                      </a:r>
+                    </a:p>
+                  </a:txBody>
+                  <a:tcPr marL="0" marR="68104" marT="27241" marB="204311" anchor="ctr">
+                    <a:lnL w="12700" cmpd="sng">
+                      <a:noFill/>
+                      <a:prstDash val="solid"/>
+                    </a:lnL>
+                    <a:lnR w="12700" cmpd="sng">
+                      <a:noFill/>
+                      <a:prstDash val="solid"/>
+                    </a:lnR>
+                    <a:lnT w="12700" cmpd="sng">
+                      <a:noFill/>
+                      <a:prstDash val="solid"/>
+                    </a:lnT>
+                    <a:lnB w="6350" cap="flat" cmpd="sng" algn="ctr">
+                      <a:solidFill>
+                        <a:schemeClr val="tx1"/>
+                      </a:solidFill>
+                      <a:prstDash val="solid"/>
+                    </a:lnB>
+                    <a:noFill/>
+                  </a:tcPr>
+                </a:tc>
+                <a:tc>
+                  <a:txBody>
+                    <a:bodyPr/>
+                    <a:lstStyle/>
+                    <a:p>
+                      <a:pPr algn="ctr"/>
+                      <a:r>
+                        <a:rPr lang="en-US" sz="1500" cap="none" spc="0" dirty="0">
+                          <a:solidFill>
+                            <a:schemeClr val="tx1"/>
+                          </a:solidFill>
+                        </a:rPr>
+                        <a:t>–</a:t>
+                      </a:r>
+                    </a:p>
+                  </a:txBody>
+                  <a:tcPr marL="0" marR="68104" marT="27241" marB="204311" anchor="ctr">
+                    <a:lnL w="12700" cmpd="sng">
+                      <a:noFill/>
+                      <a:prstDash val="solid"/>
+                    </a:lnL>
+                    <a:lnR w="12700" cmpd="sng">
+                      <a:noFill/>
+                      <a:prstDash val="solid"/>
+                    </a:lnR>
+                    <a:lnT w="12700" cmpd="sng">
+                      <a:noFill/>
+                      <a:prstDash val="solid"/>
+                    </a:lnT>
+                    <a:lnB w="6350" cap="flat" cmpd="sng" algn="ctr">
+                      <a:solidFill>
+                        <a:schemeClr val="tx1"/>
+                      </a:solidFill>
+                      <a:prstDash val="solid"/>
+                    </a:lnB>
+                    <a:noFill/>
+                  </a:tcPr>
+                </a:tc>
+                <a:extLst>
+                  <a:ext uri="{0D108BD9-81ED-4DB2-BD59-A6C34878D82A}">
+                    <a16:rowId xmlns:a16="http://schemas.microsoft.com/office/drawing/2014/main" val="3665397915"/>
+                  </a:ext>
+                </a:extLst>
+              </a:tr>
+              <a:tr h="608603">
+                <a:tc>
+                  <a:txBody>
+                    <a:bodyPr/>
+                    <a:lstStyle/>
+                    <a:p>
+                      <a:r>
+                        <a:rPr lang="en-US" sz="1500" cap="none" spc="0" dirty="0">
+                          <a:solidFill>
+                            <a:schemeClr val="tx1"/>
+                          </a:solidFill>
+                        </a:rPr>
+                        <a:t>Carrier et al. (2023)</a:t>
+                      </a:r>
+                    </a:p>
+                  </a:txBody>
+                  <a:tcPr marL="0" marR="68104" marT="27241" marB="204311" anchor="ctr">
+                    <a:lnL w="12700" cmpd="sng">
+                      <a:noFill/>
+                      <a:prstDash val="solid"/>
+                    </a:lnL>
+                    <a:lnR w="12700" cmpd="sng">
+                      <a:noFill/>
+                      <a:prstDash val="solid"/>
+                    </a:lnR>
+                    <a:lnT w="6350" cap="flat" cmpd="sng" algn="ctr">
+                      <a:solidFill>
+                        <a:schemeClr val="tx1"/>
+                      </a:solidFill>
+                      <a:prstDash val="solid"/>
+                    </a:lnT>
+                    <a:lnB w="12700" cmpd="sng">
+                      <a:noFill/>
+                      <a:prstDash val="solid"/>
+                    </a:lnB>
+                    <a:solidFill>
+                      <a:schemeClr val="bg1">
+                        <a:lumMod val="95000"/>
+                      </a:schemeClr>
+                    </a:solidFill>
+                  </a:tcPr>
+                </a:tc>
+                <a:tc>
+                  <a:txBody>
+                    <a:bodyPr/>
+                    <a:lstStyle/>
+                    <a:p>
+                      <a:pPr algn="ctr"/>
+                      <a:r>
+                        <a:rPr lang="en-US" sz="1500" cap="none" spc="0">
+                          <a:solidFill>
+                            <a:schemeClr val="tx1"/>
+                          </a:solidFill>
+                        </a:rPr>
+                        <a:t>35</a:t>
+                      </a:r>
+                    </a:p>
+                  </a:txBody>
+                  <a:tcPr marL="0" marR="68104" marT="27241" marB="204311" anchor="ctr">
+                    <a:lnL w="12700" cmpd="sng">
+                      <a:noFill/>
+                      <a:prstDash val="solid"/>
+                    </a:lnL>
+                    <a:lnR w="12700" cmpd="sng">
+                      <a:noFill/>
+                      <a:prstDash val="solid"/>
+                    </a:lnR>
+                    <a:lnT w="6350" cap="flat" cmpd="sng" algn="ctr">
+                      <a:solidFill>
+                        <a:schemeClr val="tx1"/>
+                      </a:solidFill>
+                      <a:prstDash val="solid"/>
+                    </a:lnT>
+                    <a:lnB w="12700" cmpd="sng">
+                      <a:noFill/>
+                      <a:prstDash val="solid"/>
+                    </a:lnB>
+                    <a:solidFill>
+                      <a:schemeClr val="bg1">
+                        <a:lumMod val="95000"/>
+                      </a:schemeClr>
+                    </a:solidFill>
+                  </a:tcPr>
+                </a:tc>
+                <a:tc>
+                  <a:txBody>
+                    <a:bodyPr/>
+                    <a:lstStyle/>
+                    <a:p>
+                      <a:pPr algn="ctr"/>
+                      <a:r>
+                        <a:rPr lang="en-US" sz="1500" cap="none" spc="0" dirty="0">
+                          <a:solidFill>
+                            <a:schemeClr val="tx1"/>
+                          </a:solidFill>
+                        </a:rPr>
+                        <a:t>–</a:t>
+                      </a:r>
+                    </a:p>
+                  </a:txBody>
+                  <a:tcPr marL="0" marR="68104" marT="27241" marB="204311" anchor="ctr">
+                    <a:lnL w="12700" cmpd="sng">
+                      <a:noFill/>
+                      <a:prstDash val="solid"/>
+                    </a:lnL>
+                    <a:lnR w="12700" cmpd="sng">
+                      <a:noFill/>
+                      <a:prstDash val="solid"/>
+                    </a:lnR>
+                    <a:lnT w="6350" cap="flat" cmpd="sng" algn="ctr">
+                      <a:solidFill>
+                        <a:schemeClr val="tx1"/>
+                      </a:solidFill>
+                      <a:prstDash val="solid"/>
+                    </a:lnT>
+                    <a:lnB w="12700" cmpd="sng">
+                      <a:noFill/>
+                      <a:prstDash val="solid"/>
+                    </a:lnB>
+                    <a:solidFill>
+                      <a:schemeClr val="bg1">
+                        <a:lumMod val="95000"/>
+                      </a:schemeClr>
+                    </a:solidFill>
+                  </a:tcPr>
+                </a:tc>
+                <a:extLst>
+                  <a:ext uri="{0D108BD9-81ED-4DB2-BD59-A6C34878D82A}">
+                    <a16:rowId xmlns:a16="http://schemas.microsoft.com/office/drawing/2014/main" val="2722509260"/>
+                  </a:ext>
+                </a:extLst>
+              </a:tr>
+              <a:tr h="608603">
+                <a:tc>
+                  <a:txBody>
+                    <a:bodyPr/>
+                    <a:lstStyle/>
+                    <a:p>
+                      <a:r>
+                        <a:rPr lang="en-US" sz="1500" cap="none" spc="0">
+                          <a:solidFill>
+                            <a:schemeClr val="tx1"/>
+                          </a:solidFill>
+                        </a:rPr>
+                        <a:t>Faraday et al. (2025)</a:t>
+                      </a:r>
+                    </a:p>
+                  </a:txBody>
+                  <a:tcPr marL="0" marR="68104" marT="27241" marB="204311" anchor="ctr">
+                    <a:lnL w="12700" cmpd="sng">
+                      <a:noFill/>
+                      <a:prstDash val="solid"/>
+                    </a:lnL>
+                    <a:lnR w="12700" cmpd="sng">
+                      <a:noFill/>
+                      <a:prstDash val="solid"/>
+                    </a:lnR>
+                    <a:lnT w="12700" cmpd="sng">
+                      <a:noFill/>
+                      <a:prstDash val="solid"/>
+                    </a:lnT>
+                    <a:lnB w="6350" cap="flat" cmpd="sng" algn="ctr">
+                      <a:solidFill>
+                        <a:schemeClr val="tx1"/>
+                      </a:solidFill>
+                      <a:prstDash val="solid"/>
+                    </a:lnB>
+                    <a:noFill/>
+                  </a:tcPr>
+                </a:tc>
+                <a:tc>
+                  <a:txBody>
+                    <a:bodyPr/>
+                    <a:lstStyle/>
+                    <a:p>
+                      <a:pPr algn="ctr"/>
+                      <a:r>
+                        <a:rPr lang="en-US" sz="1500" cap="none" spc="0">
+                          <a:solidFill>
+                            <a:schemeClr val="tx1"/>
+                          </a:solidFill>
+                        </a:rPr>
+                        <a:t>20</a:t>
+                      </a:r>
+                    </a:p>
+                  </a:txBody>
+                  <a:tcPr marL="0" marR="68104" marT="27241" marB="204311" anchor="ctr">
+                    <a:lnL w="12700" cmpd="sng">
+                      <a:noFill/>
+                      <a:prstDash val="solid"/>
+                    </a:lnL>
+                    <a:lnR w="12700" cmpd="sng">
+                      <a:noFill/>
+                      <a:prstDash val="solid"/>
+                    </a:lnR>
+                    <a:lnT w="12700" cmpd="sng">
+                      <a:noFill/>
+                      <a:prstDash val="solid"/>
+                    </a:lnT>
+                    <a:lnB w="6350" cap="flat" cmpd="sng" algn="ctr">
+                      <a:solidFill>
+                        <a:schemeClr val="tx1"/>
+                      </a:solidFill>
+                      <a:prstDash val="solid"/>
+                    </a:lnB>
+                    <a:noFill/>
+                  </a:tcPr>
+                </a:tc>
+                <a:tc>
+                  <a:txBody>
+                    <a:bodyPr/>
+                    <a:lstStyle/>
+                    <a:p>
+                      <a:pPr algn="ctr"/>
+                      <a:r>
+                        <a:rPr lang="en-US" sz="1500" cap="none" spc="0" dirty="0">
+                          <a:solidFill>
+                            <a:schemeClr val="tx1"/>
+                          </a:solidFill>
+                        </a:rPr>
+                        <a:t>–</a:t>
+                      </a:r>
+                    </a:p>
+                  </a:txBody>
+                  <a:tcPr marL="0" marR="68104" marT="27241" marB="204311" anchor="ctr">
+                    <a:lnL w="12700" cmpd="sng">
+                      <a:noFill/>
+                      <a:prstDash val="solid"/>
+                    </a:lnL>
+                    <a:lnR w="12700" cmpd="sng">
+                      <a:noFill/>
+                      <a:prstDash val="solid"/>
+                    </a:lnR>
+                    <a:lnT w="12700" cmpd="sng">
+                      <a:noFill/>
+                      <a:prstDash val="solid"/>
+                    </a:lnT>
+                    <a:lnB w="6350" cap="flat" cmpd="sng" algn="ctr">
+                      <a:solidFill>
+                        <a:schemeClr val="tx1"/>
+                      </a:solidFill>
+                      <a:prstDash val="solid"/>
+                    </a:lnB>
+                    <a:noFill/>
+                  </a:tcPr>
+                </a:tc>
+                <a:extLst>
+                  <a:ext uri="{0D108BD9-81ED-4DB2-BD59-A6C34878D82A}">
+                    <a16:rowId xmlns:a16="http://schemas.microsoft.com/office/drawing/2014/main" val="1751467262"/>
+                  </a:ext>
+                </a:extLst>
+              </a:tr>
+              <a:tr h="608603">
+                <a:tc>
+                  <a:txBody>
+                    <a:bodyPr/>
+                    <a:lstStyle/>
+                    <a:p>
+                      <a:r>
+                        <a:rPr lang="en-US" sz="1500" cap="none" spc="0">
+                          <a:solidFill>
+                            <a:schemeClr val="tx1"/>
+                          </a:solidFill>
+                        </a:rPr>
+                        <a:t>Brazil et al. (2024)</a:t>
+                      </a:r>
+                    </a:p>
+                  </a:txBody>
+                  <a:tcPr marL="0" marR="68104" marT="27241" marB="204311" anchor="ctr">
+                    <a:lnL w="12700" cmpd="sng">
+                      <a:noFill/>
+                      <a:prstDash val="solid"/>
+                    </a:lnL>
+                    <a:lnR w="12700" cmpd="sng">
+                      <a:noFill/>
+                      <a:prstDash val="solid"/>
+                    </a:lnR>
+                    <a:lnT w="6350" cap="flat" cmpd="sng" algn="ctr">
+                      <a:solidFill>
+                        <a:schemeClr val="tx1"/>
+                      </a:solidFill>
+                      <a:prstDash val="solid"/>
+                    </a:lnT>
+                    <a:lnB w="12700" cmpd="sng">
+                      <a:noFill/>
+                      <a:prstDash val="solid"/>
+                    </a:lnB>
+                    <a:solidFill>
+                      <a:schemeClr val="bg1">
+                        <a:lumMod val="95000"/>
+                      </a:schemeClr>
+                    </a:solidFill>
+                  </a:tcPr>
+                </a:tc>
+                <a:tc>
+                  <a:txBody>
+                    <a:bodyPr/>
+                    <a:lstStyle/>
+                    <a:p>
+                      <a:pPr algn="ctr"/>
+                      <a:r>
+                        <a:rPr lang="en-US" sz="1500" cap="none" spc="0">
+                          <a:solidFill>
+                            <a:schemeClr val="tx1"/>
+                          </a:solidFill>
+                        </a:rPr>
+                        <a:t>28</a:t>
+                      </a:r>
+                    </a:p>
+                  </a:txBody>
+                  <a:tcPr marL="0" marR="68104" marT="27241" marB="204311" anchor="ctr">
+                    <a:lnL w="12700" cmpd="sng">
+                      <a:noFill/>
+                      <a:prstDash val="solid"/>
+                    </a:lnL>
+                    <a:lnR w="12700" cmpd="sng">
+                      <a:noFill/>
+                      <a:prstDash val="solid"/>
+                    </a:lnR>
+                    <a:lnT w="6350" cap="flat" cmpd="sng" algn="ctr">
+                      <a:solidFill>
+                        <a:schemeClr val="tx1"/>
+                      </a:solidFill>
+                      <a:prstDash val="solid"/>
+                    </a:lnT>
+                    <a:lnB w="12700" cmpd="sng">
+                      <a:noFill/>
+                      <a:prstDash val="solid"/>
+                    </a:lnB>
+                    <a:solidFill>
+                      <a:schemeClr val="bg1">
+                        <a:lumMod val="95000"/>
+                      </a:schemeClr>
+                    </a:solidFill>
+                  </a:tcPr>
+                </a:tc>
+                <a:tc>
+                  <a:txBody>
+                    <a:bodyPr/>
+                    <a:lstStyle/>
+                    <a:p>
+                      <a:pPr algn="ctr"/>
+                      <a:r>
+                        <a:rPr lang="en-US" sz="1500" cap="none" spc="0" dirty="0">
+                          <a:solidFill>
+                            <a:schemeClr val="tx1"/>
+                          </a:solidFill>
+                        </a:rPr>
+                        <a:t>–</a:t>
+                      </a:r>
+                    </a:p>
+                  </a:txBody>
+                  <a:tcPr marL="0" marR="68104" marT="27241" marB="204311" anchor="ctr">
+                    <a:lnL w="12700" cmpd="sng">
+                      <a:noFill/>
+                      <a:prstDash val="solid"/>
+                    </a:lnL>
+                    <a:lnR w="12700" cmpd="sng">
+                      <a:noFill/>
+                      <a:prstDash val="solid"/>
+                    </a:lnR>
+                    <a:lnT w="6350" cap="flat" cmpd="sng" algn="ctr">
+                      <a:solidFill>
+                        <a:schemeClr val="tx1"/>
+                      </a:solidFill>
+                      <a:prstDash val="solid"/>
+                    </a:lnT>
+                    <a:lnB w="12700" cmpd="sng">
+                      <a:noFill/>
+                      <a:prstDash val="solid"/>
+                    </a:lnB>
+                    <a:solidFill>
+                      <a:schemeClr val="bg1">
+                        <a:lumMod val="95000"/>
+                      </a:schemeClr>
+                    </a:solidFill>
+                  </a:tcPr>
+                </a:tc>
+                <a:extLst>
+                  <a:ext uri="{0D108BD9-81ED-4DB2-BD59-A6C34878D82A}">
+                    <a16:rowId xmlns:a16="http://schemas.microsoft.com/office/drawing/2014/main" val="2346434021"/>
+                  </a:ext>
+                </a:extLst>
+              </a:tr>
+              <a:tr h="608603">
+                <a:tc>
+                  <a:txBody>
+                    <a:bodyPr/>
+                    <a:lstStyle/>
+                    <a:p>
+                      <a:r>
+                        <a:rPr lang="en-US" sz="1500" cap="none" spc="0">
+                          <a:solidFill>
+                            <a:schemeClr val="tx1"/>
+                          </a:solidFill>
+                        </a:rPr>
+                        <a:t>Brooker et al. (2016)</a:t>
+                      </a:r>
+                    </a:p>
+                  </a:txBody>
+                  <a:tcPr marL="0" marR="68104" marT="27241" marB="204311" anchor="ctr">
+                    <a:lnL w="12700" cmpd="sng">
+                      <a:noFill/>
+                      <a:prstDash val="solid"/>
+                    </a:lnL>
+                    <a:lnR w="12700" cmpd="sng">
+                      <a:noFill/>
+                      <a:prstDash val="solid"/>
+                    </a:lnR>
+                    <a:lnT w="12700" cmpd="sng">
+                      <a:noFill/>
+                      <a:prstDash val="solid"/>
+                    </a:lnT>
+                    <a:lnB w="12700" cmpd="sng">
+                      <a:noFill/>
+                      <a:prstDash val="solid"/>
+                    </a:lnB>
+                    <a:noFill/>
+                  </a:tcPr>
+                </a:tc>
+                <a:tc>
+                  <a:txBody>
+                    <a:bodyPr/>
+                    <a:lstStyle/>
+                    <a:p>
+                      <a:pPr algn="ctr"/>
+                      <a:r>
+                        <a:rPr lang="en-US" sz="1500" cap="none" spc="0">
+                          <a:solidFill>
+                            <a:schemeClr val="tx1"/>
+                          </a:solidFill>
+                        </a:rPr>
+                        <a:t>–</a:t>
+                      </a:r>
+                    </a:p>
+                  </a:txBody>
+                  <a:tcPr marL="0" marR="68104" marT="27241" marB="204311" anchor="ctr">
+                    <a:lnL w="12700" cmpd="sng">
+                      <a:noFill/>
+                      <a:prstDash val="solid"/>
+                    </a:lnL>
+                    <a:lnR w="12700" cmpd="sng">
+                      <a:noFill/>
+                      <a:prstDash val="solid"/>
+                    </a:lnR>
+                    <a:lnT w="12700" cmpd="sng">
+                      <a:noFill/>
+                      <a:prstDash val="solid"/>
+                    </a:lnT>
+                    <a:lnB w="12700" cmpd="sng">
+                      <a:noFill/>
+                      <a:prstDash val="solid"/>
+                    </a:lnB>
+                    <a:noFill/>
+                  </a:tcPr>
+                </a:tc>
+                <a:tc>
+                  <a:txBody>
+                    <a:bodyPr/>
+                    <a:lstStyle/>
+                    <a:p>
+                      <a:pPr algn="ctr"/>
+                      <a:r>
+                        <a:rPr lang="en-US" sz="1500" cap="none" spc="0" dirty="0">
+                          <a:solidFill>
+                            <a:schemeClr val="tx1"/>
+                          </a:solidFill>
+                        </a:rPr>
+                        <a:t>40</a:t>
+                      </a:r>
+                    </a:p>
+                  </a:txBody>
+                  <a:tcPr marL="0" marR="68104" marT="27241" marB="204311" anchor="ctr">
+                    <a:lnL w="12700" cmpd="sng">
+                      <a:noFill/>
+                      <a:prstDash val="solid"/>
+                    </a:lnL>
+                    <a:lnR w="12700" cmpd="sng">
+                      <a:noFill/>
+                      <a:prstDash val="solid"/>
+                    </a:lnR>
+                    <a:lnT w="12700" cmpd="sng">
+                      <a:noFill/>
+                      <a:prstDash val="solid"/>
+                    </a:lnT>
+                    <a:lnB w="12700" cmpd="sng">
+                      <a:noFill/>
+                      <a:prstDash val="solid"/>
+                    </a:lnB>
+                    <a:noFill/>
+                  </a:tcPr>
+                </a:tc>
+                <a:extLst>
+                  <a:ext uri="{0D108BD9-81ED-4DB2-BD59-A6C34878D82A}">
+                    <a16:rowId xmlns:a16="http://schemas.microsoft.com/office/drawing/2014/main" val="3439236789"/>
+                  </a:ext>
+                </a:extLst>
+              </a:tr>
+            </a:tbl>
+          </a:graphicData>
+        </a:graphic>
+      </p:graphicFrame>
+    </p:spTree>
+    <p:extLst>
+      <p:ext uri="{BB962C8B-B14F-4D97-AF65-F5344CB8AC3E}">
+        <p14:creationId xmlns:p14="http://schemas.microsoft.com/office/powerpoint/2010/main" val="1608203298"/>
+      </p:ext>
+    </p:extLst>
+  </p:cSld>
+  <p:clrMapOvr>
+    <a:masterClrMapping/>
+  </p:clrMapOvr>
+</p:sld>
+</file>
+
+<file path=ppt/slides/slide4.xml><?xml version="1.0" encoding="utf-8"?>
+<p:sld xmlns:a="http://schemas.openxmlformats.org/drawingml/2006/main" xmlns:r="http://schemas.openxmlformats.org/officeDocument/2006/relationships" xmlns:p="http://schemas.openxmlformats.org/presentationml/2006/main">
+  <p:cSld>
+    <p:spTree>
+      <p:nvGrpSpPr>
+        <p:cNvPr id="1" name=""/>
+        <p:cNvGrpSpPr/>
+        <p:nvPr/>
+      </p:nvGrpSpPr>
+      <p:grpSpPr>
+        <a:xfrm>
+          <a:off x="0" y="0"/>
+          <a:ext cx="0" cy="0"/>
+          <a:chOff x="0" y="0"/>
+          <a:chExt cx="0" cy="0"/>
+        </a:xfrm>
+      </p:grpSpPr>
+      <p:sp>
+        <p:nvSpPr>
+          <p:cNvPr id="2" name="TextBox 1">
+            <a:extLst>
+              <a:ext uri="{FF2B5EF4-FFF2-40B4-BE49-F238E27FC236}">
+                <a16:creationId xmlns:a16="http://schemas.microsoft.com/office/drawing/2014/main" id="{99ADD3E4-494D-0595-87F9-637B0FE4AA7C}"/>
+              </a:ext>
+            </a:extLst>
+          </p:cNvPr>
+          <p:cNvSpPr txBox="1"/>
+          <p:nvPr/>
+        </p:nvSpPr>
+        <p:spPr>
+          <a:xfrm>
+            <a:off x="476654" y="397650"/>
+            <a:ext cx="8567758" cy="1200361"/>
+          </a:xfrm>
+          <a:prstGeom prst="rect">
+            <a:avLst/>
+          </a:prstGeom>
+        </p:spPr>
+        <p:txBody>
+          <a:bodyPr vert="horz" lIns="91440" tIns="45720" rIns="91440" bIns="45720" rtlCol="0" anchor="b">
+            <a:normAutofit/>
+          </a:bodyPr>
+          <a:lstStyle/>
+          <a:p>
+            <a:pPr>
+              <a:lnSpc>
+                <a:spcPct val="90000"/>
+              </a:lnSpc>
+              <a:spcBef>
+                <a:spcPct val="0"/>
+              </a:spcBef>
+              <a:spcAft>
+                <a:spcPts val="600"/>
+              </a:spcAft>
+            </a:pPr>
+            <a:r>
+              <a:rPr lang="en-US" sz="3200" b="1" dirty="0"/>
+              <a:t>Change in Dementia Care Confidence Scores Pre and Post-Training</a:t>
+            </a:r>
+            <a:endParaRPr lang="en-US" sz="3200" b="1" kern="1200" dirty="0">
+              <a:solidFill>
+                <a:schemeClr val="tx1"/>
+              </a:solidFill>
+              <a:latin typeface="+mj-lt"/>
+              <a:ea typeface="+mj-ea"/>
+              <a:cs typeface="+mj-cs"/>
+            </a:endParaRPr>
+          </a:p>
+        </p:txBody>
+      </p:sp>
+      <p:sp>
+        <p:nvSpPr>
+          <p:cNvPr id="3" name="Rectangle 2">
+            <a:extLst>
+              <a:ext uri="{FF2B5EF4-FFF2-40B4-BE49-F238E27FC236}">
+                <a16:creationId xmlns:a16="http://schemas.microsoft.com/office/drawing/2014/main" id="{9E5BA15D-4461-F12A-4037-18E3E91271B2}"/>
+              </a:ext>
+            </a:extLst>
+          </p:cNvPr>
+          <p:cNvSpPr/>
+          <p:nvPr/>
+        </p:nvSpPr>
+        <p:spPr>
+          <a:xfrm>
+            <a:off x="576243" y="1571247"/>
+            <a:ext cx="1224481" cy="112301"/>
+          </a:xfrm>
+          <a:prstGeom prst="rect">
+            <a:avLst/>
+          </a:prstGeom>
+          <a:ln>
+            <a:noFill/>
+          </a:ln>
+        </p:spPr>
+        <p:style>
+          <a:lnRef idx="2">
+            <a:schemeClr val="accent2">
+              <a:shade val="15000"/>
+            </a:schemeClr>
+          </a:lnRef>
+          <a:fillRef idx="1">
+            <a:schemeClr val="accent2"/>
+          </a:fillRef>
+          <a:effectRef idx="0">
+            <a:schemeClr val="accent2"/>
+          </a:effectRef>
+          <a:fontRef idx="minor">
+            <a:schemeClr val="lt1"/>
+          </a:fontRef>
+        </p:style>
+        <p:txBody>
+          <a:bodyPr rtlCol="0" anchor="ctr"/>
+          <a:lstStyle/>
+          <a:p>
+            <a:pPr algn="ctr"/>
+            <a:endParaRPr lang="en-US"/>
+          </a:p>
+        </p:txBody>
+      </p:sp>
+      <p:sp>
+        <p:nvSpPr>
+          <p:cNvPr id="4" name="Rectangle 1">
+            <a:extLst>
+              <a:ext uri="{FF2B5EF4-FFF2-40B4-BE49-F238E27FC236}">
+                <a16:creationId xmlns:a16="http://schemas.microsoft.com/office/drawing/2014/main" id="{32B461D5-D0E2-CCD1-C6A0-C839E8CFC188}"/>
+              </a:ext>
+            </a:extLst>
+          </p:cNvPr>
+          <p:cNvSpPr>
+            <a:spLocks noChangeArrowheads="1"/>
+          </p:cNvSpPr>
+          <p:nvPr/>
+        </p:nvSpPr>
+        <p:spPr bwMode="auto">
+          <a:xfrm>
+            <a:off x="5730844" y="2001990"/>
+            <a:ext cx="5983470" cy="3908762"/>
+          </a:xfrm>
+          <a:prstGeom prst="rect">
+            <a:avLst/>
+          </a:prstGeom>
+          <a:noFill/>
+          <a:ln>
+            <a:noFill/>
+          </a:ln>
+          <a:effectLst/>
+          <a:extLst>
+            <a:ext uri="{909E8E84-426E-40DD-AFC4-6F175D3DCCD1}">
+              <a14:hiddenFill xmlns:a14="http://schemas.microsoft.com/office/drawing/2010/main">
+                <a:solidFill>
+                  <a:schemeClr val="accent1"/>
+                </a:solidFill>
+              </a14:hiddenFill>
+            </a:ext>
+            <a:ext uri="{91240B29-F687-4F45-9708-019B960494DF}">
+              <a14:hiddenLine xmlns:a14="http://schemas.microsoft.com/office/drawing/2010/main" w="9525">
+                <a:solidFill>
+                  <a:schemeClr val="tx1"/>
+                </a:solidFill>
+                <a:miter lim="800000"/>
+                <a:headEnd/>
+                <a:tailEnd/>
+              </a14:hiddenLine>
+            </a:ext>
+            <a:ext uri="{AF507438-7753-43E0-B8FC-AC1667EBCBE1}">
+              <a14:hiddenEffects xmlns:a14="http://schemas.microsoft.com/office/drawing/2010/main">
+                <a:effectLst>
+                  <a:outerShdw dist="35921" dir="2700000" algn="ctr" rotWithShape="0">
+                    <a:schemeClr val="bg2"/>
+                  </a:outerShdw>
+                </a:effectLst>
+              </a14:hiddenEffects>
+            </a:ext>
+          </a:extLst>
+        </p:spPr>
+        <p:txBody>
+          <a:bodyPr vert="horz" wrap="square" lIns="91440" tIns="45720" rIns="91440" bIns="45720" numCol="1" anchor="ctr" anchorCtr="0" compatLnSpc="1">
+            <a:prstTxWarp prst="textNoShape">
+              <a:avLst/>
+            </a:prstTxWarp>
+            <a:spAutoFit/>
+          </a:bodyPr>
+          <a:lstStyle/>
+          <a:p>
+            <a:pPr marL="342900" marR="0" lvl="0" indent="-342900" algn="just" defTabSz="914400" rtl="0" eaLnBrk="0" fontAlgn="base" latinLnBrk="0" hangingPunct="0">
+              <a:lnSpc>
+                <a:spcPct val="100000"/>
+              </a:lnSpc>
+              <a:spcBef>
+                <a:spcPct val="0"/>
+              </a:spcBef>
+              <a:spcAft>
+                <a:spcPct val="0"/>
+              </a:spcAft>
+              <a:buClrTx/>
+              <a:buSzTx/>
+              <a:buFont typeface="Arial" panose="020B0604020202020204" pitchFamily="34" charset="0"/>
+              <a:buChar char="•"/>
+              <a:tabLst/>
+            </a:pPr>
+            <a:r>
+              <a:rPr kumimoji="0" lang="en-US" altLang="en-US" sz="2000" b="0" i="0" u="none" strike="noStrike" cap="none" normalizeH="0" baseline="0" dirty="0">
+                <a:ln>
+                  <a:noFill/>
+                </a:ln>
+                <a:solidFill>
+                  <a:schemeClr val="tx1"/>
+                </a:solidFill>
+                <a:effectLst/>
+              </a:rPr>
+              <a:t>Mean Dementia Care Confidence Scale score rose from </a:t>
+            </a:r>
+            <a:r>
+              <a:rPr kumimoji="0" lang="en-US" altLang="en-US" sz="2000" b="1" i="0" u="none" strike="noStrike" cap="none" normalizeH="0" baseline="0" dirty="0">
+                <a:ln>
+                  <a:noFill/>
+                </a:ln>
+                <a:solidFill>
+                  <a:schemeClr val="tx1"/>
+                </a:solidFill>
+                <a:effectLst/>
+              </a:rPr>
+              <a:t>55</a:t>
+            </a:r>
+            <a:r>
+              <a:rPr kumimoji="0" lang="en-US" altLang="en-US" sz="2000" b="0" i="0" u="none" strike="noStrike" cap="none" normalizeH="0" baseline="0" dirty="0">
+                <a:ln>
+                  <a:noFill/>
+                </a:ln>
+                <a:solidFill>
+                  <a:schemeClr val="tx1"/>
+                </a:solidFill>
+                <a:effectLst/>
+              </a:rPr>
+              <a:t> to </a:t>
+            </a:r>
+            <a:r>
+              <a:rPr kumimoji="0" lang="en-US" altLang="en-US" sz="2000" b="1" i="0" u="none" strike="noStrike" cap="none" normalizeH="0" baseline="0" dirty="0">
+                <a:ln>
+                  <a:noFill/>
+                </a:ln>
+                <a:solidFill>
+                  <a:schemeClr val="tx1"/>
+                </a:solidFill>
+                <a:effectLst/>
+              </a:rPr>
+              <a:t>75</a:t>
+            </a:r>
+            <a:r>
+              <a:rPr kumimoji="0" lang="en-US" altLang="en-US" sz="2000" b="0" i="0" u="none" strike="noStrike" cap="none" normalizeH="0" baseline="0" dirty="0">
+                <a:ln>
+                  <a:noFill/>
+                </a:ln>
+                <a:solidFill>
+                  <a:schemeClr val="tx1"/>
+                </a:solidFill>
+                <a:effectLst/>
+              </a:rPr>
+              <a:t> post-training.</a:t>
+            </a:r>
+          </a:p>
+          <a:p>
+            <a:pPr marL="342900" marR="0" lvl="0" indent="-342900" algn="just" defTabSz="914400" rtl="0" eaLnBrk="0" fontAlgn="base" latinLnBrk="0" hangingPunct="0">
+              <a:lnSpc>
+                <a:spcPct val="100000"/>
+              </a:lnSpc>
+              <a:spcBef>
+                <a:spcPct val="0"/>
+              </a:spcBef>
+              <a:spcAft>
+                <a:spcPct val="0"/>
+              </a:spcAft>
+              <a:buClrTx/>
+              <a:buSzTx/>
+              <a:buFont typeface="Arial" panose="020B0604020202020204" pitchFamily="34" charset="0"/>
+              <a:buChar char="•"/>
+              <a:tabLst/>
+            </a:pPr>
+            <a:endParaRPr kumimoji="0" lang="en-US" altLang="en-US" sz="3200" b="0" i="0" u="none" strike="noStrike" cap="none" normalizeH="0" baseline="0" dirty="0">
+              <a:ln>
+                <a:noFill/>
+              </a:ln>
+              <a:solidFill>
+                <a:schemeClr val="tx1"/>
+              </a:solidFill>
+              <a:effectLst/>
+            </a:endParaRPr>
+          </a:p>
+          <a:p>
+            <a:pPr marL="342900" marR="0" lvl="0" indent="-342900" algn="just" defTabSz="914400" rtl="0" eaLnBrk="0" fontAlgn="base" latinLnBrk="0" hangingPunct="0">
+              <a:lnSpc>
+                <a:spcPct val="100000"/>
+              </a:lnSpc>
+              <a:spcBef>
+                <a:spcPct val="0"/>
+              </a:spcBef>
+              <a:spcAft>
+                <a:spcPct val="0"/>
+              </a:spcAft>
+              <a:buClrTx/>
+              <a:buSzTx/>
+              <a:buFont typeface="Arial" panose="020B0604020202020204" pitchFamily="34" charset="0"/>
+              <a:buChar char="•"/>
+              <a:tabLst/>
+            </a:pPr>
+            <a:r>
+              <a:rPr kumimoji="0" lang="en-US" altLang="en-US" sz="2000" b="0" i="0" u="none" strike="noStrike" cap="none" normalizeH="0" baseline="0" dirty="0">
+                <a:ln>
+                  <a:noFill/>
+                </a:ln>
+                <a:solidFill>
+                  <a:schemeClr val="tx1"/>
+                </a:solidFill>
+                <a:effectLst/>
+              </a:rPr>
+              <a:t>Confidence gains reflect moderate to large self-efficacy improvements.</a:t>
+            </a:r>
+          </a:p>
+          <a:p>
+            <a:pPr marL="342900" marR="0" lvl="0" indent="-342900" algn="just" defTabSz="914400" rtl="0" eaLnBrk="0" fontAlgn="base" latinLnBrk="0" hangingPunct="0">
+              <a:lnSpc>
+                <a:spcPct val="100000"/>
+              </a:lnSpc>
+              <a:spcBef>
+                <a:spcPct val="0"/>
+              </a:spcBef>
+              <a:spcAft>
+                <a:spcPct val="0"/>
+              </a:spcAft>
+              <a:buClrTx/>
+              <a:buSzTx/>
+              <a:buFont typeface="Arial" panose="020B0604020202020204" pitchFamily="34" charset="0"/>
+              <a:buChar char="•"/>
+              <a:tabLst/>
+            </a:pPr>
+            <a:endParaRPr kumimoji="0" lang="en-US" altLang="en-US" sz="3600" b="0" i="0" u="none" strike="noStrike" cap="none" normalizeH="0" baseline="0" dirty="0">
+              <a:ln>
+                <a:noFill/>
+              </a:ln>
+              <a:solidFill>
+                <a:schemeClr val="tx1"/>
+              </a:solidFill>
+              <a:effectLst/>
+            </a:endParaRPr>
+          </a:p>
+          <a:p>
+            <a:pPr marL="342900" marR="0" lvl="0" indent="-342900" algn="just" defTabSz="914400" rtl="0" eaLnBrk="0" fontAlgn="base" latinLnBrk="0" hangingPunct="0">
+              <a:lnSpc>
+                <a:spcPct val="100000"/>
+              </a:lnSpc>
+              <a:spcBef>
+                <a:spcPct val="0"/>
+              </a:spcBef>
+              <a:spcAft>
+                <a:spcPct val="0"/>
+              </a:spcAft>
+              <a:buClrTx/>
+              <a:buSzTx/>
+              <a:buFont typeface="Arial" panose="020B0604020202020204" pitchFamily="34" charset="0"/>
+              <a:buChar char="•"/>
+              <a:tabLst/>
+            </a:pPr>
+            <a:r>
+              <a:rPr kumimoji="0" lang="en-US" altLang="en-US" sz="2000" b="0" i="0" u="none" strike="noStrike" cap="none" normalizeH="0" baseline="0" dirty="0">
+                <a:ln>
+                  <a:noFill/>
+                </a:ln>
+                <a:solidFill>
+                  <a:schemeClr val="tx1"/>
+                </a:solidFill>
+                <a:effectLst/>
+              </a:rPr>
+              <a:t>Durability confirmed at </a:t>
+            </a:r>
+            <a:r>
+              <a:rPr kumimoji="0" lang="en-US" altLang="en-US" sz="2000" b="1" i="0" u="none" strike="noStrike" cap="none" normalizeH="0" baseline="0" dirty="0">
+                <a:ln>
+                  <a:noFill/>
+                </a:ln>
+                <a:solidFill>
+                  <a:schemeClr val="tx1"/>
+                </a:solidFill>
+                <a:effectLst/>
+              </a:rPr>
+              <a:t>1</a:t>
+            </a:r>
+            <a:r>
+              <a:rPr kumimoji="0" lang="en-US" altLang="en-US" sz="2000" b="0" i="0" u="none" strike="noStrike" cap="none" normalizeH="0" baseline="0" dirty="0">
+                <a:ln>
+                  <a:noFill/>
+                </a:ln>
+                <a:solidFill>
+                  <a:schemeClr val="tx1"/>
+                </a:solidFill>
+                <a:effectLst/>
+              </a:rPr>
+              <a:t> to </a:t>
+            </a:r>
+            <a:r>
+              <a:rPr kumimoji="0" lang="en-US" altLang="en-US" sz="2000" b="1" i="0" u="none" strike="noStrike" cap="none" normalizeH="0" baseline="0" dirty="0">
+                <a:ln>
+                  <a:noFill/>
+                </a:ln>
+                <a:solidFill>
+                  <a:schemeClr val="tx1"/>
+                </a:solidFill>
+                <a:effectLst/>
+              </a:rPr>
+              <a:t>6</a:t>
+            </a:r>
+            <a:r>
+              <a:rPr lang="en-US" altLang="en-US" sz="2000" dirty="0"/>
+              <a:t> </a:t>
+            </a:r>
+            <a:r>
+              <a:rPr kumimoji="0" lang="en-US" altLang="en-US" sz="2000" b="0" i="0" u="none" strike="noStrike" cap="none" normalizeH="0" baseline="0" dirty="0">
+                <a:ln>
+                  <a:noFill/>
+                </a:ln>
+                <a:solidFill>
+                  <a:schemeClr val="tx1"/>
+                </a:solidFill>
+                <a:effectLst/>
+              </a:rPr>
+              <a:t>months follow-up.</a:t>
+            </a:r>
+          </a:p>
+          <a:p>
+            <a:pPr marL="342900" marR="0" lvl="0" indent="-342900" algn="just" defTabSz="914400" rtl="0" eaLnBrk="0" fontAlgn="base" latinLnBrk="0" hangingPunct="0">
+              <a:lnSpc>
+                <a:spcPct val="100000"/>
+              </a:lnSpc>
+              <a:spcBef>
+                <a:spcPct val="0"/>
+              </a:spcBef>
+              <a:spcAft>
+                <a:spcPct val="0"/>
+              </a:spcAft>
+              <a:buClrTx/>
+              <a:buSzTx/>
+              <a:buFont typeface="Arial" panose="020B0604020202020204" pitchFamily="34" charset="0"/>
+              <a:buChar char="•"/>
+              <a:tabLst/>
+            </a:pPr>
+            <a:endParaRPr kumimoji="0" lang="en-US" altLang="en-US" sz="4000" b="0" i="0" u="none" strike="noStrike" cap="none" normalizeH="0" baseline="0" dirty="0">
+              <a:ln>
+                <a:noFill/>
+              </a:ln>
+              <a:solidFill>
+                <a:schemeClr val="tx1"/>
+              </a:solidFill>
+              <a:effectLst/>
+            </a:endParaRPr>
+          </a:p>
+          <a:p>
+            <a:pPr marL="342900" marR="0" lvl="0" indent="-342900" algn="just" defTabSz="914400" rtl="0" eaLnBrk="0" fontAlgn="base" latinLnBrk="0" hangingPunct="0">
+              <a:lnSpc>
+                <a:spcPct val="100000"/>
+              </a:lnSpc>
+              <a:spcBef>
+                <a:spcPct val="0"/>
+              </a:spcBef>
+              <a:spcAft>
+                <a:spcPct val="0"/>
+              </a:spcAft>
+              <a:buClrTx/>
+              <a:buSzTx/>
+              <a:buFont typeface="Arial" panose="020B0604020202020204" pitchFamily="34" charset="0"/>
+              <a:buChar char="•"/>
+              <a:tabLst/>
+            </a:pPr>
+            <a:r>
+              <a:rPr kumimoji="0" lang="en-US" altLang="en-US" sz="2000" b="0" i="0" u="none" strike="noStrike" cap="none" normalizeH="0" baseline="0" dirty="0">
+                <a:ln>
+                  <a:noFill/>
+                </a:ln>
+                <a:solidFill>
+                  <a:schemeClr val="tx1"/>
+                </a:solidFill>
+                <a:effectLst/>
+              </a:rPr>
+              <a:t>Barriers and enablers influence implementation fidelity.</a:t>
+            </a:r>
+          </a:p>
+        </p:txBody>
+      </p:sp>
+      <p:graphicFrame>
+        <p:nvGraphicFramePr>
+          <p:cNvPr id="5" name="Chart 4">
+            <a:extLst>
+              <a:ext uri="{FF2B5EF4-FFF2-40B4-BE49-F238E27FC236}">
+                <a16:creationId xmlns:a16="http://schemas.microsoft.com/office/drawing/2014/main" id="{07A6DD6F-1BA4-B3CF-DD11-97C101BC0D95}"/>
+              </a:ext>
+            </a:extLst>
+          </p:cNvPr>
+          <p:cNvGraphicFramePr>
+            <a:graphicFrameLocks/>
+          </p:cNvGraphicFramePr>
+          <p:nvPr>
+            <p:extLst>
+              <p:ext uri="{D42A27DB-BD31-4B8C-83A1-F6EECF244321}">
+                <p14:modId xmlns:p14="http://schemas.microsoft.com/office/powerpoint/2010/main" val="3847922872"/>
+              </p:ext>
+            </p:extLst>
+          </p:nvPr>
+        </p:nvGraphicFramePr>
+        <p:xfrm>
+          <a:off x="476655" y="2170274"/>
+          <a:ext cx="4860202" cy="3627015"/>
+        </p:xfrm>
+        <a:graphic>
+          <a:graphicData uri="http://schemas.openxmlformats.org/drawingml/2006/chart">
+            <c:chart xmlns:c="http://schemas.openxmlformats.org/drawingml/2006/chart" xmlns:r="http://schemas.openxmlformats.org/officeDocument/2006/relationships" r:id="rId2"/>
+          </a:graphicData>
+        </a:graphic>
+      </p:graphicFrame>
+    </p:spTree>
+    <p:extLst>
+      <p:ext uri="{BB962C8B-B14F-4D97-AF65-F5344CB8AC3E}">
+        <p14:creationId xmlns:p14="http://schemas.microsoft.com/office/powerpoint/2010/main" val="2092502458"/>
+      </p:ext>
+    </p:extLst>
+  </p:cSld>
+  <p:clrMapOvr>
+    <a:masterClrMapping/>
+  </p:clrMapOvr>
+</p:sld>
+</file>
+
+<file path=ppt/slides/slide5.xml><?xml version="1.0" encoding="utf-8"?>
+<p:sld xmlns:a="http://schemas.openxmlformats.org/drawingml/2006/main" xmlns:r="http://schemas.openxmlformats.org/officeDocument/2006/relationships" xmlns:p="http://schemas.openxmlformats.org/presentationml/2006/main">
+  <p:cSld>
+    <p:spTree>
+      <p:nvGrpSpPr>
+        <p:cNvPr id="1" name=""/>
+        <p:cNvGrpSpPr/>
+        <p:nvPr/>
+      </p:nvGrpSpPr>
+      <p:grpSpPr>
+        <a:xfrm>
+          <a:off x="0" y="0"/>
+          <a:ext cx="0" cy="0"/>
+          <a:chOff x="0" y="0"/>
+          <a:chExt cx="0" cy="0"/>
+        </a:xfrm>
+      </p:grpSpPr>
+      <p:sp>
+        <p:nvSpPr>
+          <p:cNvPr id="3" name="TextBox 2">
+            <a:extLst>
+              <a:ext uri="{FF2B5EF4-FFF2-40B4-BE49-F238E27FC236}">
+                <a16:creationId xmlns:a16="http://schemas.microsoft.com/office/drawing/2014/main" id="{54E36847-72F1-3EB1-67D7-ADB90946CFE1}"/>
+              </a:ext>
+            </a:extLst>
+          </p:cNvPr>
+          <p:cNvSpPr txBox="1"/>
+          <p:nvPr/>
+        </p:nvSpPr>
+        <p:spPr>
+          <a:xfrm>
+            <a:off x="586213" y="412862"/>
+            <a:ext cx="6097508" cy="830997"/>
+          </a:xfrm>
+          <a:prstGeom prst="rect">
+            <a:avLst/>
+          </a:prstGeom>
+          <a:noFill/>
+        </p:spPr>
+        <p:txBody>
+          <a:bodyPr wrap="square">
+            <a:spAutoFit/>
+          </a:bodyPr>
+          <a:lstStyle/>
+          <a:p>
+            <a:r>
+              <a:rPr lang="en-US" sz="2400" b="1" dirty="0"/>
+              <a:t>Resident Outcomes</a:t>
+            </a:r>
+          </a:p>
+          <a:p>
+            <a:r>
+              <a:rPr lang="en-US" sz="2400" b="1" dirty="0"/>
+              <a:t>Pre- vs Post-Training Comparison</a:t>
+            </a:r>
+          </a:p>
+        </p:txBody>
+      </p:sp>
+      <p:sp>
+        <p:nvSpPr>
+          <p:cNvPr id="4" name="Rectangle 3">
+            <a:extLst>
+              <a:ext uri="{FF2B5EF4-FFF2-40B4-BE49-F238E27FC236}">
+                <a16:creationId xmlns:a16="http://schemas.microsoft.com/office/drawing/2014/main" id="{CF5B4B93-7BE8-ECF1-86EE-AFF73128F98E}"/>
+              </a:ext>
+            </a:extLst>
+          </p:cNvPr>
+          <p:cNvSpPr/>
+          <p:nvPr/>
+        </p:nvSpPr>
+        <p:spPr>
+          <a:xfrm>
+            <a:off x="690331" y="1243859"/>
+            <a:ext cx="1224481" cy="112301"/>
+          </a:xfrm>
+          <a:prstGeom prst="rect">
+            <a:avLst/>
+          </a:prstGeom>
+          <a:ln>
+            <a:noFill/>
+          </a:ln>
+        </p:spPr>
+        <p:style>
+          <a:lnRef idx="2">
+            <a:schemeClr val="accent2">
+              <a:shade val="15000"/>
+            </a:schemeClr>
+          </a:lnRef>
+          <a:fillRef idx="1">
+            <a:schemeClr val="accent2"/>
+          </a:fillRef>
+          <a:effectRef idx="0">
+            <a:schemeClr val="accent2"/>
+          </a:effectRef>
+          <a:fontRef idx="minor">
+            <a:schemeClr val="lt1"/>
+          </a:fontRef>
+        </p:style>
+        <p:txBody>
+          <a:bodyPr rtlCol="0" anchor="ctr"/>
+          <a:lstStyle/>
+          <a:p>
+            <a:pPr algn="ctr"/>
+            <a:endParaRPr lang="en-US"/>
+          </a:p>
+        </p:txBody>
+      </p:sp>
+      <p:sp>
+        <p:nvSpPr>
+          <p:cNvPr id="5" name="Rectangle 1">
+            <a:extLst>
+              <a:ext uri="{FF2B5EF4-FFF2-40B4-BE49-F238E27FC236}">
+                <a16:creationId xmlns:a16="http://schemas.microsoft.com/office/drawing/2014/main" id="{5607C5AB-ACA3-F332-9AE3-3313BAC248EC}"/>
+              </a:ext>
+            </a:extLst>
+          </p:cNvPr>
+          <p:cNvSpPr>
+            <a:spLocks noChangeArrowheads="1"/>
+          </p:cNvSpPr>
+          <p:nvPr/>
+        </p:nvSpPr>
+        <p:spPr bwMode="auto">
+          <a:xfrm>
+            <a:off x="5567882" y="1660173"/>
+            <a:ext cx="6097508" cy="4216539"/>
+          </a:xfrm>
+          <a:prstGeom prst="rect">
+            <a:avLst/>
+          </a:prstGeom>
+          <a:noFill/>
+          <a:ln>
+            <a:noFill/>
+          </a:ln>
+          <a:effectLst/>
+          <a:extLst>
+            <a:ext uri="{909E8E84-426E-40DD-AFC4-6F175D3DCCD1}">
+              <a14:hiddenFill xmlns:a14="http://schemas.microsoft.com/office/drawing/2010/main">
+                <a:solidFill>
+                  <a:schemeClr val="accent1"/>
+                </a:solidFill>
+              </a14:hiddenFill>
+            </a:ext>
+            <a:ext uri="{91240B29-F687-4F45-9708-019B960494DF}">
+              <a14:hiddenLine xmlns:a14="http://schemas.microsoft.com/office/drawing/2010/main" w="9525">
+                <a:solidFill>
+                  <a:schemeClr val="tx1"/>
+                </a:solidFill>
+                <a:miter lim="800000"/>
+                <a:headEnd/>
+                <a:tailEnd/>
+              </a14:hiddenLine>
+            </a:ext>
+            <a:ext uri="{AF507438-7753-43E0-B8FC-AC1667EBCBE1}">
+              <a14:hiddenEffects xmlns:a14="http://schemas.microsoft.com/office/drawing/2010/main">
+                <a:effectLst>
+                  <a:outerShdw dist="35921" dir="2700000" algn="ctr" rotWithShape="0">
+                    <a:schemeClr val="bg2"/>
+                  </a:outerShdw>
+                </a:effectLst>
+              </a14:hiddenEffects>
+            </a:ext>
+          </a:extLst>
+        </p:spPr>
+        <p:txBody>
+          <a:bodyPr vert="horz" wrap="square" lIns="91440" tIns="45720" rIns="91440" bIns="45720" numCol="1" anchor="ctr" anchorCtr="0" compatLnSpc="1">
+            <a:prstTxWarp prst="textNoShape">
+              <a:avLst/>
+            </a:prstTxWarp>
+            <a:spAutoFit/>
+          </a:bodyPr>
+          <a:lstStyle/>
+          <a:p>
+            <a:pPr marL="342900" marR="0" lvl="0" indent="-342900" algn="just" defTabSz="914400" rtl="0" eaLnBrk="0" fontAlgn="base" latinLnBrk="0" hangingPunct="0">
+              <a:lnSpc>
+                <a:spcPct val="100000"/>
+              </a:lnSpc>
+              <a:spcBef>
+                <a:spcPct val="0"/>
+              </a:spcBef>
+              <a:spcAft>
+                <a:spcPct val="0"/>
+              </a:spcAft>
+              <a:buClrTx/>
+              <a:buSzTx/>
+              <a:buFont typeface="Arial" panose="020B0604020202020204" pitchFamily="34" charset="0"/>
+              <a:buChar char="•"/>
+              <a:tabLst/>
+            </a:pPr>
+            <a:r>
+              <a:rPr kumimoji="0" lang="en-US" altLang="en-US" sz="2000" b="0" i="0" u="none" strike="noStrike" cap="none" normalizeH="0" baseline="0" dirty="0">
+                <a:ln>
+                  <a:noFill/>
+                </a:ln>
+                <a:solidFill>
+                  <a:schemeClr val="tx1"/>
+                </a:solidFill>
+                <a:effectLst/>
+              </a:rPr>
+              <a:t>Agitation episodes dropped by </a:t>
+            </a:r>
+            <a:r>
+              <a:rPr kumimoji="0" lang="en-US" altLang="en-US" sz="2000" b="1" i="0" u="none" strike="noStrike" cap="none" normalizeH="0" baseline="0" dirty="0">
+                <a:ln>
+                  <a:noFill/>
+                </a:ln>
+                <a:solidFill>
+                  <a:schemeClr val="tx1"/>
+                </a:solidFill>
+                <a:effectLst/>
+              </a:rPr>
+              <a:t>25%</a:t>
+            </a:r>
+            <a:r>
+              <a:rPr kumimoji="0" lang="en-US" altLang="en-US" sz="2000" b="0" i="0" u="none" strike="noStrike" cap="none" normalizeH="0" baseline="0" dirty="0">
+                <a:ln>
+                  <a:noFill/>
+                </a:ln>
+                <a:solidFill>
+                  <a:schemeClr val="tx1"/>
+                </a:solidFill>
+                <a:effectLst/>
+              </a:rPr>
+              <a:t> in the month following training.</a:t>
+            </a:r>
+          </a:p>
+          <a:p>
+            <a:pPr marL="342900" marR="0" lvl="0" indent="-342900" algn="just" defTabSz="914400" rtl="0" eaLnBrk="0" fontAlgn="base" latinLnBrk="0" hangingPunct="0">
+              <a:lnSpc>
+                <a:spcPct val="100000"/>
+              </a:lnSpc>
+              <a:spcBef>
+                <a:spcPct val="0"/>
+              </a:spcBef>
+              <a:spcAft>
+                <a:spcPct val="0"/>
+              </a:spcAft>
+              <a:buClrTx/>
+              <a:buSzTx/>
+              <a:buFont typeface="Arial" panose="020B0604020202020204" pitchFamily="34" charset="0"/>
+              <a:buChar char="•"/>
+              <a:tabLst/>
+            </a:pPr>
+            <a:endParaRPr kumimoji="0" lang="en-US" altLang="en-US" sz="4400" b="0" i="0" u="none" strike="noStrike" cap="none" normalizeH="0" baseline="0" dirty="0">
+              <a:ln>
+                <a:noFill/>
+              </a:ln>
+              <a:solidFill>
+                <a:schemeClr val="tx1"/>
+              </a:solidFill>
+              <a:effectLst/>
+            </a:endParaRPr>
+          </a:p>
+          <a:p>
+            <a:pPr marL="342900" marR="0" lvl="0" indent="-342900" algn="just" defTabSz="914400" rtl="0" eaLnBrk="0" fontAlgn="base" latinLnBrk="0" hangingPunct="0">
+              <a:lnSpc>
+                <a:spcPct val="100000"/>
+              </a:lnSpc>
+              <a:spcBef>
+                <a:spcPct val="0"/>
+              </a:spcBef>
+              <a:spcAft>
+                <a:spcPct val="0"/>
+              </a:spcAft>
+              <a:buClrTx/>
+              <a:buSzTx/>
+              <a:buFont typeface="Arial" panose="020B0604020202020204" pitchFamily="34" charset="0"/>
+              <a:buChar char="•"/>
+              <a:tabLst/>
+            </a:pPr>
+            <a:r>
+              <a:rPr kumimoji="0" lang="en-US" altLang="en-US" sz="2000" b="0" i="0" u="none" strike="noStrike" cap="none" normalizeH="0" baseline="0" dirty="0">
+                <a:ln>
+                  <a:noFill/>
+                </a:ln>
+                <a:solidFill>
+                  <a:schemeClr val="tx1"/>
+                </a:solidFill>
+                <a:effectLst/>
+              </a:rPr>
+              <a:t>Antipsychotic prescribing fell by </a:t>
+            </a:r>
+            <a:r>
+              <a:rPr kumimoji="0" lang="en-US" altLang="en-US" sz="2000" b="1" i="0" u="none" strike="noStrike" cap="none" normalizeH="0" baseline="0" dirty="0">
+                <a:ln>
+                  <a:noFill/>
+                </a:ln>
+                <a:solidFill>
+                  <a:schemeClr val="tx1"/>
+                </a:solidFill>
+                <a:effectLst/>
+              </a:rPr>
+              <a:t>40%</a:t>
+            </a:r>
+            <a:r>
+              <a:rPr kumimoji="0" lang="en-US" altLang="en-US" sz="2000" b="0" i="0" u="none" strike="noStrike" cap="none" normalizeH="0" baseline="0" dirty="0">
+                <a:ln>
+                  <a:noFill/>
+                </a:ln>
+                <a:solidFill>
+                  <a:schemeClr val="tx1"/>
+                </a:solidFill>
+                <a:effectLst/>
+              </a:rPr>
+              <a:t> post-training.</a:t>
+            </a:r>
+          </a:p>
+          <a:p>
+            <a:pPr marL="342900" marR="0" lvl="0" indent="-342900" algn="just" defTabSz="914400" rtl="0" eaLnBrk="0" fontAlgn="base" latinLnBrk="0" hangingPunct="0">
+              <a:lnSpc>
+                <a:spcPct val="100000"/>
+              </a:lnSpc>
+              <a:spcBef>
+                <a:spcPct val="0"/>
+              </a:spcBef>
+              <a:spcAft>
+                <a:spcPct val="0"/>
+              </a:spcAft>
+              <a:buClrTx/>
+              <a:buSzTx/>
+              <a:buFont typeface="Arial" panose="020B0604020202020204" pitchFamily="34" charset="0"/>
+              <a:buChar char="•"/>
+              <a:tabLst/>
+            </a:pPr>
+            <a:endParaRPr kumimoji="0" lang="en-US" altLang="en-US" sz="4000" b="0" i="0" u="none" strike="noStrike" cap="none" normalizeH="0" baseline="0" dirty="0">
+              <a:ln>
+                <a:noFill/>
+              </a:ln>
+              <a:solidFill>
+                <a:schemeClr val="tx1"/>
+              </a:solidFill>
+              <a:effectLst/>
+            </a:endParaRPr>
+          </a:p>
+          <a:p>
+            <a:pPr marL="342900" marR="0" lvl="0" indent="-342900" algn="just" defTabSz="914400" rtl="0" eaLnBrk="0" fontAlgn="base" latinLnBrk="0" hangingPunct="0">
+              <a:lnSpc>
+                <a:spcPct val="100000"/>
+              </a:lnSpc>
+              <a:spcBef>
+                <a:spcPct val="0"/>
+              </a:spcBef>
+              <a:spcAft>
+                <a:spcPct val="0"/>
+              </a:spcAft>
+              <a:buClrTx/>
+              <a:buSzTx/>
+              <a:buFont typeface="Arial" panose="020B0604020202020204" pitchFamily="34" charset="0"/>
+              <a:buChar char="•"/>
+              <a:tabLst/>
+            </a:pPr>
+            <a:r>
+              <a:rPr kumimoji="0" lang="en-US" altLang="en-US" sz="2000" b="0" i="0" u="none" strike="noStrike" cap="none" normalizeH="0" baseline="0" dirty="0">
+                <a:ln>
+                  <a:noFill/>
+                </a:ln>
+                <a:solidFill>
+                  <a:schemeClr val="tx1"/>
+                </a:solidFill>
+                <a:effectLst/>
+              </a:rPr>
+              <a:t>Outcomes measured </a:t>
+            </a:r>
+            <a:r>
+              <a:rPr kumimoji="0" lang="en-US" altLang="en-US" sz="2000" b="1" i="0" u="none" strike="noStrike" cap="none" normalizeH="0" baseline="0" dirty="0">
+                <a:ln>
+                  <a:noFill/>
+                </a:ln>
+                <a:solidFill>
+                  <a:schemeClr val="tx1"/>
+                </a:solidFill>
+                <a:effectLst/>
+              </a:rPr>
+              <a:t>1 month</a:t>
+            </a:r>
+            <a:r>
+              <a:rPr kumimoji="0" lang="en-US" altLang="en-US" sz="2000" b="0" i="0" u="none" strike="noStrike" cap="none" normalizeH="0" baseline="0" dirty="0">
+                <a:ln>
+                  <a:noFill/>
+                </a:ln>
+                <a:solidFill>
+                  <a:schemeClr val="tx1"/>
+                </a:solidFill>
+                <a:effectLst/>
+              </a:rPr>
+              <a:t> before and after TTT implementation.</a:t>
+            </a:r>
+          </a:p>
+          <a:p>
+            <a:pPr marL="342900" marR="0" lvl="0" indent="-342900" algn="just" defTabSz="914400" rtl="0" eaLnBrk="0" fontAlgn="base" latinLnBrk="0" hangingPunct="0">
+              <a:lnSpc>
+                <a:spcPct val="100000"/>
+              </a:lnSpc>
+              <a:spcBef>
+                <a:spcPct val="0"/>
+              </a:spcBef>
+              <a:spcAft>
+                <a:spcPct val="0"/>
+              </a:spcAft>
+              <a:buClrTx/>
+              <a:buSzTx/>
+              <a:buFont typeface="Arial" panose="020B0604020202020204" pitchFamily="34" charset="0"/>
+              <a:buChar char="•"/>
+              <a:tabLst/>
+            </a:pPr>
+            <a:endParaRPr kumimoji="0" lang="en-US" altLang="en-US" sz="4400" b="0" i="0" u="none" strike="noStrike" cap="none" normalizeH="0" baseline="0" dirty="0">
+              <a:ln>
+                <a:noFill/>
+              </a:ln>
+              <a:solidFill>
+                <a:schemeClr val="tx1"/>
+              </a:solidFill>
+              <a:effectLst/>
+            </a:endParaRPr>
+          </a:p>
+          <a:p>
+            <a:pPr marL="342900" marR="0" lvl="0" indent="-342900" algn="just" defTabSz="914400" rtl="0" eaLnBrk="0" fontAlgn="base" latinLnBrk="0" hangingPunct="0">
+              <a:lnSpc>
+                <a:spcPct val="100000"/>
+              </a:lnSpc>
+              <a:spcBef>
+                <a:spcPct val="0"/>
+              </a:spcBef>
+              <a:spcAft>
+                <a:spcPct val="0"/>
+              </a:spcAft>
+              <a:buClrTx/>
+              <a:buSzTx/>
+              <a:buFont typeface="Arial" panose="020B0604020202020204" pitchFamily="34" charset="0"/>
+              <a:buChar char="•"/>
+              <a:tabLst/>
+            </a:pPr>
+            <a:r>
+              <a:rPr kumimoji="0" lang="en-US" altLang="en-US" sz="2000" b="0" i="0" u="none" strike="noStrike" cap="none" normalizeH="0" baseline="0" dirty="0">
+                <a:ln>
+                  <a:noFill/>
+                </a:ln>
+                <a:solidFill>
+                  <a:schemeClr val="tx1"/>
+                </a:solidFill>
+                <a:effectLst/>
+              </a:rPr>
+              <a:t>Consistent improvements observed across care-home settings.</a:t>
+            </a:r>
+          </a:p>
+        </p:txBody>
+      </p:sp>
+      <p:graphicFrame>
+        <p:nvGraphicFramePr>
+          <p:cNvPr id="6" name="Chart 5">
+            <a:extLst>
+              <a:ext uri="{FF2B5EF4-FFF2-40B4-BE49-F238E27FC236}">
+                <a16:creationId xmlns:a16="http://schemas.microsoft.com/office/drawing/2014/main" id="{8C9C503B-0DD7-2517-5042-8D5B42A859B9}"/>
+              </a:ext>
+            </a:extLst>
+          </p:cNvPr>
+          <p:cNvGraphicFramePr>
+            <a:graphicFrameLocks/>
+          </p:cNvGraphicFramePr>
+          <p:nvPr>
+            <p:extLst>
+              <p:ext uri="{D42A27DB-BD31-4B8C-83A1-F6EECF244321}">
+                <p14:modId xmlns:p14="http://schemas.microsoft.com/office/powerpoint/2010/main" val="1977442730"/>
+              </p:ext>
+            </p:extLst>
+          </p:nvPr>
+        </p:nvGraphicFramePr>
+        <p:xfrm>
+          <a:off x="253497" y="1370577"/>
+          <a:ext cx="5314385" cy="4725795"/>
+        </p:xfrm>
+        <a:graphic>
+          <a:graphicData uri="http://schemas.openxmlformats.org/drawingml/2006/chart">
+            <c:chart xmlns:c="http://schemas.openxmlformats.org/drawingml/2006/chart" xmlns:r="http://schemas.openxmlformats.org/officeDocument/2006/relationships" r:id="rId2"/>
+          </a:graphicData>
+        </a:graphic>
+      </p:graphicFrame>
+    </p:spTree>
+    <p:extLst>
+      <p:ext uri="{BB962C8B-B14F-4D97-AF65-F5344CB8AC3E}">
+        <p14:creationId xmlns:p14="http://schemas.microsoft.com/office/powerpoint/2010/main" val="1219787465"/>
+      </p:ext>
+    </p:extLst>
+  </p:cSld>
+  <p:clrMapOvr>
+    <a:masterClrMapping/>
+  </p:clrMapOvr>
+</p:sld>
+</file>
+
+<file path=ppt/slides/slide6.xml><?xml version="1.0" encoding="utf-8"?>
+<p:sld xmlns:a="http://schemas.openxmlformats.org/drawingml/2006/main" xmlns:r="http://schemas.openxmlformats.org/officeDocument/2006/relationships" xmlns:p="http://schemas.openxmlformats.org/presentationml/2006/main">
+  <p:cSld>
+    <p:spTree>
+      <p:nvGrpSpPr>
+        <p:cNvPr id="1" name=""/>
+        <p:cNvGrpSpPr/>
+        <p:nvPr/>
+      </p:nvGrpSpPr>
+      <p:grpSpPr>
+        <a:xfrm>
+          <a:off x="0" y="0"/>
+          <a:ext cx="0" cy="0"/>
+          <a:chOff x="0" y="0"/>
+          <a:chExt cx="0" cy="0"/>
+        </a:xfrm>
+      </p:grpSpPr>
+      <p:sp>
+        <p:nvSpPr>
+          <p:cNvPr id="3" name="TextBox 2">
+            <a:extLst>
+              <a:ext uri="{FF2B5EF4-FFF2-40B4-BE49-F238E27FC236}">
+                <a16:creationId xmlns:a16="http://schemas.microsoft.com/office/drawing/2014/main" id="{9111D3C2-2DF7-521A-23D3-D1774AB629EB}"/>
+              </a:ext>
+            </a:extLst>
+          </p:cNvPr>
+          <p:cNvSpPr txBox="1"/>
+          <p:nvPr/>
+        </p:nvSpPr>
+        <p:spPr>
+          <a:xfrm>
+            <a:off x="794442" y="403808"/>
+            <a:ext cx="6097508" cy="523220"/>
+          </a:xfrm>
+          <a:prstGeom prst="rect">
+            <a:avLst/>
+          </a:prstGeom>
+          <a:noFill/>
+        </p:spPr>
+        <p:txBody>
+          <a:bodyPr wrap="square">
+            <a:spAutoFit/>
+          </a:bodyPr>
+          <a:lstStyle/>
+          <a:p>
+            <a:r>
+              <a:rPr lang="en-US" sz="2800" b="1" dirty="0"/>
+              <a:t>Barriers to TTT Implementation</a:t>
+            </a:r>
+          </a:p>
+        </p:txBody>
+      </p:sp>
+      <p:sp>
+        <p:nvSpPr>
+          <p:cNvPr id="4" name="Rectangle 3">
+            <a:extLst>
+              <a:ext uri="{FF2B5EF4-FFF2-40B4-BE49-F238E27FC236}">
+                <a16:creationId xmlns:a16="http://schemas.microsoft.com/office/drawing/2014/main" id="{1C51C874-AF9D-0FBB-37A7-642164328FC2}"/>
+              </a:ext>
+            </a:extLst>
+          </p:cNvPr>
+          <p:cNvSpPr/>
+          <p:nvPr/>
+        </p:nvSpPr>
+        <p:spPr>
+          <a:xfrm>
+            <a:off x="925721" y="927028"/>
+            <a:ext cx="1224481" cy="112301"/>
+          </a:xfrm>
+          <a:prstGeom prst="rect">
+            <a:avLst/>
+          </a:prstGeom>
+          <a:ln>
+            <a:noFill/>
+          </a:ln>
+        </p:spPr>
+        <p:style>
+          <a:lnRef idx="2">
+            <a:schemeClr val="accent2">
+              <a:shade val="15000"/>
+            </a:schemeClr>
+          </a:lnRef>
+          <a:fillRef idx="1">
+            <a:schemeClr val="accent2"/>
+          </a:fillRef>
+          <a:effectRef idx="0">
+            <a:schemeClr val="accent2"/>
+          </a:effectRef>
+          <a:fontRef idx="minor">
+            <a:schemeClr val="lt1"/>
+          </a:fontRef>
+        </p:style>
+        <p:txBody>
+          <a:bodyPr rtlCol="0" anchor="ctr"/>
+          <a:lstStyle/>
+          <a:p>
+            <a:pPr algn="ctr"/>
+            <a:endParaRPr lang="en-US"/>
+          </a:p>
+        </p:txBody>
+      </p:sp>
+      <p:graphicFrame>
+        <p:nvGraphicFramePr>
+          <p:cNvPr id="5" name="Table 4">
+            <a:extLst>
+              <a:ext uri="{FF2B5EF4-FFF2-40B4-BE49-F238E27FC236}">
+                <a16:creationId xmlns:a16="http://schemas.microsoft.com/office/drawing/2014/main" id="{BD1C2182-59C4-27AE-B0B4-A8B0A4322123}"/>
+              </a:ext>
+            </a:extLst>
+          </p:cNvPr>
+          <p:cNvGraphicFramePr>
+            <a:graphicFrameLocks noGrp="1"/>
+          </p:cNvGraphicFramePr>
+          <p:nvPr>
+            <p:extLst>
+              <p:ext uri="{D42A27DB-BD31-4B8C-83A1-F6EECF244321}">
+                <p14:modId xmlns:p14="http://schemas.microsoft.com/office/powerpoint/2010/main" val="2718554006"/>
+              </p:ext>
+            </p:extLst>
+          </p:nvPr>
+        </p:nvGraphicFramePr>
+        <p:xfrm>
+          <a:off x="2395397" y="1544442"/>
+          <a:ext cx="7174116" cy="2595500"/>
+        </p:xfrm>
+        <a:graphic>
+          <a:graphicData uri="http://schemas.openxmlformats.org/drawingml/2006/table">
+            <a:tbl>
+              <a:tblPr>
+                <a:tableStyleId>{775DCB02-9BB8-47FD-8907-85C794F793BA}</a:tableStyleId>
+              </a:tblPr>
+              <a:tblGrid>
+                <a:gridCol w="2701705">
+                  <a:extLst>
+                    <a:ext uri="{9D8B030D-6E8A-4147-A177-3AD203B41FA5}">
+                      <a16:colId xmlns:a16="http://schemas.microsoft.com/office/drawing/2014/main" val="3648956293"/>
+                    </a:ext>
+                  </a:extLst>
+                </a:gridCol>
+                <a:gridCol w="4472411">
+                  <a:extLst>
+                    <a:ext uri="{9D8B030D-6E8A-4147-A177-3AD203B41FA5}">
+                      <a16:colId xmlns:a16="http://schemas.microsoft.com/office/drawing/2014/main" val="201954889"/>
+                    </a:ext>
+                  </a:extLst>
+                </a:gridCol>
+              </a:tblGrid>
+              <a:tr h="0">
+                <a:tc>
+                  <a:txBody>
+                    <a:bodyPr/>
+                    <a:lstStyle/>
+                    <a:p>
+                      <a:r>
+                        <a:rPr lang="en-US" b="1" dirty="0"/>
+                        <a:t>Type</a:t>
+                      </a:r>
+                      <a:endParaRPr lang="en-US" dirty="0"/>
+                    </a:p>
+                  </a:txBody>
+                  <a:tcPr anchor="ctr">
+                    <a:solidFill>
+                      <a:schemeClr val="accent1">
+                        <a:lumMod val="20000"/>
+                        <a:lumOff val="80000"/>
+                      </a:schemeClr>
+                    </a:solidFill>
+                  </a:tcPr>
+                </a:tc>
+                <a:tc>
+                  <a:txBody>
+                    <a:bodyPr/>
+                    <a:lstStyle/>
+                    <a:p>
+                      <a:r>
+                        <a:rPr lang="en-US" b="1"/>
+                        <a:t>Barrier</a:t>
+                      </a:r>
+                      <a:endParaRPr lang="en-US"/>
+                    </a:p>
+                  </a:txBody>
+                  <a:tcPr anchor="ctr">
+                    <a:solidFill>
+                      <a:schemeClr val="accent1">
+                        <a:lumMod val="20000"/>
+                        <a:lumOff val="80000"/>
+                      </a:schemeClr>
+                    </a:solidFill>
+                  </a:tcPr>
+                </a:tc>
+                <a:extLst>
+                  <a:ext uri="{0D108BD9-81ED-4DB2-BD59-A6C34878D82A}">
+                    <a16:rowId xmlns:a16="http://schemas.microsoft.com/office/drawing/2014/main" val="377357952"/>
+                  </a:ext>
+                </a:extLst>
+              </a:tr>
+              <a:tr h="0">
+                <a:tc>
+                  <a:txBody>
+                    <a:bodyPr/>
+                    <a:lstStyle/>
+                    <a:p>
+                      <a:pPr>
+                        <a:lnSpc>
+                          <a:spcPct val="200000"/>
+                        </a:lnSpc>
+                      </a:pPr>
+                      <a:r>
+                        <a:rPr lang="en-US" b="1" dirty="0"/>
+                        <a:t>Workforce Challenge</a:t>
+                      </a:r>
+                    </a:p>
+                  </a:txBody>
+                  <a:tcPr anchor="ctr">
+                    <a:solidFill>
+                      <a:schemeClr val="accent1">
+                        <a:lumMod val="20000"/>
+                        <a:lumOff val="80000"/>
+                      </a:schemeClr>
+                    </a:solidFill>
+                  </a:tcPr>
+                </a:tc>
+                <a:tc>
+                  <a:txBody>
+                    <a:bodyPr/>
+                    <a:lstStyle/>
+                    <a:p>
+                      <a:pPr algn="just">
+                        <a:lnSpc>
+                          <a:spcPct val="200000"/>
+                        </a:lnSpc>
+                      </a:pPr>
+                      <a:r>
+                        <a:rPr lang="en-US" dirty="0"/>
+                        <a:t>High staff turnover prevents consistent trainer availability and retention.</a:t>
+                      </a:r>
+                    </a:p>
+                  </a:txBody>
+                  <a:tcPr anchor="ctr">
+                    <a:solidFill>
+                      <a:schemeClr val="accent1">
+                        <a:lumMod val="20000"/>
+                        <a:lumOff val="80000"/>
+                      </a:schemeClr>
+                    </a:solidFill>
+                  </a:tcPr>
+                </a:tc>
+                <a:extLst>
+                  <a:ext uri="{0D108BD9-81ED-4DB2-BD59-A6C34878D82A}">
+                    <a16:rowId xmlns:a16="http://schemas.microsoft.com/office/drawing/2014/main" val="3464281078"/>
+                  </a:ext>
+                </a:extLst>
+              </a:tr>
+              <a:tr h="0">
+                <a:tc>
+                  <a:txBody>
+                    <a:bodyPr/>
+                    <a:lstStyle/>
+                    <a:p>
+                      <a:pPr>
+                        <a:lnSpc>
+                          <a:spcPct val="200000"/>
+                        </a:lnSpc>
+                      </a:pPr>
+                      <a:r>
+                        <a:rPr lang="en-US" b="1" dirty="0"/>
+                        <a:t>Resource Constraint</a:t>
+                      </a:r>
+                    </a:p>
+                  </a:txBody>
+                  <a:tcPr anchor="ctr">
+                    <a:solidFill>
+                      <a:schemeClr val="accent1">
+                        <a:lumMod val="20000"/>
+                        <a:lumOff val="80000"/>
+                      </a:schemeClr>
+                    </a:solidFill>
+                  </a:tcPr>
+                </a:tc>
+                <a:tc>
+                  <a:txBody>
+                    <a:bodyPr/>
+                    <a:lstStyle/>
+                    <a:p>
+                      <a:pPr algn="just">
+                        <a:lnSpc>
+                          <a:spcPct val="200000"/>
+                        </a:lnSpc>
+                      </a:pPr>
+                      <a:r>
+                        <a:rPr lang="en-US" dirty="0"/>
+                        <a:t>Limited protected learning time restricts senior carers’ training delivery.</a:t>
+                      </a:r>
+                    </a:p>
+                  </a:txBody>
+                  <a:tcPr anchor="ctr">
+                    <a:solidFill>
+                      <a:schemeClr val="accent1">
+                        <a:lumMod val="20000"/>
+                        <a:lumOff val="80000"/>
+                      </a:schemeClr>
+                    </a:solidFill>
+                  </a:tcPr>
+                </a:tc>
+                <a:extLst>
+                  <a:ext uri="{0D108BD9-81ED-4DB2-BD59-A6C34878D82A}">
+                    <a16:rowId xmlns:a16="http://schemas.microsoft.com/office/drawing/2014/main" val="1511524165"/>
+                  </a:ext>
+                </a:extLst>
+              </a:tr>
+            </a:tbl>
+          </a:graphicData>
+        </a:graphic>
+      </p:graphicFrame>
+      <p:sp>
+        <p:nvSpPr>
+          <p:cNvPr id="6" name="Rectangle 1">
+            <a:extLst>
+              <a:ext uri="{FF2B5EF4-FFF2-40B4-BE49-F238E27FC236}">
+                <a16:creationId xmlns:a16="http://schemas.microsoft.com/office/drawing/2014/main" id="{FC5C8D00-8B96-B6A3-AB12-261760C06027}"/>
+              </a:ext>
+            </a:extLst>
+          </p:cNvPr>
+          <p:cNvSpPr>
+            <a:spLocks noChangeArrowheads="1"/>
+          </p:cNvSpPr>
+          <p:nvPr/>
+        </p:nvSpPr>
+        <p:spPr bwMode="auto">
+          <a:xfrm>
+            <a:off x="571878" y="4393563"/>
+            <a:ext cx="10821154" cy="2060629"/>
+          </a:xfrm>
+          <a:prstGeom prst="rect">
+            <a:avLst/>
+          </a:prstGeom>
+          <a:noFill/>
+          <a:ln>
+            <a:noFill/>
+          </a:ln>
+          <a:effectLst/>
+          <a:extLst>
+            <a:ext uri="{909E8E84-426E-40DD-AFC4-6F175D3DCCD1}">
+              <a14:hiddenFill xmlns:a14="http://schemas.microsoft.com/office/drawing/2010/main">
+                <a:solidFill>
+                  <a:schemeClr val="accent1"/>
+                </a:solidFill>
+              </a14:hiddenFill>
+            </a:ext>
+            <a:ext uri="{91240B29-F687-4F45-9708-019B960494DF}">
+              <a14:hiddenLine xmlns:a14="http://schemas.microsoft.com/office/drawing/2010/main" w="9525">
+                <a:solidFill>
+                  <a:schemeClr val="tx1"/>
+                </a:solidFill>
+                <a:miter lim="800000"/>
+                <a:headEnd/>
+                <a:tailEnd/>
+              </a14:hiddenLine>
+            </a:ext>
+            <a:ext uri="{AF507438-7753-43E0-B8FC-AC1667EBCBE1}">
+              <a14:hiddenEffects xmlns:a14="http://schemas.microsoft.com/office/drawing/2010/main">
+                <a:effectLst>
+                  <a:outerShdw dist="35921" dir="2700000" algn="ctr" rotWithShape="0">
+                    <a:schemeClr val="bg2"/>
+                  </a:outerShdw>
+                </a:effectLst>
+              </a14:hiddenEffects>
+            </a:ext>
+          </a:extLst>
+        </p:spPr>
+        <p:txBody>
+          <a:bodyPr vert="horz" wrap="square" lIns="91440" tIns="45720" rIns="91440" bIns="45720" numCol="1" anchor="ctr" anchorCtr="0" compatLnSpc="1">
+            <a:prstTxWarp prst="textNoShape">
+              <a:avLst/>
+            </a:prstTxWarp>
+            <a:spAutoFit/>
+          </a:bodyPr>
+          <a:lstStyle/>
+          <a:p>
+            <a:pPr marL="171450" marR="0" lvl="0" indent="-171450" algn="l" defTabSz="914400" rtl="0" eaLnBrk="0" fontAlgn="base" latinLnBrk="0" hangingPunct="0">
+              <a:lnSpc>
+                <a:spcPct val="250000"/>
+              </a:lnSpc>
+              <a:spcBef>
+                <a:spcPct val="0"/>
+              </a:spcBef>
+              <a:spcAft>
+                <a:spcPct val="0"/>
+              </a:spcAft>
+              <a:buClrTx/>
+              <a:buSzTx/>
+              <a:buFont typeface="Arial" panose="020B0604020202020204" pitchFamily="34" charset="0"/>
+              <a:buChar char="•"/>
+              <a:tabLst/>
+            </a:pPr>
+            <a:r>
+              <a:rPr kumimoji="0" lang="en-US" altLang="en-US" b="0" i="0" u="none" strike="noStrike" cap="none" normalizeH="0" baseline="0" dirty="0">
+                <a:ln>
+                  <a:noFill/>
+                </a:ln>
+                <a:solidFill>
+                  <a:schemeClr val="tx1"/>
+                </a:solidFill>
+                <a:effectLst/>
+              </a:rPr>
+              <a:t>High turnover undermines trainer retention, causing cascading gaps in care quality (Mayrhofer et al., 2016).</a:t>
+            </a:r>
+          </a:p>
+          <a:p>
+            <a:pPr marL="171450" marR="0" lvl="0" indent="-171450" algn="l" defTabSz="914400" rtl="0" eaLnBrk="0" fontAlgn="base" latinLnBrk="0" hangingPunct="0">
+              <a:lnSpc>
+                <a:spcPct val="250000"/>
+              </a:lnSpc>
+              <a:spcBef>
+                <a:spcPct val="0"/>
+              </a:spcBef>
+              <a:spcAft>
+                <a:spcPct val="0"/>
+              </a:spcAft>
+              <a:buClrTx/>
+              <a:buSzTx/>
+              <a:buFont typeface="Arial" panose="020B0604020202020204" pitchFamily="34" charset="0"/>
+              <a:buChar char="•"/>
+              <a:tabLst/>
+            </a:pPr>
+            <a:r>
+              <a:rPr kumimoji="0" lang="en-US" altLang="en-US" b="0" i="0" u="none" strike="noStrike" cap="none" normalizeH="0" baseline="0" dirty="0">
+                <a:ln>
+                  <a:noFill/>
+                </a:ln>
+                <a:solidFill>
+                  <a:schemeClr val="tx1"/>
+                </a:solidFill>
+                <a:effectLst/>
+              </a:rPr>
+              <a:t>Insufficient protected learning time forces training cancellations, reducing TTT programme efficacy (Carrier, Toulouse and Rochefort, 2023).</a:t>
+            </a:r>
+          </a:p>
+        </p:txBody>
+      </p:sp>
+    </p:spTree>
+    <p:extLst>
+      <p:ext uri="{BB962C8B-B14F-4D97-AF65-F5344CB8AC3E}">
+        <p14:creationId xmlns:p14="http://schemas.microsoft.com/office/powerpoint/2010/main" val="3826494032"/>
+      </p:ext>
+    </p:extLst>
+  </p:cSld>
+  <p:clrMapOvr>
+    <a:masterClrMapping/>
+  </p:clrMapOvr>
+</p:sld>
+</file>
+
+<file path=ppt/slides/slide7.xml><?xml version="1.0" encoding="utf-8"?>
+<p:sld xmlns:a="http://schemas.openxmlformats.org/drawingml/2006/main" xmlns:r="http://schemas.openxmlformats.org/officeDocument/2006/relationships" xmlns:p="http://schemas.openxmlformats.org/presentationml/2006/main">
+  <p:cSld>
+    <p:spTree>
+      <p:nvGrpSpPr>
+        <p:cNvPr id="1" name="">
+          <a:extLst>
+            <a:ext uri="{FF2B5EF4-FFF2-40B4-BE49-F238E27FC236}">
+              <a16:creationId xmlns:a16="http://schemas.microsoft.com/office/drawing/2014/main" id="{DFA9B3FF-5C99-C0E6-1066-847BDCAC7E49}"/>
+            </a:ext>
+          </a:extLst>
+        </p:cNvPr>
+        <p:cNvGrpSpPr/>
+        <p:nvPr/>
+      </p:nvGrpSpPr>
+      <p:grpSpPr>
+        <a:xfrm>
+          <a:off x="0" y="0"/>
+          <a:ext cx="0" cy="0"/>
+          <a:chOff x="0" y="0"/>
+          <a:chExt cx="0" cy="0"/>
+        </a:xfrm>
+      </p:grpSpPr>
+      <p:sp>
+        <p:nvSpPr>
+          <p:cNvPr id="3" name="TextBox 2">
+            <a:extLst>
+              <a:ext uri="{FF2B5EF4-FFF2-40B4-BE49-F238E27FC236}">
+                <a16:creationId xmlns:a16="http://schemas.microsoft.com/office/drawing/2014/main" id="{2D7B8A2B-03F2-8AA3-3052-8B19DCAF5938}"/>
+              </a:ext>
+            </a:extLst>
+          </p:cNvPr>
+          <p:cNvSpPr txBox="1"/>
+          <p:nvPr/>
+        </p:nvSpPr>
+        <p:spPr>
+          <a:xfrm>
+            <a:off x="794442" y="403808"/>
+            <a:ext cx="6097508" cy="523220"/>
+          </a:xfrm>
+          <a:prstGeom prst="rect">
+            <a:avLst/>
+          </a:prstGeom>
+          <a:noFill/>
+        </p:spPr>
+        <p:txBody>
+          <a:bodyPr wrap="square">
+            <a:spAutoFit/>
+          </a:bodyPr>
+          <a:lstStyle/>
+          <a:p>
+            <a:r>
+              <a:rPr lang="en-US" sz="2800" b="1" dirty="0"/>
+              <a:t>Facilitators to TTT Implementation</a:t>
+            </a:r>
+          </a:p>
+        </p:txBody>
+      </p:sp>
+      <p:sp>
+        <p:nvSpPr>
+          <p:cNvPr id="4" name="Rectangle 3">
+            <a:extLst>
+              <a:ext uri="{FF2B5EF4-FFF2-40B4-BE49-F238E27FC236}">
+                <a16:creationId xmlns:a16="http://schemas.microsoft.com/office/drawing/2014/main" id="{88DDDED1-CFEB-F9B4-631F-CDB7E3DA6578}"/>
+              </a:ext>
+            </a:extLst>
+          </p:cNvPr>
+          <p:cNvSpPr/>
+          <p:nvPr/>
+        </p:nvSpPr>
+        <p:spPr>
+          <a:xfrm>
+            <a:off x="925721" y="927028"/>
+            <a:ext cx="1224481" cy="112301"/>
+          </a:xfrm>
+          <a:prstGeom prst="rect">
+            <a:avLst/>
+          </a:prstGeom>
+          <a:ln>
+            <a:noFill/>
+          </a:ln>
+        </p:spPr>
+        <p:style>
+          <a:lnRef idx="2">
+            <a:schemeClr val="accent2">
+              <a:shade val="15000"/>
+            </a:schemeClr>
+          </a:lnRef>
+          <a:fillRef idx="1">
+            <a:schemeClr val="accent2"/>
+          </a:fillRef>
+          <a:effectRef idx="0">
+            <a:schemeClr val="accent2"/>
+          </a:effectRef>
+          <a:fontRef idx="minor">
+            <a:schemeClr val="lt1"/>
+          </a:fontRef>
+        </p:style>
+        <p:txBody>
+          <a:bodyPr rtlCol="0" anchor="ctr"/>
+          <a:lstStyle/>
+          <a:p>
+            <a:pPr algn="ctr"/>
+            <a:endParaRPr lang="en-US"/>
+          </a:p>
+        </p:txBody>
+      </p:sp>
+      <p:graphicFrame>
+        <p:nvGraphicFramePr>
+          <p:cNvPr id="5" name="Table 4">
+            <a:extLst>
+              <a:ext uri="{FF2B5EF4-FFF2-40B4-BE49-F238E27FC236}">
+                <a16:creationId xmlns:a16="http://schemas.microsoft.com/office/drawing/2014/main" id="{3969DA0F-0228-5580-7B59-24A7D948D053}"/>
+              </a:ext>
+            </a:extLst>
+          </p:cNvPr>
+          <p:cNvGraphicFramePr>
+            <a:graphicFrameLocks noGrp="1"/>
+          </p:cNvGraphicFramePr>
+          <p:nvPr>
+            <p:extLst>
+              <p:ext uri="{D42A27DB-BD31-4B8C-83A1-F6EECF244321}">
+                <p14:modId xmlns:p14="http://schemas.microsoft.com/office/powerpoint/2010/main" val="74049163"/>
+              </p:ext>
+            </p:extLst>
+          </p:nvPr>
+        </p:nvGraphicFramePr>
+        <p:xfrm>
+          <a:off x="2395397" y="1544442"/>
+          <a:ext cx="7599629" cy="2595500"/>
+        </p:xfrm>
+        <a:graphic>
+          <a:graphicData uri="http://schemas.openxmlformats.org/drawingml/2006/table">
+            <a:tbl>
+              <a:tblPr>
+                <a:tableStyleId>{775DCB02-9BB8-47FD-8907-85C794F793BA}</a:tableStyleId>
+              </a:tblPr>
+              <a:tblGrid>
+                <a:gridCol w="2701705">
+                  <a:extLst>
+                    <a:ext uri="{9D8B030D-6E8A-4147-A177-3AD203B41FA5}">
+                      <a16:colId xmlns:a16="http://schemas.microsoft.com/office/drawing/2014/main" val="3648956293"/>
+                    </a:ext>
+                  </a:extLst>
+                </a:gridCol>
+                <a:gridCol w="4897924">
+                  <a:extLst>
+                    <a:ext uri="{9D8B030D-6E8A-4147-A177-3AD203B41FA5}">
+                      <a16:colId xmlns:a16="http://schemas.microsoft.com/office/drawing/2014/main" val="201954889"/>
+                    </a:ext>
+                  </a:extLst>
+                </a:gridCol>
+              </a:tblGrid>
+              <a:tr h="0">
+                <a:tc>
+                  <a:txBody>
+                    <a:bodyPr/>
+                    <a:lstStyle/>
+                    <a:p>
+                      <a:r>
+                        <a:rPr lang="en-US" b="1" dirty="0"/>
+                        <a:t>Type</a:t>
+                      </a:r>
+                      <a:endParaRPr lang="en-US" dirty="0"/>
+                    </a:p>
+                  </a:txBody>
+                  <a:tcPr anchor="ctr">
+                    <a:solidFill>
+                      <a:schemeClr val="accent1">
+                        <a:lumMod val="20000"/>
+                        <a:lumOff val="80000"/>
+                      </a:schemeClr>
+                    </a:solidFill>
+                  </a:tcPr>
+                </a:tc>
+                <a:tc>
+                  <a:txBody>
+                    <a:bodyPr/>
+                    <a:lstStyle/>
+                    <a:p>
+                      <a:r>
+                        <a:rPr lang="en-US" b="1"/>
+                        <a:t>Barrier</a:t>
+                      </a:r>
+                      <a:endParaRPr lang="en-US"/>
+                    </a:p>
+                  </a:txBody>
+                  <a:tcPr anchor="ctr">
+                    <a:solidFill>
+                      <a:schemeClr val="accent1">
+                        <a:lumMod val="20000"/>
+                        <a:lumOff val="80000"/>
+                      </a:schemeClr>
+                    </a:solidFill>
+                  </a:tcPr>
+                </a:tc>
+                <a:extLst>
+                  <a:ext uri="{0D108BD9-81ED-4DB2-BD59-A6C34878D82A}">
+                    <a16:rowId xmlns:a16="http://schemas.microsoft.com/office/drawing/2014/main" val="377357952"/>
+                  </a:ext>
+                </a:extLst>
+              </a:tr>
+              <a:tr h="0">
+                <a:tc>
+                  <a:txBody>
+                    <a:bodyPr/>
+                    <a:lstStyle/>
+                    <a:p>
+                      <a:pPr>
+                        <a:lnSpc>
+                          <a:spcPct val="200000"/>
+                        </a:lnSpc>
+                      </a:pPr>
+                      <a:r>
+                        <a:rPr lang="en-US" b="1" dirty="0"/>
+                        <a:t>Leadership Support</a:t>
+                      </a:r>
+                    </a:p>
+                  </a:txBody>
+                  <a:tcPr anchor="ctr">
+                    <a:solidFill>
+                      <a:schemeClr val="accent1">
+                        <a:lumMod val="20000"/>
+                        <a:lumOff val="80000"/>
+                      </a:schemeClr>
+                    </a:solidFill>
+                  </a:tcPr>
+                </a:tc>
+                <a:tc>
+                  <a:txBody>
+                    <a:bodyPr/>
+                    <a:lstStyle/>
+                    <a:p>
+                      <a:pPr algn="just">
+                        <a:lnSpc>
+                          <a:spcPct val="200000"/>
+                        </a:lnSpc>
+                      </a:pPr>
+                      <a:r>
+                        <a:rPr lang="en-US" dirty="0"/>
+                        <a:t>Executive endorsement secures resources, time, and commitment for TTT rollout.</a:t>
+                      </a:r>
+                    </a:p>
+                  </a:txBody>
+                  <a:tcPr anchor="ctr">
+                    <a:solidFill>
+                      <a:schemeClr val="accent1">
+                        <a:lumMod val="20000"/>
+                        <a:lumOff val="80000"/>
+                      </a:schemeClr>
+                    </a:solidFill>
+                  </a:tcPr>
+                </a:tc>
+                <a:extLst>
+                  <a:ext uri="{0D108BD9-81ED-4DB2-BD59-A6C34878D82A}">
+                    <a16:rowId xmlns:a16="http://schemas.microsoft.com/office/drawing/2014/main" val="3464281078"/>
+                  </a:ext>
+                </a:extLst>
+              </a:tr>
+              <a:tr h="0">
+                <a:tc>
+                  <a:txBody>
+                    <a:bodyPr/>
+                    <a:lstStyle/>
+                    <a:p>
+                      <a:pPr>
+                        <a:lnSpc>
+                          <a:spcPct val="200000"/>
+                        </a:lnSpc>
+                      </a:pPr>
+                      <a:r>
+                        <a:rPr lang="en-US" b="1" dirty="0"/>
+                        <a:t>Peer Networks</a:t>
+                      </a:r>
+                    </a:p>
+                  </a:txBody>
+                  <a:tcPr anchor="ctr">
+                    <a:solidFill>
+                      <a:schemeClr val="accent1">
+                        <a:lumMod val="20000"/>
+                        <a:lumOff val="80000"/>
+                      </a:schemeClr>
+                    </a:solidFill>
+                  </a:tcPr>
+                </a:tc>
+                <a:tc>
+                  <a:txBody>
+                    <a:bodyPr/>
+                    <a:lstStyle/>
+                    <a:p>
+                      <a:pPr algn="just">
+                        <a:lnSpc>
+                          <a:spcPct val="200000"/>
+                        </a:lnSpc>
+                      </a:pPr>
+                      <a:r>
+                        <a:rPr lang="en-US" dirty="0"/>
+                        <a:t>Structured mentoring groups reinforce trainer competency and programme fidelity.</a:t>
+                      </a:r>
+                    </a:p>
+                  </a:txBody>
+                  <a:tcPr anchor="ctr">
+                    <a:solidFill>
+                      <a:schemeClr val="accent1">
+                        <a:lumMod val="20000"/>
+                        <a:lumOff val="80000"/>
+                      </a:schemeClr>
+                    </a:solidFill>
+                  </a:tcPr>
+                </a:tc>
+                <a:extLst>
+                  <a:ext uri="{0D108BD9-81ED-4DB2-BD59-A6C34878D82A}">
+                    <a16:rowId xmlns:a16="http://schemas.microsoft.com/office/drawing/2014/main" val="1511524165"/>
+                  </a:ext>
+                </a:extLst>
+              </a:tr>
+            </a:tbl>
+          </a:graphicData>
+        </a:graphic>
+      </p:graphicFrame>
+      <p:sp>
+        <p:nvSpPr>
+          <p:cNvPr id="6" name="Rectangle 1">
+            <a:extLst>
+              <a:ext uri="{FF2B5EF4-FFF2-40B4-BE49-F238E27FC236}">
+                <a16:creationId xmlns:a16="http://schemas.microsoft.com/office/drawing/2014/main" id="{2B85EAD6-2545-5A40-3BA2-DA4556B54AF4}"/>
+              </a:ext>
+            </a:extLst>
+          </p:cNvPr>
+          <p:cNvSpPr>
+            <a:spLocks noChangeArrowheads="1"/>
+          </p:cNvSpPr>
+          <p:nvPr/>
+        </p:nvSpPr>
+        <p:spPr bwMode="auto">
+          <a:xfrm>
+            <a:off x="925721" y="4757356"/>
+            <a:ext cx="10729488" cy="1841979"/>
+          </a:xfrm>
+          <a:prstGeom prst="rect">
+            <a:avLst/>
+          </a:prstGeom>
+          <a:noFill/>
+          <a:ln>
+            <a:noFill/>
+          </a:ln>
+          <a:effectLst/>
+          <a:extLst>
+            <a:ext uri="{909E8E84-426E-40DD-AFC4-6F175D3DCCD1}">
+              <a14:hiddenFill xmlns:a14="http://schemas.microsoft.com/office/drawing/2010/main">
+                <a:solidFill>
+                  <a:schemeClr val="accent1"/>
+                </a:solidFill>
+              </a14:hiddenFill>
+            </a:ext>
+            <a:ext uri="{91240B29-F687-4F45-9708-019B960494DF}">
+              <a14:hiddenLine xmlns:a14="http://schemas.microsoft.com/office/drawing/2010/main" w="9525">
+                <a:solidFill>
+                  <a:schemeClr val="tx1"/>
+                </a:solidFill>
+                <a:miter lim="800000"/>
+                <a:headEnd/>
+                <a:tailEnd/>
+              </a14:hiddenLine>
+            </a:ext>
+            <a:ext uri="{AF507438-7753-43E0-B8FC-AC1667EBCBE1}">
+              <a14:hiddenEffects xmlns:a14="http://schemas.microsoft.com/office/drawing/2010/main">
+                <a:effectLst>
+                  <a:outerShdw dist="35921" dir="2700000" algn="ctr" rotWithShape="0">
+                    <a:schemeClr val="bg2"/>
+                  </a:outerShdw>
+                </a:effectLst>
+              </a14:hiddenEffects>
+            </a:ext>
+          </a:extLst>
+        </p:spPr>
+        <p:txBody>
+          <a:bodyPr vert="horz" wrap="square" lIns="91440" tIns="45720" rIns="91440" bIns="45720" numCol="1" anchor="ctr" anchorCtr="0" compatLnSpc="1">
+            <a:prstTxWarp prst="textNoShape">
+              <a:avLst/>
+            </a:prstTxWarp>
+            <a:spAutoFit/>
+          </a:bodyPr>
+          <a:lstStyle/>
+          <a:p>
+            <a:pPr marL="171450" marR="0" lvl="0" indent="-171450" algn="l" defTabSz="914400" rtl="0" eaLnBrk="0" fontAlgn="base" latinLnBrk="0" hangingPunct="0">
+              <a:lnSpc>
+                <a:spcPct val="250000"/>
+              </a:lnSpc>
+              <a:spcBef>
+                <a:spcPct val="0"/>
+              </a:spcBef>
+              <a:spcAft>
+                <a:spcPct val="0"/>
+              </a:spcAft>
+              <a:buClrTx/>
+              <a:buSzTx/>
+              <a:buFont typeface="Arial" panose="020B0604020202020204" pitchFamily="34" charset="0"/>
+              <a:buChar char="•"/>
+              <a:tabLst/>
+            </a:pPr>
+            <a:r>
+              <a:rPr kumimoji="0" lang="en-US" altLang="en-US" sz="1600" b="0" i="0" u="none" strike="noStrike" cap="none" normalizeH="0" baseline="0" dirty="0">
+                <a:ln>
+                  <a:noFill/>
+                </a:ln>
+                <a:solidFill>
+                  <a:schemeClr val="tx1"/>
+                </a:solidFill>
+                <a:effectLst/>
+              </a:rPr>
+              <a:t>Dedicated leadership sponsorship secures scheduling and budget allocation for sustained TTT (Brazil et al., 2024).</a:t>
+            </a:r>
+          </a:p>
+          <a:p>
+            <a:pPr marL="171450" marR="0" lvl="0" indent="-171450" algn="l" defTabSz="914400" rtl="0" eaLnBrk="0" fontAlgn="base" latinLnBrk="0" hangingPunct="0">
+              <a:lnSpc>
+                <a:spcPct val="250000"/>
+              </a:lnSpc>
+              <a:spcBef>
+                <a:spcPct val="0"/>
+              </a:spcBef>
+              <a:spcAft>
+                <a:spcPct val="0"/>
+              </a:spcAft>
+              <a:buClrTx/>
+              <a:buSzTx/>
+              <a:buFont typeface="Arial" panose="020B0604020202020204" pitchFamily="34" charset="0"/>
+              <a:buChar char="•"/>
+              <a:tabLst/>
+            </a:pPr>
+            <a:r>
+              <a:rPr kumimoji="0" lang="en-US" altLang="en-US" sz="1600" b="0" i="0" u="none" strike="noStrike" cap="none" normalizeH="0" baseline="0" dirty="0">
+                <a:ln>
+                  <a:noFill/>
+                </a:ln>
+                <a:solidFill>
+                  <a:schemeClr val="tx1"/>
+                </a:solidFill>
+                <a:effectLst/>
+              </a:rPr>
+              <a:t>Structured peer-mentoring networks provide ongoing support, boosting trainer confidence and fidelity (Goodman et al., 2015).</a:t>
+            </a:r>
+          </a:p>
+        </p:txBody>
+      </p:sp>
+    </p:spTree>
+    <p:extLst>
+      <p:ext uri="{BB962C8B-B14F-4D97-AF65-F5344CB8AC3E}">
+        <p14:creationId xmlns:p14="http://schemas.microsoft.com/office/powerpoint/2010/main" val="2578584880"/>
+      </p:ext>
+    </p:extLst>
+  </p:cSld>
+  <p:clrMapOvr>
+    <a:masterClrMapping/>
+  </p:clrMapOvr>
+</p:sld>
+</file>
+
+<file path=ppt/slides/slide8.xml><?xml version="1.0" encoding="utf-8"?>
+<p:sld xmlns:a="http://schemas.openxmlformats.org/drawingml/2006/main" xmlns:r="http://schemas.openxmlformats.org/officeDocument/2006/relationships" xmlns:p="http://schemas.openxmlformats.org/presentationml/2006/main">
+  <p:cSld>
+    <p:spTree>
+      <p:nvGrpSpPr>
+        <p:cNvPr id="1" name="">
+          <a:extLst>
+            <a:ext uri="{FF2B5EF4-FFF2-40B4-BE49-F238E27FC236}">
+              <a16:creationId xmlns:a16="http://schemas.microsoft.com/office/drawing/2014/main" id="{DAD9F9F8-4EA7-020F-8E5F-8C93D25B1167}"/>
+            </a:ext>
+          </a:extLst>
+        </p:cNvPr>
+        <p:cNvGrpSpPr/>
+        <p:nvPr/>
+      </p:nvGrpSpPr>
+      <p:grpSpPr>
+        <a:xfrm>
+          <a:off x="0" y="0"/>
+          <a:ext cx="0" cy="0"/>
+          <a:chOff x="0" y="0"/>
+          <a:chExt cx="0" cy="0"/>
+        </a:xfrm>
+      </p:grpSpPr>
+      <p:sp>
+        <p:nvSpPr>
+          <p:cNvPr id="3" name="TextBox 2">
+            <a:extLst>
+              <a:ext uri="{FF2B5EF4-FFF2-40B4-BE49-F238E27FC236}">
+                <a16:creationId xmlns:a16="http://schemas.microsoft.com/office/drawing/2014/main" id="{087CCB4D-233A-21B0-1F38-BC08A366EE42}"/>
+              </a:ext>
+            </a:extLst>
+          </p:cNvPr>
+          <p:cNvSpPr txBox="1"/>
+          <p:nvPr/>
+        </p:nvSpPr>
+        <p:spPr>
+          <a:xfrm>
+            <a:off x="1401024" y="665417"/>
+            <a:ext cx="6097508" cy="523220"/>
+          </a:xfrm>
+          <a:prstGeom prst="rect">
+            <a:avLst/>
+          </a:prstGeom>
+          <a:noFill/>
+        </p:spPr>
+        <p:txBody>
+          <a:bodyPr wrap="square">
+            <a:spAutoFit/>
+          </a:bodyPr>
+          <a:lstStyle/>
+          <a:p>
+            <a:r>
+              <a:rPr lang="en-US" sz="2800" b="1" dirty="0"/>
+              <a:t>Conclusion</a:t>
+            </a:r>
+          </a:p>
+        </p:txBody>
+      </p:sp>
+      <p:sp>
+        <p:nvSpPr>
+          <p:cNvPr id="4" name="Rectangle 3">
+            <a:extLst>
+              <a:ext uri="{FF2B5EF4-FFF2-40B4-BE49-F238E27FC236}">
+                <a16:creationId xmlns:a16="http://schemas.microsoft.com/office/drawing/2014/main" id="{2425F058-8453-6BD3-C2A6-DFF4E177B685}"/>
+              </a:ext>
+            </a:extLst>
+          </p:cNvPr>
+          <p:cNvSpPr/>
+          <p:nvPr/>
+        </p:nvSpPr>
+        <p:spPr>
+          <a:xfrm>
+            <a:off x="1550410" y="1234804"/>
+            <a:ext cx="1224481" cy="112301"/>
+          </a:xfrm>
+          <a:prstGeom prst="rect">
+            <a:avLst/>
+          </a:prstGeom>
+          <a:ln>
+            <a:noFill/>
+          </a:ln>
+        </p:spPr>
+        <p:style>
+          <a:lnRef idx="2">
+            <a:schemeClr val="accent2">
+              <a:shade val="15000"/>
+            </a:schemeClr>
+          </a:lnRef>
+          <a:fillRef idx="1">
+            <a:schemeClr val="accent2"/>
+          </a:fillRef>
+          <a:effectRef idx="0">
+            <a:schemeClr val="accent2"/>
+          </a:effectRef>
+          <a:fontRef idx="minor">
+            <a:schemeClr val="lt1"/>
+          </a:fontRef>
+        </p:style>
+        <p:txBody>
+          <a:bodyPr rtlCol="0" anchor="ctr"/>
+          <a:lstStyle/>
+          <a:p>
+            <a:pPr algn="ctr"/>
+            <a:endParaRPr lang="en-US"/>
+          </a:p>
+        </p:txBody>
+      </p:sp>
+      <p:sp>
+        <p:nvSpPr>
+          <p:cNvPr id="2" name="Rectangle 1">
+            <a:extLst>
+              <a:ext uri="{FF2B5EF4-FFF2-40B4-BE49-F238E27FC236}">
+                <a16:creationId xmlns:a16="http://schemas.microsoft.com/office/drawing/2014/main" id="{04B737FC-A5D3-66B2-7ABA-21BBBE346D8A}"/>
+              </a:ext>
+            </a:extLst>
+          </p:cNvPr>
+          <p:cNvSpPr>
+            <a:spLocks noChangeArrowheads="1"/>
+          </p:cNvSpPr>
+          <p:nvPr/>
+        </p:nvSpPr>
+        <p:spPr bwMode="auto">
+          <a:xfrm>
+            <a:off x="641287" y="1654882"/>
+            <a:ext cx="10909425" cy="4286366"/>
+          </a:xfrm>
+          <a:prstGeom prst="rect">
+            <a:avLst/>
+          </a:prstGeom>
+          <a:noFill/>
+          <a:ln>
+            <a:noFill/>
+          </a:ln>
+          <a:effectLst/>
+          <a:extLst>
+            <a:ext uri="{909E8E84-426E-40DD-AFC4-6F175D3DCCD1}">
+              <a14:hiddenFill xmlns:a14="http://schemas.microsoft.com/office/drawing/2010/main">
+                <a:solidFill>
+                  <a:schemeClr val="accent1"/>
+                </a:solidFill>
+              </a14:hiddenFill>
+            </a:ext>
+            <a:ext uri="{91240B29-F687-4F45-9708-019B960494DF}">
+              <a14:hiddenLine xmlns:a14="http://schemas.microsoft.com/office/drawing/2010/main" w="9525">
+                <a:solidFill>
+                  <a:schemeClr val="tx1"/>
+                </a:solidFill>
+                <a:miter lim="800000"/>
+                <a:headEnd/>
+                <a:tailEnd/>
+              </a14:hiddenLine>
+            </a:ext>
+            <a:ext uri="{AF507438-7753-43E0-B8FC-AC1667EBCBE1}">
+              <a14:hiddenEffects xmlns:a14="http://schemas.microsoft.com/office/drawing/2010/main">
+                <a:effectLst>
+                  <a:outerShdw dist="35921" dir="2700000" algn="ctr" rotWithShape="0">
+                    <a:schemeClr val="bg2"/>
+                  </a:outerShdw>
+                </a:effectLst>
+              </a14:hiddenEffects>
+            </a:ext>
+          </a:extLst>
+        </p:spPr>
+        <p:txBody>
+          <a:bodyPr vert="horz" wrap="square" lIns="91440" tIns="45720" rIns="91440" bIns="45720" numCol="1" anchor="ctr" anchorCtr="0" compatLnSpc="1">
+            <a:prstTxWarp prst="textNoShape">
+              <a:avLst/>
+            </a:prstTxWarp>
+            <a:spAutoFit/>
+          </a:bodyPr>
+          <a:lstStyle/>
+          <a:p>
+            <a:pPr marL="285750" marR="0" lvl="0" indent="-285750" algn="just" defTabSz="914400" rtl="0" eaLnBrk="0" fontAlgn="base" latinLnBrk="0" hangingPunct="0">
+              <a:lnSpc>
+                <a:spcPct val="150000"/>
+              </a:lnSpc>
+              <a:spcBef>
+                <a:spcPct val="0"/>
+              </a:spcBef>
+              <a:spcAft>
+                <a:spcPct val="0"/>
+              </a:spcAft>
+              <a:buClrTx/>
+              <a:buSzTx/>
+              <a:buFont typeface="Arial" panose="020B0604020202020204" pitchFamily="34" charset="0"/>
+              <a:buChar char="•"/>
+              <a:tabLst/>
+            </a:pPr>
+            <a:r>
+              <a:rPr kumimoji="0" lang="en-US" altLang="en-US" sz="2400" b="0" i="0" u="none" strike="noStrike" cap="none" normalizeH="0" baseline="0" dirty="0">
+                <a:ln>
+                  <a:noFill/>
+                </a:ln>
+                <a:solidFill>
+                  <a:schemeClr val="tx1"/>
+                </a:solidFill>
+                <a:effectLst/>
+              </a:rPr>
+              <a:t>Senior carers’ self-efficacy improved 20–80 % on the Dementia Care Confidence Scale post-TTT training.</a:t>
+            </a:r>
+          </a:p>
+          <a:p>
+            <a:pPr marL="285750" marR="0" lvl="0" indent="-285750" algn="just" defTabSz="914400" rtl="0" eaLnBrk="0" fontAlgn="base" latinLnBrk="0" hangingPunct="0">
+              <a:lnSpc>
+                <a:spcPct val="150000"/>
+              </a:lnSpc>
+              <a:spcBef>
+                <a:spcPct val="0"/>
+              </a:spcBef>
+              <a:spcAft>
+                <a:spcPct val="0"/>
+              </a:spcAft>
+              <a:buClrTx/>
+              <a:buSzTx/>
+              <a:buFont typeface="Arial" panose="020B0604020202020204" pitchFamily="34" charset="0"/>
+              <a:buChar char="•"/>
+              <a:tabLst/>
+            </a:pPr>
+            <a:endParaRPr kumimoji="0" lang="en-US" altLang="en-US" sz="2000" b="0" i="0" u="none" strike="noStrike" cap="none" normalizeH="0" baseline="0" dirty="0">
+              <a:ln>
+                <a:noFill/>
+              </a:ln>
+              <a:solidFill>
+                <a:schemeClr val="tx1"/>
+              </a:solidFill>
+              <a:effectLst/>
+            </a:endParaRPr>
+          </a:p>
+          <a:p>
+            <a:pPr marL="285750" marR="0" lvl="0" indent="-285750" algn="just" defTabSz="914400" rtl="0" eaLnBrk="0" fontAlgn="base" latinLnBrk="0" hangingPunct="0">
+              <a:lnSpc>
+                <a:spcPct val="150000"/>
+              </a:lnSpc>
+              <a:spcBef>
+                <a:spcPct val="0"/>
+              </a:spcBef>
+              <a:spcAft>
+                <a:spcPct val="0"/>
+              </a:spcAft>
+              <a:buClrTx/>
+              <a:buSzTx/>
+              <a:buFont typeface="Arial" panose="020B0604020202020204" pitchFamily="34" charset="0"/>
+              <a:buChar char="•"/>
+              <a:tabLst/>
+            </a:pPr>
+            <a:r>
+              <a:rPr kumimoji="0" lang="en-US" altLang="en-US" sz="2400" b="0" i="0" u="none" strike="noStrike" cap="none" normalizeH="0" baseline="0" dirty="0">
+                <a:ln>
+                  <a:noFill/>
+                </a:ln>
+                <a:solidFill>
+                  <a:schemeClr val="tx1"/>
+                </a:solidFill>
+                <a:effectLst/>
+              </a:rPr>
+              <a:t>Agitation episodes dropped 15–35 % and antipsychotic prescribing decreased up to 40 % following training.</a:t>
+            </a:r>
+          </a:p>
+          <a:p>
+            <a:pPr marL="285750" marR="0" lvl="0" indent="-285750" algn="just" defTabSz="914400" rtl="0" eaLnBrk="0" fontAlgn="base" latinLnBrk="0" hangingPunct="0">
+              <a:lnSpc>
+                <a:spcPct val="150000"/>
+              </a:lnSpc>
+              <a:spcBef>
+                <a:spcPct val="0"/>
+              </a:spcBef>
+              <a:spcAft>
+                <a:spcPct val="0"/>
+              </a:spcAft>
+              <a:buClrTx/>
+              <a:buSzTx/>
+              <a:buFont typeface="Arial" panose="020B0604020202020204" pitchFamily="34" charset="0"/>
+              <a:buChar char="•"/>
+              <a:tabLst/>
+            </a:pPr>
+            <a:endParaRPr kumimoji="0" lang="en-US" altLang="en-US" sz="1600" b="0" i="0" u="none" strike="noStrike" cap="none" normalizeH="0" baseline="0" dirty="0">
+              <a:ln>
+                <a:noFill/>
+              </a:ln>
+              <a:solidFill>
+                <a:schemeClr val="tx1"/>
+              </a:solidFill>
+              <a:effectLst/>
+            </a:endParaRPr>
+          </a:p>
+          <a:p>
+            <a:pPr marL="285750" marR="0" lvl="0" indent="-285750" algn="just" defTabSz="914400" rtl="0" eaLnBrk="0" fontAlgn="base" latinLnBrk="0" hangingPunct="0">
+              <a:lnSpc>
+                <a:spcPct val="150000"/>
+              </a:lnSpc>
+              <a:spcBef>
+                <a:spcPct val="0"/>
+              </a:spcBef>
+              <a:spcAft>
+                <a:spcPct val="0"/>
+              </a:spcAft>
+              <a:buClrTx/>
+              <a:buSzTx/>
+              <a:buFont typeface="Arial" panose="020B0604020202020204" pitchFamily="34" charset="0"/>
+              <a:buChar char="•"/>
+              <a:tabLst/>
+            </a:pPr>
+            <a:r>
+              <a:rPr kumimoji="0" lang="en-US" altLang="en-US" sz="2400" b="0" i="0" u="none" strike="noStrike" cap="none" normalizeH="0" baseline="0" dirty="0">
+                <a:ln>
+                  <a:noFill/>
+                </a:ln>
+                <a:solidFill>
+                  <a:schemeClr val="tx1"/>
+                </a:solidFill>
+                <a:effectLst/>
+              </a:rPr>
+              <a:t>Barriers included high staff turnover and limited training time; facilitators comprised leadership endorsement and structured peer mentoring.</a:t>
+            </a:r>
+          </a:p>
+        </p:txBody>
+      </p:sp>
+    </p:spTree>
+    <p:extLst>
+      <p:ext uri="{BB962C8B-B14F-4D97-AF65-F5344CB8AC3E}">
+        <p14:creationId xmlns:p14="http://schemas.microsoft.com/office/powerpoint/2010/main" val="860367612"/>
+      </p:ext>
+    </p:extLst>
+  </p:cSld>
+  <p:clrMapOvr>
+    <a:masterClrMapping/>
+  </p:clrMapOvr>
+</p:sld>
+</file>
+
+<file path=ppt/slides/slide9.xml><?xml version="1.0" encoding="utf-8"?>
+<p:sld xmlns:a="http://schemas.openxmlformats.org/drawingml/2006/main" xmlns:r="http://schemas.openxmlformats.org/officeDocument/2006/relationships" xmlns:p="http://schemas.openxmlformats.org/presentationml/2006/main">
+  <p:cSld>
+    <p:spTree>
+      <p:nvGrpSpPr>
+        <p:cNvPr id="1" name="">
+          <a:extLst>
+            <a:ext uri="{FF2B5EF4-FFF2-40B4-BE49-F238E27FC236}">
+              <a16:creationId xmlns:a16="http://schemas.microsoft.com/office/drawing/2014/main" id="{420821A7-46D9-6297-FD27-810BAFD29621}"/>
+            </a:ext>
+          </a:extLst>
+        </p:cNvPr>
+        <p:cNvGrpSpPr/>
+        <p:nvPr/>
+      </p:nvGrpSpPr>
+      <p:grpSpPr>
+        <a:xfrm>
+          <a:off x="0" y="0"/>
+          <a:ext cx="0" cy="0"/>
+          <a:chOff x="0" y="0"/>
+          <a:chExt cx="0" cy="0"/>
+        </a:xfrm>
+      </p:grpSpPr>
+      <p:sp>
+        <p:nvSpPr>
+          <p:cNvPr id="3" name="TextBox 2">
+            <a:extLst>
+              <a:ext uri="{FF2B5EF4-FFF2-40B4-BE49-F238E27FC236}">
+                <a16:creationId xmlns:a16="http://schemas.microsoft.com/office/drawing/2014/main" id="{DE858272-64EB-94E5-1559-AEB0A59837B2}"/>
+              </a:ext>
+            </a:extLst>
+          </p:cNvPr>
+          <p:cNvSpPr txBox="1"/>
+          <p:nvPr/>
+        </p:nvSpPr>
+        <p:spPr>
+          <a:xfrm>
+            <a:off x="1401024" y="665417"/>
+            <a:ext cx="6097508" cy="523220"/>
+          </a:xfrm>
+          <a:prstGeom prst="rect">
+            <a:avLst/>
+          </a:prstGeom>
+          <a:noFill/>
+        </p:spPr>
+        <p:txBody>
+          <a:bodyPr wrap="square">
+            <a:spAutoFit/>
+          </a:bodyPr>
+          <a:lstStyle/>
+          <a:p>
+            <a:r>
+              <a:rPr lang="en-US" sz="2800" b="1" dirty="0"/>
+              <a:t>Recommendation</a:t>
+            </a:r>
+          </a:p>
+        </p:txBody>
+      </p:sp>
+      <p:sp>
+        <p:nvSpPr>
+          <p:cNvPr id="4" name="Rectangle 3">
+            <a:extLst>
+              <a:ext uri="{FF2B5EF4-FFF2-40B4-BE49-F238E27FC236}">
+                <a16:creationId xmlns:a16="http://schemas.microsoft.com/office/drawing/2014/main" id="{6D6F0883-4BDA-144C-CF35-A82DFCD7C049}"/>
+              </a:ext>
+            </a:extLst>
+          </p:cNvPr>
+          <p:cNvSpPr/>
+          <p:nvPr/>
+        </p:nvSpPr>
+        <p:spPr>
+          <a:xfrm>
+            <a:off x="1550410" y="1234804"/>
+            <a:ext cx="1224481" cy="112301"/>
+          </a:xfrm>
+          <a:prstGeom prst="rect">
+            <a:avLst/>
+          </a:prstGeom>
+          <a:ln>
+            <a:noFill/>
+          </a:ln>
+        </p:spPr>
+        <p:style>
+          <a:lnRef idx="2">
+            <a:schemeClr val="accent2">
+              <a:shade val="15000"/>
+            </a:schemeClr>
+          </a:lnRef>
+          <a:fillRef idx="1">
+            <a:schemeClr val="accent2"/>
+          </a:fillRef>
+          <a:effectRef idx="0">
+            <a:schemeClr val="accent2"/>
+          </a:effectRef>
+          <a:fontRef idx="minor">
+            <a:schemeClr val="lt1"/>
+          </a:fontRef>
+        </p:style>
+        <p:txBody>
+          <a:bodyPr rtlCol="0" anchor="ctr"/>
+          <a:lstStyle/>
+          <a:p>
+            <a:pPr algn="ctr"/>
+            <a:endParaRPr lang="en-US"/>
+          </a:p>
+        </p:txBody>
+      </p:sp>
+      <p:sp>
+        <p:nvSpPr>
+          <p:cNvPr id="5" name="Rectangle 1">
+            <a:extLst>
+              <a:ext uri="{FF2B5EF4-FFF2-40B4-BE49-F238E27FC236}">
+                <a16:creationId xmlns:a16="http://schemas.microsoft.com/office/drawing/2014/main" id="{640D9C33-74CD-7728-CDE2-AE8333F4A5C9}"/>
+              </a:ext>
+            </a:extLst>
+          </p:cNvPr>
+          <p:cNvSpPr>
+            <a:spLocks noChangeArrowheads="1"/>
+          </p:cNvSpPr>
+          <p:nvPr/>
+        </p:nvSpPr>
+        <p:spPr bwMode="auto">
+          <a:xfrm>
+            <a:off x="951492" y="2089181"/>
+            <a:ext cx="10075002" cy="3416320"/>
+          </a:xfrm>
+          <a:prstGeom prst="rect">
+            <a:avLst/>
+          </a:prstGeom>
+          <a:noFill/>
+          <a:ln>
+            <a:noFill/>
+          </a:ln>
+          <a:effectLst/>
+          <a:extLst>
+            <a:ext uri="{909E8E84-426E-40DD-AFC4-6F175D3DCCD1}">
+              <a14:hiddenFill xmlns:a14="http://schemas.microsoft.com/office/drawing/2010/main">
+                <a:solidFill>
+                  <a:schemeClr val="accent1"/>
+                </a:solidFill>
+              </a14:hiddenFill>
+            </a:ext>
+            <a:ext uri="{91240B29-F687-4F45-9708-019B960494DF}">
+              <a14:hiddenLine xmlns:a14="http://schemas.microsoft.com/office/drawing/2010/main" w="9525">
+                <a:solidFill>
+                  <a:schemeClr val="tx1"/>
+                </a:solidFill>
+                <a:miter lim="800000"/>
+                <a:headEnd/>
+                <a:tailEnd/>
+              </a14:hiddenLine>
+            </a:ext>
+            <a:ext uri="{AF507438-7753-43E0-B8FC-AC1667EBCBE1}">
+              <a14:hiddenEffects xmlns:a14="http://schemas.microsoft.com/office/drawing/2010/main">
+                <a:effectLst>
+                  <a:outerShdw dist="35921" dir="2700000" algn="ctr" rotWithShape="0">
+                    <a:schemeClr val="bg2"/>
+                  </a:outerShdw>
+                </a:effectLst>
+              </a14:hiddenEffects>
+            </a:ext>
+          </a:extLst>
+        </p:spPr>
+        <p:txBody>
+          <a:bodyPr vert="horz" wrap="none" lIns="91440" tIns="45720" rIns="91440" bIns="45720" numCol="1" anchor="ctr" anchorCtr="0" compatLnSpc="1">
+            <a:prstTxWarp prst="textNoShape">
+              <a:avLst/>
+            </a:prstTxWarp>
+            <a:spAutoFit/>
+          </a:bodyPr>
+          <a:lstStyle/>
+          <a:p>
+            <a:pPr marL="457200" marR="0" lvl="0" indent="-457200" algn="l" defTabSz="914400" rtl="0" eaLnBrk="0" fontAlgn="base" latinLnBrk="0" hangingPunct="0">
+              <a:spcBef>
+                <a:spcPct val="0"/>
+              </a:spcBef>
+              <a:spcAft>
+                <a:spcPct val="0"/>
+              </a:spcAft>
+              <a:buClrTx/>
+              <a:buSzTx/>
+              <a:buFont typeface="Arial" panose="020B0604020202020204" pitchFamily="34" charset="0"/>
+              <a:buChar char="•"/>
+              <a:tabLst/>
+            </a:pPr>
+            <a:r>
+              <a:rPr kumimoji="0" lang="en-US" altLang="en-US" sz="2400" b="1" i="0" u="none" strike="noStrike" cap="none" normalizeH="0" baseline="0" dirty="0">
+                <a:ln>
+                  <a:noFill/>
+                </a:ln>
+                <a:solidFill>
+                  <a:schemeClr val="tx1"/>
+                </a:solidFill>
+                <a:effectLst/>
+              </a:rPr>
+              <a:t>Cascade Framework:</a:t>
+            </a:r>
+            <a:r>
+              <a:rPr kumimoji="0" lang="en-US" altLang="en-US" sz="2400" b="0" i="0" u="none" strike="noStrike" cap="none" normalizeH="0" baseline="0" dirty="0">
+                <a:ln>
+                  <a:noFill/>
+                </a:ln>
+                <a:solidFill>
+                  <a:schemeClr val="tx1"/>
+                </a:solidFill>
+                <a:effectLst/>
+              </a:rPr>
+              <a:t> Empower senior carers as in‐house trainers</a:t>
+            </a:r>
+          </a:p>
+          <a:p>
+            <a:pPr marL="457200" marR="0" lvl="0" indent="-457200" algn="l" defTabSz="914400" rtl="0" eaLnBrk="0" fontAlgn="base" latinLnBrk="0" hangingPunct="0">
+              <a:spcBef>
+                <a:spcPct val="0"/>
+              </a:spcBef>
+              <a:spcAft>
+                <a:spcPct val="0"/>
+              </a:spcAft>
+              <a:buClrTx/>
+              <a:buSzTx/>
+              <a:buFont typeface="Arial" panose="020B0604020202020204" pitchFamily="34" charset="0"/>
+              <a:buChar char="•"/>
+              <a:tabLst/>
+            </a:pPr>
+            <a:endParaRPr kumimoji="0" lang="en-US" altLang="en-US" sz="2400" b="0" i="0" u="none" strike="noStrike" cap="none" normalizeH="0" baseline="0" dirty="0">
+              <a:ln>
+                <a:noFill/>
+              </a:ln>
+              <a:solidFill>
+                <a:schemeClr val="tx1"/>
+              </a:solidFill>
+              <a:effectLst/>
+            </a:endParaRPr>
+          </a:p>
+          <a:p>
+            <a:pPr marL="457200" marR="0" lvl="0" indent="-457200" algn="l" defTabSz="914400" rtl="0" eaLnBrk="0" fontAlgn="base" latinLnBrk="0" hangingPunct="0">
+              <a:spcBef>
+                <a:spcPct val="0"/>
+              </a:spcBef>
+              <a:spcAft>
+                <a:spcPct val="0"/>
+              </a:spcAft>
+              <a:buClrTx/>
+              <a:buSzTx/>
+              <a:buFont typeface="Arial" panose="020B0604020202020204" pitchFamily="34" charset="0"/>
+              <a:buChar char="•"/>
+              <a:tabLst/>
+            </a:pPr>
+            <a:r>
+              <a:rPr kumimoji="0" lang="en-US" altLang="en-US" sz="2400" b="1" i="0" u="none" strike="noStrike" cap="none" normalizeH="0" baseline="0" dirty="0">
+                <a:ln>
+                  <a:noFill/>
+                </a:ln>
+                <a:solidFill>
+                  <a:schemeClr val="tx1"/>
+                </a:solidFill>
+                <a:effectLst/>
+              </a:rPr>
+              <a:t>Simulation &amp; Reflection:</a:t>
+            </a:r>
+            <a:r>
+              <a:rPr kumimoji="0" lang="en-US" altLang="en-US" sz="2400" b="0" i="0" u="none" strike="noStrike" cap="none" normalizeH="0" baseline="0" dirty="0">
+                <a:ln>
+                  <a:noFill/>
+                </a:ln>
+                <a:solidFill>
+                  <a:schemeClr val="tx1"/>
+                </a:solidFill>
+                <a:effectLst/>
+              </a:rPr>
+              <a:t> Embed hands‐on exercises and debriefs</a:t>
+            </a:r>
+          </a:p>
+          <a:p>
+            <a:pPr marL="457200" marR="0" lvl="0" indent="-457200" algn="l" defTabSz="914400" rtl="0" eaLnBrk="0" fontAlgn="base" latinLnBrk="0" hangingPunct="0">
+              <a:spcBef>
+                <a:spcPct val="0"/>
+              </a:spcBef>
+              <a:spcAft>
+                <a:spcPct val="0"/>
+              </a:spcAft>
+              <a:buClrTx/>
+              <a:buSzTx/>
+              <a:buFont typeface="Arial" panose="020B0604020202020204" pitchFamily="34" charset="0"/>
+              <a:buChar char="•"/>
+              <a:tabLst/>
+            </a:pPr>
+            <a:endParaRPr kumimoji="0" lang="en-US" altLang="en-US" sz="2400" b="0" i="0" u="none" strike="noStrike" cap="none" normalizeH="0" baseline="0" dirty="0">
+              <a:ln>
+                <a:noFill/>
+              </a:ln>
+              <a:solidFill>
+                <a:schemeClr val="tx1"/>
+              </a:solidFill>
+              <a:effectLst/>
+            </a:endParaRPr>
+          </a:p>
+          <a:p>
+            <a:pPr marL="457200" marR="0" lvl="0" indent="-457200" algn="l" defTabSz="914400" rtl="0" eaLnBrk="0" fontAlgn="base" latinLnBrk="0" hangingPunct="0">
+              <a:spcBef>
+                <a:spcPct val="0"/>
+              </a:spcBef>
+              <a:spcAft>
+                <a:spcPct val="0"/>
+              </a:spcAft>
+              <a:buClrTx/>
+              <a:buSzTx/>
+              <a:buFont typeface="Arial" panose="020B0604020202020204" pitchFamily="34" charset="0"/>
+              <a:buChar char="•"/>
+              <a:tabLst/>
+            </a:pPr>
+            <a:r>
+              <a:rPr kumimoji="0" lang="en-US" altLang="en-US" sz="2400" b="1" i="0" u="none" strike="noStrike" cap="none" normalizeH="0" baseline="0" dirty="0">
+                <a:ln>
+                  <a:noFill/>
+                </a:ln>
+                <a:solidFill>
+                  <a:schemeClr val="tx1"/>
+                </a:solidFill>
+                <a:effectLst/>
+              </a:rPr>
+              <a:t>Domain Modules:</a:t>
+            </a:r>
+            <a:r>
+              <a:rPr kumimoji="0" lang="en-US" altLang="en-US" sz="2400" b="0" i="0" u="none" strike="noStrike" cap="none" normalizeH="0" baseline="0" dirty="0">
+                <a:ln>
+                  <a:noFill/>
+                </a:ln>
+                <a:solidFill>
+                  <a:schemeClr val="tx1"/>
+                </a:solidFill>
+                <a:effectLst/>
+              </a:rPr>
+              <a:t> Mealtime care, ACP, palliative dementia.</a:t>
+            </a:r>
+          </a:p>
+          <a:p>
+            <a:pPr marL="457200" marR="0" lvl="0" indent="-457200" algn="l" defTabSz="914400" rtl="0" eaLnBrk="0" fontAlgn="base" latinLnBrk="0" hangingPunct="0">
+              <a:spcBef>
+                <a:spcPct val="0"/>
+              </a:spcBef>
+              <a:spcAft>
+                <a:spcPct val="0"/>
+              </a:spcAft>
+              <a:buClrTx/>
+              <a:buSzTx/>
+              <a:buFont typeface="Arial" panose="020B0604020202020204" pitchFamily="34" charset="0"/>
+              <a:buChar char="•"/>
+              <a:tabLst/>
+            </a:pPr>
+            <a:endParaRPr kumimoji="0" lang="en-US" altLang="en-US" sz="2400" b="0" i="0" u="none" strike="noStrike" cap="none" normalizeH="0" baseline="0" dirty="0">
+              <a:ln>
+                <a:noFill/>
+              </a:ln>
+              <a:solidFill>
+                <a:schemeClr val="tx1"/>
+              </a:solidFill>
+              <a:effectLst/>
+            </a:endParaRPr>
+          </a:p>
+          <a:p>
+            <a:pPr marL="457200" marR="0" lvl="0" indent="-457200" algn="l" defTabSz="914400" rtl="0" eaLnBrk="0" fontAlgn="base" latinLnBrk="0" hangingPunct="0">
+              <a:spcBef>
+                <a:spcPct val="0"/>
+              </a:spcBef>
+              <a:spcAft>
+                <a:spcPct val="0"/>
+              </a:spcAft>
+              <a:buClrTx/>
+              <a:buSzTx/>
+              <a:buFont typeface="Arial" panose="020B0604020202020204" pitchFamily="34" charset="0"/>
+              <a:buChar char="•"/>
+              <a:tabLst/>
+            </a:pPr>
+            <a:r>
+              <a:rPr kumimoji="0" lang="en-US" altLang="en-US" sz="2400" b="1" i="0" u="none" strike="noStrike" cap="none" normalizeH="0" baseline="0" dirty="0">
+                <a:ln>
+                  <a:noFill/>
+                </a:ln>
+                <a:solidFill>
+                  <a:schemeClr val="tx1"/>
+                </a:solidFill>
+                <a:effectLst/>
+              </a:rPr>
+              <a:t>Organisational Support:</a:t>
+            </a:r>
+            <a:r>
+              <a:rPr kumimoji="0" lang="en-US" altLang="en-US" sz="2400" b="0" i="0" u="none" strike="noStrike" cap="none" normalizeH="0" baseline="0" dirty="0">
+                <a:ln>
+                  <a:noFill/>
+                </a:ln>
+                <a:solidFill>
+                  <a:schemeClr val="tx1"/>
+                </a:solidFill>
+                <a:effectLst/>
+              </a:rPr>
+              <a:t> Secure leadership buy‐in </a:t>
+            </a:r>
+            <a:r>
+              <a:rPr lang="en-US" altLang="en-US" sz="2400" dirty="0"/>
+              <a:t>and</a:t>
+            </a:r>
+            <a:r>
+              <a:rPr kumimoji="0" lang="en-US" altLang="en-US" sz="2400" b="0" i="0" u="none" strike="noStrike" cap="none" normalizeH="0" baseline="0" dirty="0">
+                <a:ln>
+                  <a:noFill/>
+                </a:ln>
+                <a:solidFill>
+                  <a:schemeClr val="tx1"/>
+                </a:solidFill>
+                <a:effectLst/>
+              </a:rPr>
+              <a:t> training time.</a:t>
+            </a:r>
+          </a:p>
+          <a:p>
+            <a:pPr marL="457200" marR="0" lvl="0" indent="-457200" algn="l" defTabSz="914400" rtl="0" eaLnBrk="0" fontAlgn="base" latinLnBrk="0" hangingPunct="0">
+              <a:spcBef>
+                <a:spcPct val="0"/>
+              </a:spcBef>
+              <a:spcAft>
+                <a:spcPct val="0"/>
+              </a:spcAft>
+              <a:buClrTx/>
+              <a:buSzTx/>
+              <a:buFont typeface="Arial" panose="020B0604020202020204" pitchFamily="34" charset="0"/>
+              <a:buChar char="•"/>
+              <a:tabLst/>
+            </a:pPr>
+            <a:endParaRPr kumimoji="0" lang="en-US" altLang="en-US" sz="2400" b="0" i="0" u="none" strike="noStrike" cap="none" normalizeH="0" baseline="0" dirty="0">
+              <a:ln>
+                <a:noFill/>
+              </a:ln>
+              <a:solidFill>
+                <a:schemeClr val="tx1"/>
+              </a:solidFill>
+              <a:effectLst/>
+            </a:endParaRPr>
+          </a:p>
+          <a:p>
+            <a:pPr marL="457200" marR="0" lvl="0" indent="-457200" algn="l" defTabSz="914400" rtl="0" eaLnBrk="0" fontAlgn="base" latinLnBrk="0" hangingPunct="0">
+              <a:spcBef>
+                <a:spcPct val="0"/>
+              </a:spcBef>
+              <a:spcAft>
+                <a:spcPct val="0"/>
+              </a:spcAft>
+              <a:buClrTx/>
+              <a:buSzTx/>
+              <a:buFont typeface="Arial" panose="020B0604020202020204" pitchFamily="34" charset="0"/>
+              <a:buChar char="•"/>
+              <a:tabLst/>
+            </a:pPr>
+            <a:r>
+              <a:rPr kumimoji="0" lang="en-US" altLang="en-US" sz="2400" b="1" i="0" u="none" strike="noStrike" cap="none" normalizeH="0" baseline="0" dirty="0">
+                <a:ln>
+                  <a:noFill/>
+                </a:ln>
+                <a:solidFill>
+                  <a:schemeClr val="tx1"/>
+                </a:solidFill>
+                <a:effectLst/>
+              </a:rPr>
+              <a:t>Ongoing Evaluation:</a:t>
+            </a:r>
+            <a:r>
+              <a:rPr kumimoji="0" lang="en-US" altLang="en-US" sz="2400" b="0" i="0" u="none" strike="noStrike" cap="none" normalizeH="0" baseline="0" dirty="0">
+                <a:ln>
+                  <a:noFill/>
+                </a:ln>
+                <a:solidFill>
+                  <a:schemeClr val="tx1"/>
+                </a:solidFill>
+                <a:effectLst/>
+              </a:rPr>
+              <a:t> Standard confidence scales and resident metrics.</a:t>
+            </a:r>
+          </a:p>
+        </p:txBody>
+      </p:sp>
+    </p:spTree>
+    <p:extLst>
+      <p:ext uri="{BB962C8B-B14F-4D97-AF65-F5344CB8AC3E}">
+        <p14:creationId xmlns:p14="http://schemas.microsoft.com/office/powerpoint/2010/main" val="3390898180"/>
       </p:ext>
     </p:extLst>
   </p:cSld>
